--- a/presentations/Day1_Rbasics.pptx
+++ b/presentations/Day1_Rbasics.pptx
@@ -26,11 +26,11 @@
     <p:sldId id="291" r:id="rId17"/>
     <p:sldId id="332" r:id="rId18"/>
     <p:sldId id="333" r:id="rId19"/>
-    <p:sldId id="335" r:id="rId20"/>
-    <p:sldId id="338" r:id="rId21"/>
-    <p:sldId id="336" r:id="rId22"/>
-    <p:sldId id="343" r:id="rId23"/>
-    <p:sldId id="337" r:id="rId24"/>
+    <p:sldId id="336" r:id="rId20"/>
+    <p:sldId id="343" r:id="rId21"/>
+    <p:sldId id="337" r:id="rId22"/>
+    <p:sldId id="346" r:id="rId23"/>
+    <p:sldId id="347" r:id="rId24"/>
   </p:sldIdLst>
   <p:sldSz cx="9144000" cy="6858000" type="screen4x3"/>
   <p:notesSz cx="6858000" cy="9144000"/>
@@ -266,7 +266,7 @@
               <a:pPr>
                 <a:defRPr/>
               </a:pPr>
-              <a:t>11/11/21</a:t>
+              <a:t>11/12/21</a:t>
             </a:fld>
             <a:endParaRPr lang="en-US"/>
           </a:p>
@@ -999,7 +999,7 @@
               <a:pPr>
                 <a:defRPr/>
               </a:pPr>
-              <a:t>11/11/21</a:t>
+              <a:t>11/12/21</a:t>
             </a:fld>
             <a:endParaRPr lang="en-US"/>
           </a:p>
@@ -1776,7 +1776,7 @@
               <a:pPr>
                 <a:defRPr/>
               </a:pPr>
-              <a:t>11/11/21</a:t>
+              <a:t>11/12/21</a:t>
             </a:fld>
             <a:endParaRPr lang="en-US"/>
           </a:p>
@@ -2420,7 +2420,7 @@
               <a:pPr>
                 <a:defRPr/>
               </a:pPr>
-              <a:t>11/11/21</a:t>
+              <a:t>11/12/21</a:t>
             </a:fld>
             <a:endParaRPr lang="en-US"/>
           </a:p>
@@ -2863,7 +2863,7 @@
               <a:pPr>
                 <a:defRPr/>
               </a:pPr>
-              <a:t>11/11/21</a:t>
+              <a:t>11/12/21</a:t>
             </a:fld>
             <a:endParaRPr lang="en-US"/>
           </a:p>
@@ -3060,7 +3060,7 @@
               <a:pPr>
                 <a:defRPr/>
               </a:pPr>
-              <a:t>11/11/21</a:t>
+              <a:t>11/12/21</a:t>
             </a:fld>
             <a:endParaRPr lang="en-US"/>
           </a:p>
@@ -3897,7 +3897,7 @@
               <a:pPr>
                 <a:defRPr/>
               </a:pPr>
-              <a:t>11/11/21</a:t>
+              <a:t>11/12/21</a:t>
             </a:fld>
             <a:endParaRPr lang="en-US"/>
           </a:p>
@@ -4428,7 +4428,7 @@
               <a:pPr>
                 <a:defRPr/>
               </a:pPr>
-              <a:t>11/11/21</a:t>
+              <a:t>11/12/21</a:t>
             </a:fld>
             <a:endParaRPr lang="en-US"/>
           </a:p>
@@ -4681,7 +4681,7 @@
               <a:pPr>
                 <a:defRPr/>
               </a:pPr>
-              <a:t>11/11/21</a:t>
+              <a:t>11/12/21</a:t>
             </a:fld>
             <a:endParaRPr lang="en-US"/>
           </a:p>
@@ -5226,7 +5226,7 @@
               <a:pPr>
                 <a:defRPr/>
               </a:pPr>
-              <a:t>11/11/21</a:t>
+              <a:t>11/12/21</a:t>
             </a:fld>
             <a:endParaRPr lang="en-US"/>
           </a:p>
@@ -5381,7 +5381,7 @@
               <a:pPr>
                 <a:defRPr/>
               </a:pPr>
-              <a:t>11/11/21</a:t>
+              <a:t>11/12/21</a:t>
             </a:fld>
             <a:endParaRPr lang="en-US"/>
           </a:p>
@@ -6299,7 +6299,7 @@
               <a:pPr>
                 <a:defRPr/>
               </a:pPr>
-              <a:t>11/11/21</a:t>
+              <a:t>11/12/21</a:t>
             </a:fld>
             <a:endParaRPr lang="en-US"/>
           </a:p>
@@ -6442,7 +6442,7 @@
               <a:pPr>
                 <a:defRPr/>
               </a:pPr>
-              <a:t>11/11/21</a:t>
+              <a:t>11/12/21</a:t>
             </a:fld>
             <a:endParaRPr lang="en-US"/>
           </a:p>
@@ -7346,7 +7346,7 @@
               <a:pPr>
                 <a:defRPr/>
               </a:pPr>
-              <a:t>11/11/21</a:t>
+              <a:t>11/12/21</a:t>
             </a:fld>
             <a:endParaRPr lang="en-US"/>
           </a:p>
@@ -8014,7 +8014,7 @@
               <a:pPr>
                 <a:defRPr/>
               </a:pPr>
-              <a:t>11/11/21</a:t>
+              <a:t>11/12/21</a:t>
             </a:fld>
             <a:endParaRPr lang="en-US"/>
           </a:p>
@@ -8350,7 +8350,7 @@
               <a:pPr>
                 <a:defRPr/>
               </a:pPr>
-              <a:t>11/11/21</a:t>
+              <a:t>11/12/21</a:t>
             </a:fld>
             <a:endParaRPr lang="en-US"/>
           </a:p>
@@ -8460,7 +8460,7 @@
               <a:pPr>
                 <a:defRPr/>
               </a:pPr>
-              <a:t>11/11/21</a:t>
+              <a:t>11/12/21</a:t>
             </a:fld>
             <a:endParaRPr lang="en-US"/>
           </a:p>
@@ -8808,7 +8808,7 @@
               <a:pPr>
                 <a:defRPr/>
               </a:pPr>
-              <a:t>11/11/21</a:t>
+              <a:t>11/12/21</a:t>
             </a:fld>
             <a:endParaRPr lang="en-US"/>
           </a:p>
@@ -10705,7 +10705,7 @@
         <p:spPr bwMode="auto">
           <a:xfrm>
             <a:off x="0" y="990600"/>
-            <a:ext cx="5867400" cy="523220"/>
+            <a:ext cx="8382000" cy="523220"/>
           </a:xfrm>
           <a:prstGeom prst="rect">
             <a:avLst/>
@@ -10770,6 +10770,28 @@
                 </a:solidFill>
               </a:rPr>
               <a:t>ecology</a:t>
+            </a:r>
+            <a:r>
+              <a:rPr lang="es-ES_tradnl" sz="2800" dirty="0">
+                <a:solidFill>
+                  <a:schemeClr val="tx1">
+                    <a:lumMod val="75000"/>
+                    <a:lumOff val="25000"/>
+                  </a:schemeClr>
+                </a:solidFill>
+              </a:rPr>
+              <a:t>/</a:t>
+            </a:r>
+            <a:r>
+              <a:rPr lang="es-ES_tradnl" sz="2800" dirty="0" err="1">
+                <a:solidFill>
+                  <a:schemeClr val="tx1">
+                    <a:lumMod val="75000"/>
+                    <a:lumOff val="25000"/>
+                  </a:schemeClr>
+                </a:solidFill>
+              </a:rPr>
+              <a:t>epidemiology</a:t>
             </a:r>
             <a:endParaRPr lang="es-ES_tradnl" sz="2800" dirty="0">
               <a:solidFill>
@@ -12533,8 +12555,8 @@
         </p:nvSpPr>
         <p:spPr bwMode="auto">
           <a:xfrm>
-            <a:off x="341313" y="1739140"/>
-            <a:ext cx="3886200" cy="5262979"/>
+            <a:off x="693295" y="1676400"/>
+            <a:ext cx="3886200" cy="830997"/>
           </a:xfrm>
           <a:prstGeom prst="rect">
             <a:avLst/>
@@ -12557,70 +12579,6 @@
               <a:buFont typeface="Arial" charset="0"/>
               <a:buChar char="•"/>
             </a:pPr>
-            <a:r>
-              <a:rPr lang="en-US" sz="2400" dirty="0">
-                <a:solidFill>
-                  <a:srgbClr val="404040"/>
-                </a:solidFill>
-              </a:rPr>
-              <a:t>Most of the time have a data book where you write down your data, observations, etc.</a:t>
-            </a:r>
-          </a:p>
-          <a:p>
-            <a:pPr marL="342900" indent="-342900">
-              <a:buFont typeface="Arial" charset="0"/>
-              <a:buChar char="•"/>
-            </a:pPr>
-            <a:endParaRPr lang="en-US" sz="2400" dirty="0">
-              <a:solidFill>
-                <a:srgbClr val="404040"/>
-              </a:solidFill>
-            </a:endParaRPr>
-          </a:p>
-          <a:p>
-            <a:pPr marL="342900" indent="-342900">
-              <a:buFont typeface="Arial" charset="0"/>
-              <a:buChar char="•"/>
-            </a:pPr>
-            <a:r>
-              <a:rPr lang="en-US" sz="2400" dirty="0">
-                <a:solidFill>
-                  <a:srgbClr val="404040"/>
-                </a:solidFill>
-              </a:rPr>
-              <a:t>Most people use MS Excel to enter and store data from the notebook on the computer.</a:t>
-            </a:r>
-          </a:p>
-          <a:p>
-            <a:pPr marL="342900" indent="-342900">
-              <a:buFont typeface="Arial" charset="0"/>
-              <a:buChar char="•"/>
-            </a:pPr>
-            <a:endParaRPr lang="en-US" sz="2400" dirty="0">
-              <a:solidFill>
-                <a:srgbClr val="404040"/>
-              </a:solidFill>
-            </a:endParaRPr>
-          </a:p>
-          <a:p>
-            <a:pPr marL="342900" indent="-342900">
-              <a:buFont typeface="Arial" charset="0"/>
-              <a:buChar char="•"/>
-            </a:pPr>
-            <a:r>
-              <a:rPr lang="en-US" sz="2400" b="1" dirty="0">
-                <a:solidFill>
-                  <a:srgbClr val="FF0000"/>
-                </a:solidFill>
-              </a:rPr>
-              <a:t>But… BEWARE of how data is recorded on excel</a:t>
-            </a:r>
-          </a:p>
-          <a:p>
-            <a:pPr marL="342900" indent="-342900">
-              <a:buFont typeface="Arial" charset="0"/>
-              <a:buChar char="•"/>
-            </a:pPr>
             <a:endParaRPr lang="en-US" sz="2400" dirty="0">
               <a:solidFill>
                 <a:srgbClr val="404040"/>
@@ -12648,7 +12606,7 @@
         <p:spPr bwMode="auto">
           <a:xfrm>
             <a:off x="341313" y="444500"/>
-            <a:ext cx="3453702" cy="646331"/>
+            <a:ext cx="6154121" cy="646331"/>
           </a:xfrm>
           <a:prstGeom prst="rect">
             <a:avLst/>
@@ -12673,17 +12631,17 @@
                   <a:srgbClr val="E46C0A"/>
                 </a:solidFill>
               </a:rPr>
-              <a:t>Record your data</a:t>
-            </a:r>
-          </a:p>
-        </p:txBody>
-      </p:sp>
-      <p:sp>
-        <p:nvSpPr>
-          <p:cNvPr id="7" name="TextBox 6">
+              <a:t>Record your data: general rules</a:t>
+            </a:r>
+          </a:p>
+        </p:txBody>
+      </p:sp>
+      <p:sp>
+        <p:nvSpPr>
+          <p:cNvPr id="2" name="TextBox 1">
             <a:extLst>
               <a:ext uri="{FF2B5EF4-FFF2-40B4-BE49-F238E27FC236}">
-                <a16:creationId xmlns:a16="http://schemas.microsoft.com/office/drawing/2014/main" id="{F4FCCA24-69A0-7F4D-9D80-6A79FD19AC30}"/>
+                <a16:creationId xmlns:a16="http://schemas.microsoft.com/office/drawing/2014/main" id="{513D88A1-2ABD-554A-9EEE-851EA8A19B2B}"/>
               </a:ext>
             </a:extLst>
           </p:cNvPr>
@@ -12692,8 +12650,8 @@
         </p:nvSpPr>
         <p:spPr>
           <a:xfrm>
-            <a:off x="4510206" y="1277475"/>
-            <a:ext cx="4264999" cy="923330"/>
+            <a:off x="457200" y="1090831"/>
+            <a:ext cx="4800600" cy="2246769"/>
           </a:xfrm>
           <a:prstGeom prst="rect">
             <a:avLst/>
@@ -12706,31 +12664,43 @@
           </a:bodyPr>
           <a:lstStyle/>
           <a:p>
-            <a:r>
-              <a:rPr lang="en-US" i="1" dirty="0"/>
-              <a:t>Hypothetical data on sizes of trees in deer </a:t>
-            </a:r>
-            <a:r>
-              <a:rPr lang="en-US" i="1" dirty="0" err="1"/>
-              <a:t>exclosures</a:t>
-            </a:r>
-            <a:r>
-              <a:rPr lang="en-US" i="1" dirty="0"/>
-              <a:t> </a:t>
-            </a:r>
-            <a:endParaRPr lang="en-US" dirty="0"/>
-          </a:p>
-          <a:p>
-            <a:endParaRPr lang="en-US" dirty="0"/>
+            <a:pPr marL="285750" indent="-285750">
+              <a:buFont typeface="Arial" panose="020B0604020202020204" pitchFamily="34" charset="0"/>
+              <a:buChar char="•"/>
+            </a:pPr>
+            <a:r>
+              <a:rPr lang="en-US" sz="2800" dirty="0"/>
+              <a:t>Avoid spaces: use period “.” or underscore “_”.</a:t>
+            </a:r>
+          </a:p>
+          <a:p>
+            <a:pPr marL="285750" indent="-285750">
+              <a:buFont typeface="Arial" panose="020B0604020202020204" pitchFamily="34" charset="0"/>
+              <a:buChar char="•"/>
+            </a:pPr>
+            <a:r>
+              <a:rPr lang="en-US" sz="2800" dirty="0"/>
+              <a:t>Keep column names short, simple and unique.</a:t>
+            </a:r>
+          </a:p>
+          <a:p>
+            <a:pPr marL="285750" indent="-285750">
+              <a:buFont typeface="Arial" panose="020B0604020202020204" pitchFamily="34" charset="0"/>
+              <a:buChar char="•"/>
+            </a:pPr>
+            <a:r>
+              <a:rPr lang="en-US" sz="2800" b="1" dirty="0"/>
+              <a:t>Be very careful of typos.</a:t>
+            </a:r>
           </a:p>
         </p:txBody>
       </p:sp>
       <p:pic>
         <p:nvPicPr>
-          <p:cNvPr id="9" name="Picture 8">
+          <p:cNvPr id="7" name="Picture 6">
             <a:extLst>
               <a:ext uri="{FF2B5EF4-FFF2-40B4-BE49-F238E27FC236}">
-                <a16:creationId xmlns:a16="http://schemas.microsoft.com/office/drawing/2014/main" id="{7CB95A5C-5152-E84F-BD4E-2D8CB0652E81}"/>
+                <a16:creationId xmlns:a16="http://schemas.microsoft.com/office/drawing/2014/main" id="{E10FA89D-DEA6-AB43-83B0-1305B876D959}"/>
               </a:ext>
             </a:extLst>
           </p:cNvPr>
@@ -12753,8 +12723,8 @@
         </p:blipFill>
         <p:spPr>
           <a:xfrm>
-            <a:off x="4889007" y="2438400"/>
-            <a:ext cx="3401258" cy="3429000"/>
+            <a:off x="4876800" y="4153764"/>
+            <a:ext cx="4114800" cy="2243610"/>
           </a:xfrm>
           <a:prstGeom prst="rect">
             <a:avLst/>
@@ -12764,7 +12734,7 @@
     </p:spTree>
     <p:extLst>
       <p:ext uri="{BB962C8B-B14F-4D97-AF65-F5344CB8AC3E}">
-        <p14:creationId xmlns:p14="http://schemas.microsoft.com/office/powerpoint/2010/main" val="117405431"/>
+        <p14:creationId xmlns:p14="http://schemas.microsoft.com/office/powerpoint/2010/main" val="2044767919"/>
       </p:ext>
     </p:extLst>
   </p:cSld>
@@ -12857,7 +12827,7 @@
         </p:blipFill>
         <p:spPr>
           <a:xfrm>
-            <a:off x="6096000" y="1752600"/>
+            <a:off x="3962400" y="1905000"/>
             <a:ext cx="2286000" cy="4837190"/>
           </a:xfrm>
         </p:spPr>
@@ -12932,490 +12902,6 @@
         </p:nvSpPr>
         <p:spPr bwMode="auto">
           <a:xfrm>
-            <a:off x="341313" y="1739140"/>
-            <a:ext cx="3886200" cy="5262979"/>
-          </a:xfrm>
-          <a:prstGeom prst="rect">
-            <a:avLst/>
-          </a:prstGeom>
-          <a:noFill/>
-          <a:ln w="9525">
-            <a:noFill/>
-            <a:miter lim="800000"/>
-            <a:headEnd/>
-            <a:tailEnd/>
-          </a:ln>
-        </p:spPr>
-        <p:txBody>
-          <a:bodyPr wrap="square">
-            <a:spAutoFit/>
-          </a:bodyPr>
-          <a:lstStyle/>
-          <a:p>
-            <a:pPr marL="342900" indent="-342900">
-              <a:buFont typeface="Arial" charset="0"/>
-              <a:buChar char="•"/>
-            </a:pPr>
-            <a:r>
-              <a:rPr lang="en-US" sz="2400" dirty="0">
-                <a:solidFill>
-                  <a:srgbClr val="404040"/>
-                </a:solidFill>
-              </a:rPr>
-              <a:t>Most of the time have a data book where you write down your data, observations, etc.</a:t>
-            </a:r>
-          </a:p>
-          <a:p>
-            <a:pPr marL="342900" indent="-342900">
-              <a:buFont typeface="Arial" charset="0"/>
-              <a:buChar char="•"/>
-            </a:pPr>
-            <a:endParaRPr lang="en-US" sz="2400" dirty="0">
-              <a:solidFill>
-                <a:srgbClr val="404040"/>
-              </a:solidFill>
-            </a:endParaRPr>
-          </a:p>
-          <a:p>
-            <a:pPr marL="342900" indent="-342900">
-              <a:buFont typeface="Arial" charset="0"/>
-              <a:buChar char="•"/>
-            </a:pPr>
-            <a:r>
-              <a:rPr lang="en-US" sz="2400" dirty="0">
-                <a:solidFill>
-                  <a:srgbClr val="404040"/>
-                </a:solidFill>
-              </a:rPr>
-              <a:t>Most people use MS Excel to enter and store data from the notebook on the computer.</a:t>
-            </a:r>
-          </a:p>
-          <a:p>
-            <a:pPr marL="342900" indent="-342900">
-              <a:buFont typeface="Arial" charset="0"/>
-              <a:buChar char="•"/>
-            </a:pPr>
-            <a:endParaRPr lang="en-US" sz="2400" dirty="0">
-              <a:solidFill>
-                <a:srgbClr val="404040"/>
-              </a:solidFill>
-            </a:endParaRPr>
-          </a:p>
-          <a:p>
-            <a:pPr marL="342900" indent="-342900">
-              <a:buFont typeface="Arial" charset="0"/>
-              <a:buChar char="•"/>
-            </a:pPr>
-            <a:r>
-              <a:rPr lang="en-US" sz="2400" b="1" dirty="0">
-                <a:solidFill>
-                  <a:srgbClr val="FF0000"/>
-                </a:solidFill>
-              </a:rPr>
-              <a:t>But… BEWARE of how data is recorded on excel</a:t>
-            </a:r>
-          </a:p>
-          <a:p>
-            <a:pPr marL="342900" indent="-342900">
-              <a:buFont typeface="Arial" charset="0"/>
-              <a:buChar char="•"/>
-            </a:pPr>
-            <a:endParaRPr lang="en-US" sz="2400" dirty="0">
-              <a:solidFill>
-                <a:srgbClr val="404040"/>
-              </a:solidFill>
-            </a:endParaRPr>
-          </a:p>
-          <a:p>
-            <a:pPr marL="342900" indent="-342900"/>
-            <a:endParaRPr lang="en-US" sz="2400" dirty="0">
-              <a:solidFill>
-                <a:srgbClr val="404040"/>
-              </a:solidFill>
-            </a:endParaRPr>
-          </a:p>
-        </p:txBody>
-      </p:sp>
-      <p:sp>
-        <p:nvSpPr>
-          <p:cNvPr id="17410" name="Rectangle 3"/>
-          <p:cNvSpPr>
-            <a:spLocks noChangeArrowheads="1"/>
-          </p:cNvSpPr>
-          <p:nvPr/>
-        </p:nvSpPr>
-        <p:spPr bwMode="auto">
-          <a:xfrm>
-            <a:off x="341313" y="444500"/>
-            <a:ext cx="3453702" cy="646331"/>
-          </a:xfrm>
-          <a:prstGeom prst="rect">
-            <a:avLst/>
-          </a:prstGeom>
-          <a:noFill/>
-          <a:ln w="9525">
-            <a:noFill/>
-            <a:miter lim="800000"/>
-            <a:headEnd/>
-            <a:tailEnd/>
-          </a:ln>
-        </p:spPr>
-        <p:txBody>
-          <a:bodyPr wrap="none">
-            <a:spAutoFit/>
-          </a:bodyPr>
-          <a:lstStyle/>
-          <a:p>
-            <a:r>
-              <a:rPr lang="en-US" sz="3600" b="1" dirty="0">
-                <a:solidFill>
-                  <a:srgbClr val="E46C0A"/>
-                </a:solidFill>
-              </a:rPr>
-              <a:t>Record your data</a:t>
-            </a:r>
-          </a:p>
-        </p:txBody>
-      </p:sp>
-      <p:pic>
-        <p:nvPicPr>
-          <p:cNvPr id="6" name="Picture 5">
-            <a:extLst>
-              <a:ext uri="{FF2B5EF4-FFF2-40B4-BE49-F238E27FC236}">
-                <a16:creationId xmlns:a16="http://schemas.microsoft.com/office/drawing/2014/main" id="{3A4F3D22-52B1-DB47-9BE5-9DA24EF06E15}"/>
-              </a:ext>
-            </a:extLst>
-          </p:cNvPr>
-          <p:cNvPicPr>
-            <a:picLocks noChangeAspect="1"/>
-          </p:cNvPicPr>
-          <p:nvPr/>
-        </p:nvPicPr>
-        <p:blipFill>
-          <a:blip r:embed="rId2" cstate="screen">
-            <a:extLst>
-              <a:ext uri="{28A0092B-C50C-407E-A947-70E740481C1C}">
-                <a14:useLocalDpi xmlns:a14="http://schemas.microsoft.com/office/drawing/2010/main"/>
-              </a:ext>
-            </a:extLst>
-          </a:blip>
-          <a:stretch>
-            <a:fillRect/>
-          </a:stretch>
-        </p:blipFill>
-        <p:spPr>
-          <a:xfrm>
-            <a:off x="4234039" y="2895600"/>
-            <a:ext cx="4568648" cy="3581400"/>
-          </a:xfrm>
-          <a:prstGeom prst="rect">
-            <a:avLst/>
-          </a:prstGeom>
-        </p:spPr>
-      </p:pic>
-      <p:sp>
-        <p:nvSpPr>
-          <p:cNvPr id="7" name="TextBox 6">
-            <a:extLst>
-              <a:ext uri="{FF2B5EF4-FFF2-40B4-BE49-F238E27FC236}">
-                <a16:creationId xmlns:a16="http://schemas.microsoft.com/office/drawing/2014/main" id="{F4FCCA24-69A0-7F4D-9D80-6A79FD19AC30}"/>
-              </a:ext>
-            </a:extLst>
-          </p:cNvPr>
-          <p:cNvSpPr txBox="1"/>
-          <p:nvPr/>
-        </p:nvSpPr>
-        <p:spPr>
-          <a:xfrm>
-            <a:off x="4510206" y="1277475"/>
-            <a:ext cx="4264999" cy="923330"/>
-          </a:xfrm>
-          <a:prstGeom prst="rect">
-            <a:avLst/>
-          </a:prstGeom>
-          <a:noFill/>
-        </p:spPr>
-        <p:txBody>
-          <a:bodyPr wrap="square" rtlCol="0">
-            <a:spAutoFit/>
-          </a:bodyPr>
-          <a:lstStyle/>
-          <a:p>
-            <a:r>
-              <a:rPr lang="en-US" i="1" dirty="0"/>
-              <a:t>Hypothetical data on sizes of trees in deer </a:t>
-            </a:r>
-            <a:r>
-              <a:rPr lang="en-US" i="1" dirty="0" err="1"/>
-              <a:t>exclosures</a:t>
-            </a:r>
-            <a:r>
-              <a:rPr lang="en-US" i="1" dirty="0"/>
-              <a:t> </a:t>
-            </a:r>
-            <a:endParaRPr lang="en-US" dirty="0"/>
-          </a:p>
-          <a:p>
-            <a:endParaRPr lang="en-US" dirty="0"/>
-          </a:p>
-        </p:txBody>
-      </p:sp>
-    </p:spTree>
-    <p:extLst>
-      <p:ext uri="{BB962C8B-B14F-4D97-AF65-F5344CB8AC3E}">
-        <p14:creationId xmlns:p14="http://schemas.microsoft.com/office/powerpoint/2010/main" val="1996602100"/>
-      </p:ext>
-    </p:extLst>
-  </p:cSld>
-  <p:clrMapOvr>
-    <a:masterClrMapping/>
-  </p:clrMapOvr>
-</p:sld>
-</file>
-
-<file path=ppt/slides/slide21.xml><?xml version="1.0" encoding="utf-8"?>
-<p:sld xmlns:a="http://schemas.openxmlformats.org/drawingml/2006/main" xmlns:r="http://schemas.openxmlformats.org/officeDocument/2006/relationships" xmlns:p="http://schemas.openxmlformats.org/presentationml/2006/main">
-  <p:cSld>
-    <p:spTree>
-      <p:nvGrpSpPr>
-        <p:cNvPr id="1" name=""/>
-        <p:cNvGrpSpPr/>
-        <p:nvPr/>
-      </p:nvGrpSpPr>
-      <p:grpSpPr>
-        <a:xfrm>
-          <a:off x="0" y="0"/>
-          <a:ext cx="0" cy="0"/>
-          <a:chOff x="0" y="0"/>
-          <a:chExt cx="0" cy="0"/>
-        </a:xfrm>
-      </p:grpSpPr>
-      <p:sp>
-        <p:nvSpPr>
-          <p:cNvPr id="17409" name="Rectangle 9"/>
-          <p:cNvSpPr>
-            <a:spLocks noChangeArrowheads="1"/>
-          </p:cNvSpPr>
-          <p:nvPr/>
-        </p:nvSpPr>
-        <p:spPr bwMode="auto">
-          <a:xfrm>
-            <a:off x="693295" y="1676400"/>
-            <a:ext cx="3886200" cy="830997"/>
-          </a:xfrm>
-          <a:prstGeom prst="rect">
-            <a:avLst/>
-          </a:prstGeom>
-          <a:noFill/>
-          <a:ln w="9525">
-            <a:noFill/>
-            <a:miter lim="800000"/>
-            <a:headEnd/>
-            <a:tailEnd/>
-          </a:ln>
-        </p:spPr>
-        <p:txBody>
-          <a:bodyPr wrap="square">
-            <a:spAutoFit/>
-          </a:bodyPr>
-          <a:lstStyle/>
-          <a:p>
-            <a:pPr marL="342900" indent="-342900">
-              <a:buFont typeface="Arial" charset="0"/>
-              <a:buChar char="•"/>
-            </a:pPr>
-            <a:endParaRPr lang="en-US" sz="2400" dirty="0">
-              <a:solidFill>
-                <a:srgbClr val="404040"/>
-              </a:solidFill>
-            </a:endParaRPr>
-          </a:p>
-          <a:p>
-            <a:pPr marL="342900" indent="-342900"/>
-            <a:endParaRPr lang="en-US" sz="2400" dirty="0">
-              <a:solidFill>
-                <a:srgbClr val="404040"/>
-              </a:solidFill>
-            </a:endParaRPr>
-          </a:p>
-        </p:txBody>
-      </p:sp>
-      <p:sp>
-        <p:nvSpPr>
-          <p:cNvPr id="17410" name="Rectangle 3"/>
-          <p:cNvSpPr>
-            <a:spLocks noChangeArrowheads="1"/>
-          </p:cNvSpPr>
-          <p:nvPr/>
-        </p:nvSpPr>
-        <p:spPr bwMode="auto">
-          <a:xfrm>
-            <a:off x="341313" y="444500"/>
-            <a:ext cx="6154121" cy="646331"/>
-          </a:xfrm>
-          <a:prstGeom prst="rect">
-            <a:avLst/>
-          </a:prstGeom>
-          <a:noFill/>
-          <a:ln w="9525">
-            <a:noFill/>
-            <a:miter lim="800000"/>
-            <a:headEnd/>
-            <a:tailEnd/>
-          </a:ln>
-        </p:spPr>
-        <p:txBody>
-          <a:bodyPr wrap="none">
-            <a:spAutoFit/>
-          </a:bodyPr>
-          <a:lstStyle/>
-          <a:p>
-            <a:r>
-              <a:rPr lang="en-US" sz="3600" b="1" dirty="0">
-                <a:solidFill>
-                  <a:srgbClr val="E46C0A"/>
-                </a:solidFill>
-              </a:rPr>
-              <a:t>Record your data: general rules</a:t>
-            </a:r>
-          </a:p>
-        </p:txBody>
-      </p:sp>
-      <p:sp>
-        <p:nvSpPr>
-          <p:cNvPr id="2" name="TextBox 1">
-            <a:extLst>
-              <a:ext uri="{FF2B5EF4-FFF2-40B4-BE49-F238E27FC236}">
-                <a16:creationId xmlns:a16="http://schemas.microsoft.com/office/drawing/2014/main" id="{513D88A1-2ABD-554A-9EEE-851EA8A19B2B}"/>
-              </a:ext>
-            </a:extLst>
-          </p:cNvPr>
-          <p:cNvSpPr txBox="1"/>
-          <p:nvPr/>
-        </p:nvSpPr>
-        <p:spPr>
-          <a:xfrm>
-            <a:off x="457200" y="1090831"/>
-            <a:ext cx="4800600" cy="2246769"/>
-          </a:xfrm>
-          <a:prstGeom prst="rect">
-            <a:avLst/>
-          </a:prstGeom>
-          <a:noFill/>
-        </p:spPr>
-        <p:txBody>
-          <a:bodyPr wrap="square" rtlCol="0">
-            <a:spAutoFit/>
-          </a:bodyPr>
-          <a:lstStyle/>
-          <a:p>
-            <a:pPr marL="285750" indent="-285750">
-              <a:buFont typeface="Arial" panose="020B0604020202020204" pitchFamily="34" charset="0"/>
-              <a:buChar char="•"/>
-            </a:pPr>
-            <a:r>
-              <a:rPr lang="en-US" sz="2800" dirty="0"/>
-              <a:t>Avoid spaces: use period “.” or underscore “_”.</a:t>
-            </a:r>
-          </a:p>
-          <a:p>
-            <a:pPr marL="285750" indent="-285750">
-              <a:buFont typeface="Arial" panose="020B0604020202020204" pitchFamily="34" charset="0"/>
-              <a:buChar char="•"/>
-            </a:pPr>
-            <a:r>
-              <a:rPr lang="en-US" sz="2800" dirty="0"/>
-              <a:t>Keep column names short, simple and unique.</a:t>
-            </a:r>
-          </a:p>
-          <a:p>
-            <a:pPr marL="285750" indent="-285750">
-              <a:buFont typeface="Arial" panose="020B0604020202020204" pitchFamily="34" charset="0"/>
-              <a:buChar char="•"/>
-            </a:pPr>
-            <a:r>
-              <a:rPr lang="en-US" sz="2800" b="1" dirty="0"/>
-              <a:t>Be very careful of typos.</a:t>
-            </a:r>
-          </a:p>
-        </p:txBody>
-      </p:sp>
-      <p:pic>
-        <p:nvPicPr>
-          <p:cNvPr id="7" name="Picture 6">
-            <a:extLst>
-              <a:ext uri="{FF2B5EF4-FFF2-40B4-BE49-F238E27FC236}">
-                <a16:creationId xmlns:a16="http://schemas.microsoft.com/office/drawing/2014/main" id="{E10FA89D-DEA6-AB43-83B0-1305B876D959}"/>
-              </a:ext>
-            </a:extLst>
-          </p:cNvPr>
-          <p:cNvPicPr>
-            <a:picLocks noChangeAspect="1"/>
-          </p:cNvPicPr>
-          <p:nvPr/>
-        </p:nvPicPr>
-        <p:blipFill>
-          <a:blip r:embed="rId2" cstate="screen">
-            <a:extLst>
-              <a:ext uri="{28A0092B-C50C-407E-A947-70E740481C1C}">
-                <a14:useLocalDpi xmlns:a14="http://schemas.microsoft.com/office/drawing/2010/main"/>
-              </a:ext>
-            </a:extLst>
-          </a:blip>
-          <a:stretch>
-            <a:fillRect/>
-          </a:stretch>
-        </p:blipFill>
-        <p:spPr>
-          <a:xfrm>
-            <a:off x="4876800" y="4153764"/>
-            <a:ext cx="4114800" cy="2243610"/>
-          </a:xfrm>
-          <a:prstGeom prst="rect">
-            <a:avLst/>
-          </a:prstGeom>
-        </p:spPr>
-      </p:pic>
-    </p:spTree>
-    <p:extLst>
-      <p:ext uri="{BB962C8B-B14F-4D97-AF65-F5344CB8AC3E}">
-        <p14:creationId xmlns:p14="http://schemas.microsoft.com/office/powerpoint/2010/main" val="2044767919"/>
-      </p:ext>
-    </p:extLst>
-  </p:cSld>
-  <p:clrMapOvr>
-    <a:masterClrMapping/>
-  </p:clrMapOvr>
-</p:sld>
-</file>
-
-<file path=ppt/slides/slide22.xml><?xml version="1.0" encoding="utf-8"?>
-<p:sld xmlns:a="http://schemas.openxmlformats.org/drawingml/2006/main" xmlns:r="http://schemas.openxmlformats.org/officeDocument/2006/relationships" xmlns:p="http://schemas.openxmlformats.org/presentationml/2006/main">
-  <p:cSld>
-    <p:spTree>
-      <p:nvGrpSpPr>
-        <p:cNvPr id="1" name=""/>
-        <p:cNvGrpSpPr/>
-        <p:nvPr/>
-      </p:nvGrpSpPr>
-      <p:grpSpPr>
-        <a:xfrm>
-          <a:off x="0" y="0"/>
-          <a:ext cx="0" cy="0"/>
-          <a:chOff x="0" y="0"/>
-          <a:chExt cx="0" cy="0"/>
-        </a:xfrm>
-      </p:grpSpPr>
-      <p:sp>
-        <p:nvSpPr>
-          <p:cNvPr id="17409" name="Rectangle 9"/>
-          <p:cNvSpPr>
-            <a:spLocks noChangeArrowheads="1"/>
-          </p:cNvSpPr>
-          <p:nvPr/>
-        </p:nvSpPr>
-        <p:spPr bwMode="auto">
-          <a:xfrm>
             <a:off x="693295" y="1676400"/>
             <a:ext cx="3886200" cy="830997"/>
           </a:xfrm>
@@ -13652,7 +13138,7 @@
 </p:sld>
 </file>
 
-<file path=ppt/slides/slide23.xml><?xml version="1.0" encoding="utf-8"?>
+<file path=ppt/slides/slide21.xml><?xml version="1.0" encoding="utf-8"?>
 <p:sld xmlns:a="http://schemas.openxmlformats.org/drawingml/2006/main" xmlns:r="http://schemas.openxmlformats.org/officeDocument/2006/relationships" xmlns:p="http://schemas.openxmlformats.org/presentationml/2006/main">
   <p:cSld>
     <p:spTree>
@@ -13800,6 +13286,66 @@
     <p:extLst>
       <p:ext uri="{BB962C8B-B14F-4D97-AF65-F5344CB8AC3E}">
         <p14:creationId xmlns:p14="http://schemas.microsoft.com/office/powerpoint/2010/main" val="3478572251"/>
+      </p:ext>
+    </p:extLst>
+  </p:cSld>
+  <p:clrMapOvr>
+    <a:masterClrMapping/>
+  </p:clrMapOvr>
+</p:sld>
+</file>
+
+<file path=ppt/slides/slide22.xml><?xml version="1.0" encoding="utf-8"?>
+<p:sld xmlns:a="http://schemas.openxmlformats.org/drawingml/2006/main" xmlns:r="http://schemas.openxmlformats.org/officeDocument/2006/relationships" xmlns:p="http://schemas.openxmlformats.org/presentationml/2006/main">
+  <p:cSld>
+    <p:spTree>
+      <p:nvGrpSpPr>
+        <p:cNvPr id="1" name=""/>
+        <p:cNvGrpSpPr/>
+        <p:nvPr/>
+      </p:nvGrpSpPr>
+      <p:grpSpPr>
+        <a:xfrm>
+          <a:off x="0" y="0"/>
+          <a:ext cx="0" cy="0"/>
+          <a:chOff x="0" y="0"/>
+          <a:chExt cx="0" cy="0"/>
+        </a:xfrm>
+      </p:grpSpPr>
+    </p:spTree>
+    <p:extLst>
+      <p:ext uri="{BB962C8B-B14F-4D97-AF65-F5344CB8AC3E}">
+        <p14:creationId xmlns:p14="http://schemas.microsoft.com/office/powerpoint/2010/main" val="516819814"/>
+      </p:ext>
+    </p:extLst>
+  </p:cSld>
+  <p:clrMapOvr>
+    <a:masterClrMapping/>
+  </p:clrMapOvr>
+</p:sld>
+</file>
+
+<file path=ppt/slides/slide23.xml><?xml version="1.0" encoding="utf-8"?>
+<p:sld xmlns:a="http://schemas.openxmlformats.org/drawingml/2006/main" xmlns:r="http://schemas.openxmlformats.org/officeDocument/2006/relationships" xmlns:p="http://schemas.openxmlformats.org/presentationml/2006/main">
+  <p:cSld>
+    <p:spTree>
+      <p:nvGrpSpPr>
+        <p:cNvPr id="1" name=""/>
+        <p:cNvGrpSpPr/>
+        <p:nvPr/>
+      </p:nvGrpSpPr>
+      <p:grpSpPr>
+        <a:xfrm>
+          <a:off x="0" y="0"/>
+          <a:ext cx="0" cy="0"/>
+          <a:chOff x="0" y="0"/>
+          <a:chExt cx="0" cy="0"/>
+        </a:xfrm>
+      </p:grpSpPr>
+    </p:spTree>
+    <p:extLst>
+      <p:ext uri="{BB962C8B-B14F-4D97-AF65-F5344CB8AC3E}">
+        <p14:creationId xmlns:p14="http://schemas.microsoft.com/office/powerpoint/2010/main" val="2753975283"/>
       </p:ext>
     </p:extLst>
   </p:cSld>

--- a/presentations/Day1_Rbasics.pptx
+++ b/presentations/Day1_Rbasics.pptx
@@ -5,32 +5,33 @@
     <p:sldMasterId id="2147483684" r:id="rId1"/>
   </p:sldMasterIdLst>
   <p:notesMasterIdLst>
-    <p:notesMasterId r:id="rId25"/>
+    <p:notesMasterId r:id="rId26"/>
   </p:notesMasterIdLst>
   <p:sldIdLst>
     <p:sldId id="315" r:id="rId2"/>
-    <p:sldId id="344" r:id="rId3"/>
-    <p:sldId id="345" r:id="rId4"/>
-    <p:sldId id="297" r:id="rId5"/>
-    <p:sldId id="294" r:id="rId6"/>
-    <p:sldId id="318" r:id="rId7"/>
-    <p:sldId id="340" r:id="rId8"/>
-    <p:sldId id="326" r:id="rId9"/>
-    <p:sldId id="341" r:id="rId10"/>
-    <p:sldId id="342" r:id="rId11"/>
-    <p:sldId id="328" r:id="rId12"/>
-    <p:sldId id="330" r:id="rId13"/>
-    <p:sldId id="289" r:id="rId14"/>
-    <p:sldId id="327" r:id="rId15"/>
-    <p:sldId id="331" r:id="rId16"/>
-    <p:sldId id="291" r:id="rId17"/>
-    <p:sldId id="332" r:id="rId18"/>
-    <p:sldId id="333" r:id="rId19"/>
-    <p:sldId id="336" r:id="rId20"/>
-    <p:sldId id="343" r:id="rId21"/>
-    <p:sldId id="337" r:id="rId22"/>
-    <p:sldId id="346" r:id="rId23"/>
-    <p:sldId id="347" r:id="rId24"/>
+    <p:sldId id="348" r:id="rId3"/>
+    <p:sldId id="344" r:id="rId4"/>
+    <p:sldId id="345" r:id="rId5"/>
+    <p:sldId id="297" r:id="rId6"/>
+    <p:sldId id="294" r:id="rId7"/>
+    <p:sldId id="318" r:id="rId8"/>
+    <p:sldId id="340" r:id="rId9"/>
+    <p:sldId id="326" r:id="rId10"/>
+    <p:sldId id="341" r:id="rId11"/>
+    <p:sldId id="342" r:id="rId12"/>
+    <p:sldId id="328" r:id="rId13"/>
+    <p:sldId id="330" r:id="rId14"/>
+    <p:sldId id="289" r:id="rId15"/>
+    <p:sldId id="327" r:id="rId16"/>
+    <p:sldId id="331" r:id="rId17"/>
+    <p:sldId id="291" r:id="rId18"/>
+    <p:sldId id="332" r:id="rId19"/>
+    <p:sldId id="333" r:id="rId20"/>
+    <p:sldId id="336" r:id="rId21"/>
+    <p:sldId id="343" r:id="rId22"/>
+    <p:sldId id="337" r:id="rId23"/>
+    <p:sldId id="346" r:id="rId24"/>
+    <p:sldId id="347" r:id="rId25"/>
   </p:sldIdLst>
   <p:sldSz cx="9144000" cy="6858000" type="screen4x3"/>
   <p:notesSz cx="6858000" cy="9144000"/>
@@ -9354,14 +9355,24 @@
               <a:defRPr/>
             </a:pPr>
             <a:r>
-              <a:rPr lang="en-US" sz="8000" b="1" dirty="0">
+              <a:rPr lang="en-US" sz="8000" b="1" dirty="0" err="1">
                 <a:solidFill>
                   <a:schemeClr val="bg1"/>
                 </a:solidFill>
                 <a:latin typeface="+mn-lt"/>
                 <a:cs typeface="+mn-cs"/>
               </a:rPr>
-              <a:t>E2M2: R basics</a:t>
+              <a:t>Moh</a:t>
+            </a:r>
+            <a:r>
+              <a:rPr lang="en-US" sz="8000" b="1" dirty="0">
+                <a:solidFill>
+                  <a:schemeClr val="bg1"/>
+                </a:solidFill>
+                <a:latin typeface="+mn-lt"/>
+                <a:cs typeface="+mn-cs"/>
+              </a:rPr>
+              <a:t>: R basics</a:t>
             </a:r>
           </a:p>
         </p:txBody>
@@ -9623,6 +9634,621 @@
 </file>
 
 <file path=ppt/slides/slide10.xml><?xml version="1.0" encoding="utf-8"?>
+<p:sld xmlns:a="http://schemas.openxmlformats.org/drawingml/2006/main" xmlns:r="http://schemas.openxmlformats.org/officeDocument/2006/relationships" xmlns:p="http://schemas.openxmlformats.org/presentationml/2006/main">
+  <p:cSld>
+    <p:spTree>
+      <p:nvGrpSpPr>
+        <p:cNvPr id="1" name=""/>
+        <p:cNvGrpSpPr/>
+        <p:nvPr/>
+      </p:nvGrpSpPr>
+      <p:grpSpPr>
+        <a:xfrm>
+          <a:off x="0" y="0"/>
+          <a:ext cx="0" cy="0"/>
+          <a:chOff x="0" y="0"/>
+          <a:chExt cx="0" cy="0"/>
+        </a:xfrm>
+      </p:grpSpPr>
+      <p:sp>
+        <p:nvSpPr>
+          <p:cNvPr id="28674" name="Rectangle 9"/>
+          <p:cNvSpPr>
+            <a:spLocks noChangeArrowheads="1"/>
+          </p:cNvSpPr>
+          <p:nvPr/>
+        </p:nvSpPr>
+        <p:spPr bwMode="auto">
+          <a:xfrm>
+            <a:off x="0" y="990600"/>
+            <a:ext cx="5867400" cy="4031873"/>
+          </a:xfrm>
+          <a:prstGeom prst="rect">
+            <a:avLst/>
+          </a:prstGeom>
+          <a:noFill/>
+          <a:ln w="9525">
+            <a:noFill/>
+            <a:miter lim="800000"/>
+            <a:headEnd/>
+            <a:tailEnd/>
+          </a:ln>
+        </p:spPr>
+        <p:txBody>
+          <a:bodyPr wrap="square">
+            <a:spAutoFit/>
+          </a:bodyPr>
+          <a:lstStyle/>
+          <a:p>
+            <a:pPr marL="514350" indent="-514350">
+              <a:buAutoNum type="arabicPeriod"/>
+            </a:pPr>
+            <a:r>
+              <a:rPr lang="es-ES_tradnl" sz="3200" b="1" dirty="0">
+                <a:solidFill>
+                  <a:srgbClr val="FF0000"/>
+                </a:solidFill>
+              </a:rPr>
+              <a:t>R </a:t>
+            </a:r>
+            <a:r>
+              <a:rPr lang="es-ES_tradnl" sz="3200" b="1" dirty="0" err="1">
+                <a:solidFill>
+                  <a:srgbClr val="FF0000"/>
+                </a:solidFill>
+              </a:rPr>
+              <a:t>is</a:t>
+            </a:r>
+            <a:r>
+              <a:rPr lang="es-ES_tradnl" sz="3200" b="1" dirty="0">
+                <a:solidFill>
+                  <a:srgbClr val="FF0000"/>
+                </a:solidFill>
+              </a:rPr>
+              <a:t> free!!!!</a:t>
+            </a:r>
+          </a:p>
+          <a:p>
+            <a:pPr marL="1428750" lvl="2" indent="-514350">
+              <a:buAutoNum type="arabicPeriod"/>
+            </a:pPr>
+            <a:r>
+              <a:rPr lang="es-ES_tradnl" sz="2800" dirty="0">
+                <a:solidFill>
+                  <a:schemeClr val="tx1">
+                    <a:lumMod val="75000"/>
+                    <a:lumOff val="25000"/>
+                  </a:schemeClr>
+                </a:solidFill>
+              </a:rPr>
+              <a:t>SPSS $99/</a:t>
+            </a:r>
+            <a:r>
+              <a:rPr lang="es-ES_tradnl" sz="2800" dirty="0" err="1">
+                <a:solidFill>
+                  <a:schemeClr val="tx1">
+                    <a:lumMod val="75000"/>
+                    <a:lumOff val="25000"/>
+                  </a:schemeClr>
+                </a:solidFill>
+              </a:rPr>
+              <a:t>month</a:t>
+            </a:r>
+            <a:endParaRPr lang="es-ES_tradnl" sz="2800" dirty="0">
+              <a:solidFill>
+                <a:schemeClr val="tx1">
+                  <a:lumMod val="75000"/>
+                  <a:lumOff val="25000"/>
+                </a:schemeClr>
+              </a:solidFill>
+            </a:endParaRPr>
+          </a:p>
+          <a:p>
+            <a:pPr marL="1428750" lvl="2" indent="-514350">
+              <a:buAutoNum type="arabicPeriod"/>
+            </a:pPr>
+            <a:r>
+              <a:rPr lang="es-ES_tradnl" sz="2800" dirty="0">
+                <a:solidFill>
+                  <a:schemeClr val="tx1">
+                    <a:lumMod val="75000"/>
+                    <a:lumOff val="25000"/>
+                  </a:schemeClr>
+                </a:solidFill>
+              </a:rPr>
+              <a:t>SAS $2,500/</a:t>
+            </a:r>
+            <a:r>
+              <a:rPr lang="es-ES_tradnl" sz="2800" dirty="0" err="1">
+                <a:solidFill>
+                  <a:schemeClr val="tx1">
+                    <a:lumMod val="75000"/>
+                    <a:lumOff val="25000"/>
+                  </a:schemeClr>
+                </a:solidFill>
+              </a:rPr>
+              <a:t>year</a:t>
+            </a:r>
+            <a:endParaRPr lang="es-ES_tradnl" sz="2800" dirty="0">
+              <a:solidFill>
+                <a:schemeClr val="tx1">
+                  <a:lumMod val="75000"/>
+                  <a:lumOff val="25000"/>
+                </a:schemeClr>
+              </a:solidFill>
+            </a:endParaRPr>
+          </a:p>
+          <a:p>
+            <a:pPr marL="514350" indent="-514350">
+              <a:buAutoNum type="arabicPeriod"/>
+            </a:pPr>
+            <a:endParaRPr lang="es-ES_tradnl" sz="2800" dirty="0">
+              <a:solidFill>
+                <a:schemeClr val="tx1">
+                  <a:lumMod val="75000"/>
+                  <a:lumOff val="25000"/>
+                </a:schemeClr>
+              </a:solidFill>
+            </a:endParaRPr>
+          </a:p>
+          <a:p>
+            <a:pPr marL="514350" indent="-514350">
+              <a:buAutoNum type="arabicPeriod"/>
+            </a:pPr>
+            <a:r>
+              <a:rPr lang="es-ES_tradnl" sz="2800" dirty="0" err="1">
+                <a:solidFill>
+                  <a:schemeClr val="tx1">
+                    <a:lumMod val="75000"/>
+                    <a:lumOff val="25000"/>
+                  </a:schemeClr>
+                </a:solidFill>
+              </a:rPr>
+              <a:t>Excellent</a:t>
+            </a:r>
+            <a:r>
+              <a:rPr lang="es-ES_tradnl" sz="2800" dirty="0">
+                <a:solidFill>
+                  <a:schemeClr val="tx1">
+                    <a:lumMod val="75000"/>
+                    <a:lumOff val="25000"/>
+                  </a:schemeClr>
+                </a:solidFill>
+              </a:rPr>
+              <a:t> at </a:t>
+            </a:r>
+            <a:r>
+              <a:rPr lang="es-ES_tradnl" sz="2800" dirty="0" err="1">
+                <a:solidFill>
+                  <a:schemeClr val="tx1">
+                    <a:lumMod val="75000"/>
+                    <a:lumOff val="25000"/>
+                  </a:schemeClr>
+                </a:solidFill>
+              </a:rPr>
+              <a:t>making</a:t>
+            </a:r>
+            <a:r>
+              <a:rPr lang="es-ES_tradnl" sz="2800" dirty="0">
+                <a:solidFill>
+                  <a:schemeClr val="tx1">
+                    <a:lumMod val="75000"/>
+                    <a:lumOff val="25000"/>
+                  </a:schemeClr>
+                </a:solidFill>
+              </a:rPr>
+              <a:t> figures</a:t>
+            </a:r>
+          </a:p>
+          <a:p>
+            <a:pPr marL="514350" indent="-514350">
+              <a:buAutoNum type="arabicPeriod"/>
+            </a:pPr>
+            <a:endParaRPr lang="es-ES_tradnl" sz="2800" dirty="0">
+              <a:solidFill>
+                <a:schemeClr val="tx1">
+                  <a:lumMod val="75000"/>
+                  <a:lumOff val="25000"/>
+                </a:schemeClr>
+              </a:solidFill>
+            </a:endParaRPr>
+          </a:p>
+          <a:p>
+            <a:pPr marL="514350" indent="-514350">
+              <a:buAutoNum type="arabicPeriod"/>
+            </a:pPr>
+            <a:r>
+              <a:rPr lang="es-ES_tradnl" sz="2800" dirty="0" err="1">
+                <a:solidFill>
+                  <a:schemeClr val="tx1">
+                    <a:lumMod val="75000"/>
+                    <a:lumOff val="25000"/>
+                  </a:schemeClr>
+                </a:solidFill>
+              </a:rPr>
+              <a:t>Thousands</a:t>
+            </a:r>
+            <a:r>
+              <a:rPr lang="es-ES_tradnl" sz="2800" dirty="0">
+                <a:solidFill>
+                  <a:schemeClr val="tx1">
+                    <a:lumMod val="75000"/>
+                    <a:lumOff val="25000"/>
+                  </a:schemeClr>
+                </a:solidFill>
+              </a:rPr>
+              <a:t> of </a:t>
+            </a:r>
+            <a:r>
+              <a:rPr lang="es-ES_tradnl" sz="2800" dirty="0" err="1">
+                <a:solidFill>
+                  <a:schemeClr val="tx1">
+                    <a:lumMod val="75000"/>
+                    <a:lumOff val="25000"/>
+                  </a:schemeClr>
+                </a:solidFill>
+              </a:rPr>
+              <a:t>tools</a:t>
+            </a:r>
+            <a:r>
+              <a:rPr lang="es-ES_tradnl" sz="2800" dirty="0">
+                <a:solidFill>
+                  <a:schemeClr val="tx1">
+                    <a:lumMod val="75000"/>
+                    <a:lumOff val="25000"/>
+                  </a:schemeClr>
+                </a:solidFill>
+              </a:rPr>
+              <a:t> </a:t>
+            </a:r>
+            <a:r>
+              <a:rPr lang="es-ES_tradnl" sz="2800" dirty="0" err="1">
+                <a:solidFill>
+                  <a:schemeClr val="tx1">
+                    <a:lumMod val="75000"/>
+                    <a:lumOff val="25000"/>
+                  </a:schemeClr>
+                </a:solidFill>
+              </a:rPr>
+              <a:t>for</a:t>
+            </a:r>
+            <a:r>
+              <a:rPr lang="es-ES_tradnl" sz="2800" dirty="0">
+                <a:solidFill>
+                  <a:schemeClr val="tx1">
+                    <a:lumMod val="75000"/>
+                    <a:lumOff val="25000"/>
+                  </a:schemeClr>
+                </a:solidFill>
+              </a:rPr>
+              <a:t> </a:t>
+            </a:r>
+            <a:r>
+              <a:rPr lang="es-ES_tradnl" sz="2800" dirty="0" err="1">
+                <a:solidFill>
+                  <a:schemeClr val="tx1">
+                    <a:lumMod val="75000"/>
+                    <a:lumOff val="25000"/>
+                  </a:schemeClr>
+                </a:solidFill>
+              </a:rPr>
+              <a:t>statistical</a:t>
+            </a:r>
+            <a:r>
+              <a:rPr lang="es-ES_tradnl" sz="2800" dirty="0">
+                <a:solidFill>
+                  <a:schemeClr val="tx1">
+                    <a:lumMod val="75000"/>
+                    <a:lumOff val="25000"/>
+                  </a:schemeClr>
+                </a:solidFill>
+              </a:rPr>
+              <a:t> </a:t>
+            </a:r>
+            <a:r>
+              <a:rPr lang="es-ES_tradnl" sz="2800" dirty="0" err="1">
+                <a:solidFill>
+                  <a:schemeClr val="tx1">
+                    <a:lumMod val="75000"/>
+                    <a:lumOff val="25000"/>
+                  </a:schemeClr>
+                </a:solidFill>
+              </a:rPr>
+              <a:t>analysis</a:t>
+            </a:r>
+            <a:r>
+              <a:rPr lang="es-ES_tradnl" sz="2800" dirty="0">
+                <a:solidFill>
+                  <a:schemeClr val="tx1">
+                    <a:lumMod val="75000"/>
+                    <a:lumOff val="25000"/>
+                  </a:schemeClr>
+                </a:solidFill>
+              </a:rPr>
+              <a:t> (</a:t>
+            </a:r>
+            <a:r>
+              <a:rPr lang="es-ES_tradnl" sz="2800" dirty="0" err="1">
+                <a:solidFill>
+                  <a:schemeClr val="tx1">
+                    <a:lumMod val="75000"/>
+                    <a:lumOff val="25000"/>
+                  </a:schemeClr>
+                </a:solidFill>
+              </a:rPr>
+              <a:t>packages</a:t>
+            </a:r>
+            <a:r>
+              <a:rPr lang="es-ES_tradnl" sz="2800" dirty="0">
+                <a:solidFill>
+                  <a:schemeClr val="tx1">
+                    <a:lumMod val="75000"/>
+                    <a:lumOff val="25000"/>
+                  </a:schemeClr>
+                </a:solidFill>
+              </a:rPr>
+              <a:t>).</a:t>
+            </a:r>
+          </a:p>
+          <a:p>
+            <a:pPr marL="514350" indent="-514350">
+              <a:buAutoNum type="arabicPeriod"/>
+            </a:pPr>
+            <a:endParaRPr lang="es-ES_tradnl" sz="2800" dirty="0">
+              <a:solidFill>
+                <a:schemeClr val="tx1">
+                  <a:lumMod val="75000"/>
+                  <a:lumOff val="25000"/>
+                </a:schemeClr>
+              </a:solidFill>
+            </a:endParaRPr>
+          </a:p>
+        </p:txBody>
+      </p:sp>
+      <p:sp>
+        <p:nvSpPr>
+          <p:cNvPr id="4" name="Rectangle 1"/>
+          <p:cNvSpPr>
+            <a:spLocks noChangeArrowheads="1"/>
+          </p:cNvSpPr>
+          <p:nvPr/>
+        </p:nvSpPr>
+        <p:spPr bwMode="auto">
+          <a:xfrm>
+            <a:off x="368300" y="444500"/>
+            <a:ext cx="2407710" cy="646331"/>
+          </a:xfrm>
+          <a:prstGeom prst="rect">
+            <a:avLst/>
+          </a:prstGeom>
+          <a:noFill/>
+          <a:ln w="9525">
+            <a:noFill/>
+            <a:miter lim="800000"/>
+            <a:headEnd/>
+            <a:tailEnd/>
+          </a:ln>
+        </p:spPr>
+        <p:txBody>
+          <a:bodyPr wrap="none">
+            <a:spAutoFit/>
+          </a:bodyPr>
+          <a:lstStyle/>
+          <a:p>
+            <a:r>
+              <a:rPr lang="es-EC" sz="3600" b="1" dirty="0" err="1">
+                <a:solidFill>
+                  <a:srgbClr val="E46C0A"/>
+                </a:solidFill>
+              </a:rPr>
+              <a:t>Why</a:t>
+            </a:r>
+            <a:r>
+              <a:rPr lang="es-EC" sz="3600" b="1" dirty="0">
+                <a:solidFill>
+                  <a:srgbClr val="E46C0A"/>
+                </a:solidFill>
+              </a:rPr>
+              <a:t> use R?</a:t>
+            </a:r>
+          </a:p>
+        </p:txBody>
+      </p:sp>
+      <p:pic>
+        <p:nvPicPr>
+          <p:cNvPr id="7" name="Picture 6"/>
+          <p:cNvPicPr>
+            <a:picLocks noChangeAspect="1"/>
+          </p:cNvPicPr>
+          <p:nvPr/>
+        </p:nvPicPr>
+        <p:blipFill>
+          <a:blip r:embed="rId3"/>
+          <a:stretch>
+            <a:fillRect/>
+          </a:stretch>
+        </p:blipFill>
+        <p:spPr>
+          <a:xfrm>
+            <a:off x="5829300" y="1371600"/>
+            <a:ext cx="3276600" cy="1861108"/>
+          </a:xfrm>
+          <a:prstGeom prst="rect">
+            <a:avLst/>
+          </a:prstGeom>
+        </p:spPr>
+      </p:pic>
+      <p:pic>
+        <p:nvPicPr>
+          <p:cNvPr id="8" name="Picture 7"/>
+          <p:cNvPicPr>
+            <a:picLocks noChangeAspect="1"/>
+          </p:cNvPicPr>
+          <p:nvPr/>
+        </p:nvPicPr>
+        <p:blipFill rotWithShape="1">
+          <a:blip r:embed="rId4" cstate="screen">
+            <a:extLst>
+              <a:ext uri="{28A0092B-C50C-407E-A947-70E740481C1C}">
+                <a14:useLocalDpi xmlns:a14="http://schemas.microsoft.com/office/drawing/2010/main"/>
+              </a:ext>
+            </a:extLst>
+          </a:blip>
+          <a:srcRect/>
+          <a:stretch/>
+        </p:blipFill>
+        <p:spPr>
+          <a:xfrm>
+            <a:off x="5867400" y="4972680"/>
+            <a:ext cx="2957908" cy="1473697"/>
+          </a:xfrm>
+          <a:prstGeom prst="rect">
+            <a:avLst/>
+          </a:prstGeom>
+        </p:spPr>
+      </p:pic>
+    </p:spTree>
+    <p:extLst>
+      <p:ext uri="{BB962C8B-B14F-4D97-AF65-F5344CB8AC3E}">
+        <p14:creationId xmlns:p14="http://schemas.microsoft.com/office/powerpoint/2010/main" val="696721526"/>
+      </p:ext>
+    </p:extLst>
+  </p:cSld>
+  <p:clrMapOvr>
+    <a:masterClrMapping/>
+  </p:clrMapOvr>
+  <p:timing>
+    <p:tnLst>
+      <p:par>
+        <p:cTn id="1" dur="indefinite" restart="never" nodeType="tmRoot">
+          <p:childTnLst>
+            <p:seq concurrent="1" nextAc="seek">
+              <p:cTn id="2" dur="indefinite" nodeType="mainSeq">
+                <p:childTnLst>
+                  <p:par>
+                    <p:cTn id="3" fill="hold">
+                      <p:stCondLst>
+                        <p:cond delay="indefinite"/>
+                      </p:stCondLst>
+                      <p:childTnLst>
+                        <p:par>
+                          <p:cTn id="4" fill="hold">
+                            <p:stCondLst>
+                              <p:cond delay="0"/>
+                            </p:stCondLst>
+                            <p:childTnLst>
+                              <p:par>
+                                <p:cTn id="5" presetID="1" presetClass="entr" presetSubtype="0" fill="hold" nodeType="clickEffect">
+                                  <p:stCondLst>
+                                    <p:cond delay="0"/>
+                                  </p:stCondLst>
+                                  <p:childTnLst>
+                                    <p:set>
+                                      <p:cBhvr>
+                                        <p:cTn id="6" dur="1" fill="hold">
+                                          <p:stCondLst>
+                                            <p:cond delay="0"/>
+                                          </p:stCondLst>
+                                        </p:cTn>
+                                        <p:tgtEl>
+                                          <p:spTgt spid="28674">
+                                            <p:txEl>
+                                              <p:pRg st="4" end="4"/>
+                                            </p:txEl>
+                                          </p:spTgt>
+                                        </p:tgtEl>
+                                        <p:attrNameLst>
+                                          <p:attrName>style.visibility</p:attrName>
+                                        </p:attrNameLst>
+                                      </p:cBhvr>
+                                      <p:to>
+                                        <p:strVal val="visible"/>
+                                      </p:to>
+                                    </p:set>
+                                  </p:childTnLst>
+                                </p:cTn>
+                              </p:par>
+                            </p:childTnLst>
+                          </p:cTn>
+                        </p:par>
+                      </p:childTnLst>
+                    </p:cTn>
+                  </p:par>
+                  <p:par>
+                    <p:cTn id="7" fill="hold">
+                      <p:stCondLst>
+                        <p:cond delay="indefinite"/>
+                      </p:stCondLst>
+                      <p:childTnLst>
+                        <p:par>
+                          <p:cTn id="8" fill="hold">
+                            <p:stCondLst>
+                              <p:cond delay="0"/>
+                            </p:stCondLst>
+                            <p:childTnLst>
+                              <p:par>
+                                <p:cTn id="9" presetID="1" presetClass="entr" presetSubtype="0" fill="hold" nodeType="clickEffect">
+                                  <p:stCondLst>
+                                    <p:cond delay="0"/>
+                                  </p:stCondLst>
+                                  <p:childTnLst>
+                                    <p:set>
+                                      <p:cBhvr>
+                                        <p:cTn id="10" dur="1" fill="hold">
+                                          <p:stCondLst>
+                                            <p:cond delay="0"/>
+                                          </p:stCondLst>
+                                        </p:cTn>
+                                        <p:tgtEl>
+                                          <p:spTgt spid="28674">
+                                            <p:txEl>
+                                              <p:pRg st="6" end="6"/>
+                                            </p:txEl>
+                                          </p:spTgt>
+                                        </p:tgtEl>
+                                        <p:attrNameLst>
+                                          <p:attrName>style.visibility</p:attrName>
+                                        </p:attrNameLst>
+                                      </p:cBhvr>
+                                      <p:to>
+                                        <p:strVal val="visible"/>
+                                      </p:to>
+                                    </p:set>
+                                  </p:childTnLst>
+                                </p:cTn>
+                              </p:par>
+                            </p:childTnLst>
+                          </p:cTn>
+                        </p:par>
+                      </p:childTnLst>
+                    </p:cTn>
+                  </p:par>
+                </p:childTnLst>
+              </p:cTn>
+              <p:prevCondLst>
+                <p:cond evt="onPrev" delay="0">
+                  <p:tgtEl>
+                    <p:sldTgt/>
+                  </p:tgtEl>
+                </p:cond>
+              </p:prevCondLst>
+              <p:nextCondLst>
+                <p:cond evt="onNext" delay="0">
+                  <p:tgtEl>
+                    <p:sldTgt/>
+                  </p:tgtEl>
+                </p:cond>
+              </p:nextCondLst>
+            </p:seq>
+          </p:childTnLst>
+        </p:cTn>
+      </p:par>
+    </p:tnLst>
+  </p:timing>
+</p:sld>
+</file>
+
+<file path=ppt/slides/slide11.xml><?xml version="1.0" encoding="utf-8"?>
 <p:sld xmlns:a="http://schemas.openxmlformats.org/drawingml/2006/main" xmlns:r="http://schemas.openxmlformats.org/officeDocument/2006/relationships" xmlns:p="http://schemas.openxmlformats.org/presentationml/2006/main">
   <p:cSld>
     <p:spTree>
@@ -10616,7 +11242,7 @@
 </p:sld>
 </file>
 
-<file path=ppt/slides/slide11.xml><?xml version="1.0" encoding="utf-8"?>
+<file path=ppt/slides/slide12.xml><?xml version="1.0" encoding="utf-8"?>
 <p:sld xmlns:a="http://schemas.openxmlformats.org/drawingml/2006/main" xmlns:r="http://schemas.openxmlformats.org/officeDocument/2006/relationships" xmlns:p="http://schemas.openxmlformats.org/presentationml/2006/main">
   <p:cSld>
     <p:spTree>
@@ -10852,7 +11478,7 @@
 </p:sld>
 </file>
 
-<file path=ppt/slides/slide12.xml><?xml version="1.0" encoding="utf-8"?>
+<file path=ppt/slides/slide13.xml><?xml version="1.0" encoding="utf-8"?>
 <p:sld xmlns:a="http://schemas.openxmlformats.org/drawingml/2006/main" xmlns:r="http://schemas.openxmlformats.org/officeDocument/2006/relationships" xmlns:p="http://schemas.openxmlformats.org/presentationml/2006/main">
   <p:cSld>
     <p:spTree>
@@ -11031,7 +11657,7 @@
 </p:sld>
 </file>
 
-<file path=ppt/slides/slide13.xml><?xml version="1.0" encoding="utf-8"?>
+<file path=ppt/slides/slide14.xml><?xml version="1.0" encoding="utf-8"?>
 <p:sld xmlns:a="http://schemas.openxmlformats.org/drawingml/2006/main" xmlns:r="http://schemas.openxmlformats.org/officeDocument/2006/relationships" xmlns:p="http://schemas.openxmlformats.org/presentationml/2006/main">
   <p:cSld>
     <p:spTree>
@@ -11406,7 +12032,7 @@
 </p:sld>
 </file>
 
-<file path=ppt/slides/slide14.xml><?xml version="1.0" encoding="utf-8"?>
+<file path=ppt/slides/slide15.xml><?xml version="1.0" encoding="utf-8"?>
 <p:sld xmlns:a="http://schemas.openxmlformats.org/drawingml/2006/main" xmlns:r="http://schemas.openxmlformats.org/officeDocument/2006/relationships" xmlns:p="http://schemas.openxmlformats.org/presentationml/2006/main">
   <p:cSld>
     <p:spTree>
@@ -11855,7 +12481,7 @@
 </p:sld>
 </file>
 
-<file path=ppt/slides/slide15.xml><?xml version="1.0" encoding="utf-8"?>
+<file path=ppt/slides/slide16.xml><?xml version="1.0" encoding="utf-8"?>
 <p:sld xmlns:a="http://schemas.openxmlformats.org/drawingml/2006/main" xmlns:r="http://schemas.openxmlformats.org/officeDocument/2006/relationships" xmlns:p="http://schemas.openxmlformats.org/presentationml/2006/main">
   <p:cSld>
     <p:spTree>
@@ -12112,125 +12738,6 @@
 </p:sld>
 </file>
 
-<file path=ppt/slides/slide16.xml><?xml version="1.0" encoding="utf-8"?>
-<p:sld xmlns:a="http://schemas.openxmlformats.org/drawingml/2006/main" xmlns:r="http://schemas.openxmlformats.org/officeDocument/2006/relationships" xmlns:p="http://schemas.openxmlformats.org/presentationml/2006/main">
-  <p:cSld>
-    <p:spTree>
-      <p:nvGrpSpPr>
-        <p:cNvPr id="1" name=""/>
-        <p:cNvGrpSpPr/>
-        <p:nvPr/>
-      </p:nvGrpSpPr>
-      <p:grpSpPr>
-        <a:xfrm>
-          <a:off x="0" y="0"/>
-          <a:ext cx="0" cy="0"/>
-          <a:chOff x="0" y="0"/>
-          <a:chExt cx="0" cy="0"/>
-        </a:xfrm>
-      </p:grpSpPr>
-      <p:sp>
-        <p:nvSpPr>
-          <p:cNvPr id="32769" name="Rectangle 3"/>
-          <p:cNvSpPr>
-            <a:spLocks noChangeArrowheads="1"/>
-          </p:cNvSpPr>
-          <p:nvPr/>
-        </p:nvSpPr>
-        <p:spPr bwMode="auto">
-          <a:xfrm>
-            <a:off x="368300" y="1066800"/>
-            <a:ext cx="6413500" cy="641350"/>
-          </a:xfrm>
-          <a:prstGeom prst="rect">
-            <a:avLst/>
-          </a:prstGeom>
-          <a:noFill/>
-          <a:ln w="9525">
-            <a:noFill/>
-            <a:miter lim="800000"/>
-            <a:headEnd/>
-            <a:tailEnd/>
-          </a:ln>
-        </p:spPr>
-        <p:txBody>
-          <a:bodyPr>
-            <a:spAutoFit/>
-          </a:bodyPr>
-          <a:lstStyle/>
-          <a:p>
-            <a:r>
-              <a:rPr lang="en-US" sz="3600" b="1" dirty="0">
-                <a:solidFill>
-                  <a:srgbClr val="E46C0A"/>
-                </a:solidFill>
-              </a:rPr>
-              <a:t>Exercise 1: a first session in R</a:t>
-            </a:r>
-          </a:p>
-        </p:txBody>
-      </p:sp>
-      <p:sp>
-        <p:nvSpPr>
-          <p:cNvPr id="32770" name="Rectangle 4"/>
-          <p:cNvSpPr>
-            <a:spLocks noChangeArrowheads="1"/>
-          </p:cNvSpPr>
-          <p:nvPr/>
-        </p:nvSpPr>
-        <p:spPr bwMode="auto">
-          <a:xfrm>
-            <a:off x="838200" y="2149475"/>
-            <a:ext cx="7315200" cy="579438"/>
-          </a:xfrm>
-          <a:prstGeom prst="rect">
-            <a:avLst/>
-          </a:prstGeom>
-          <a:noFill/>
-          <a:ln w="9525">
-            <a:noFill/>
-            <a:miter lim="800000"/>
-            <a:headEnd/>
-            <a:tailEnd/>
-          </a:ln>
-        </p:spPr>
-        <p:txBody>
-          <a:bodyPr>
-            <a:spAutoFit/>
-          </a:bodyPr>
-          <a:lstStyle/>
-          <a:p>
-            <a:pPr marL="342900" indent="-342900">
-              <a:buFont typeface="Arial" charset="0"/>
-              <a:buChar char="•"/>
-            </a:pPr>
-            <a:r>
-              <a:rPr lang="en-US" sz="3200" b="1" dirty="0">
-                <a:solidFill>
-                  <a:srgbClr val="77933C"/>
-                </a:solidFill>
-              </a:rPr>
-              <a:t>Objective: </a:t>
-            </a:r>
-            <a:r>
-              <a:rPr lang="en-US" sz="3200" dirty="0">
-                <a:solidFill>
-                  <a:srgbClr val="404040"/>
-                </a:solidFill>
-              </a:rPr>
-              <a:t>experiencing R/R studio</a:t>
-            </a:r>
-          </a:p>
-        </p:txBody>
-      </p:sp>
-    </p:spTree>
-  </p:cSld>
-  <p:clrMapOvr>
-    <a:masterClrMapping/>
-  </p:clrMapOvr>
-</p:sld>
-</file>
-
 <file path=ppt/slides/slide17.xml><?xml version="1.0" encoding="utf-8"?>
 <p:sld xmlns:a="http://schemas.openxmlformats.org/drawingml/2006/main" xmlns:r="http://schemas.openxmlformats.org/officeDocument/2006/relationships" xmlns:p="http://schemas.openxmlformats.org/presentationml/2006/main">
   <p:cSld>
@@ -12250,18 +12757,27 @@
       </p:grpSpPr>
       <p:sp>
         <p:nvSpPr>
-          <p:cNvPr id="4" name="Rectangle 3"/>
-          <p:cNvSpPr/>
+          <p:cNvPr id="32769" name="Rectangle 3"/>
+          <p:cNvSpPr>
+            <a:spLocks noChangeArrowheads="1"/>
+          </p:cNvSpPr>
           <p:nvPr/>
         </p:nvSpPr>
-        <p:spPr>
+        <p:spPr bwMode="auto">
           <a:xfrm>
-            <a:off x="0" y="2743200"/>
-            <a:ext cx="9144000" cy="823913"/>
+            <a:off x="368300" y="1066800"/>
+            <a:ext cx="6413500" cy="641350"/>
           </a:xfrm>
           <a:prstGeom prst="rect">
             <a:avLst/>
           </a:prstGeom>
+          <a:noFill/>
+          <a:ln w="9525">
+            <a:noFill/>
+            <a:miter lim="800000"/>
+            <a:headEnd/>
+            <a:tailEnd/>
+          </a:ln>
         </p:spPr>
         <p:txBody>
           <a:bodyPr>
@@ -12269,46 +12785,71 @@
           </a:bodyPr>
           <a:lstStyle/>
           <a:p>
-            <a:pPr algn="ctr" fontAlgn="auto">
-              <a:spcBef>
-                <a:spcPts val="0"/>
-              </a:spcBef>
-              <a:spcAft>
-                <a:spcPts val="0"/>
-              </a:spcAft>
-              <a:defRPr/>
+            <a:r>
+              <a:rPr lang="en-US" sz="3600" b="1" dirty="0">
+                <a:solidFill>
+                  <a:srgbClr val="E46C0A"/>
+                </a:solidFill>
+              </a:rPr>
+              <a:t>Exercise 1: a first session in R</a:t>
+            </a:r>
+          </a:p>
+        </p:txBody>
+      </p:sp>
+      <p:sp>
+        <p:nvSpPr>
+          <p:cNvPr id="32770" name="Rectangle 4"/>
+          <p:cNvSpPr>
+            <a:spLocks noChangeArrowheads="1"/>
+          </p:cNvSpPr>
+          <p:nvPr/>
+        </p:nvSpPr>
+        <p:spPr bwMode="auto">
+          <a:xfrm>
+            <a:off x="838200" y="2149475"/>
+            <a:ext cx="7315200" cy="579438"/>
+          </a:xfrm>
+          <a:prstGeom prst="rect">
+            <a:avLst/>
+          </a:prstGeom>
+          <a:noFill/>
+          <a:ln w="9525">
+            <a:noFill/>
+            <a:miter lim="800000"/>
+            <a:headEnd/>
+            <a:tailEnd/>
+          </a:ln>
+        </p:spPr>
+        <p:txBody>
+          <a:bodyPr>
+            <a:spAutoFit/>
+          </a:bodyPr>
+          <a:lstStyle/>
+          <a:p>
+            <a:pPr marL="342900" indent="-342900">
+              <a:buFont typeface="Arial" charset="0"/>
+              <a:buChar char="•"/>
             </a:pPr>
             <a:r>
-              <a:rPr lang="en-US" sz="4800" b="1" i="1" dirty="0">
-                <a:solidFill>
-                  <a:schemeClr val="accent4">
-                    <a:lumMod val="75000"/>
-                  </a:schemeClr>
-                </a:solidFill>
-              </a:rPr>
-              <a:t>2</a:t>
-            </a:r>
-            <a:r>
-              <a:rPr lang="en-US" sz="4800" b="1" i="1" dirty="0">
-                <a:solidFill>
-                  <a:schemeClr val="accent4">
-                    <a:lumMod val="75000"/>
-                  </a:schemeClr>
-                </a:solidFill>
-                <a:latin typeface="+mn-lt"/>
-                <a:cs typeface="+mn-cs"/>
-              </a:rPr>
-              <a:t>. Enter and Import your data</a:t>
+              <a:rPr lang="en-US" sz="3200" b="1" dirty="0">
+                <a:solidFill>
+                  <a:srgbClr val="77933C"/>
+                </a:solidFill>
+              </a:rPr>
+              <a:t>Objective: </a:t>
+            </a:r>
+            <a:r>
+              <a:rPr lang="en-US" sz="3200" dirty="0">
+                <a:solidFill>
+                  <a:srgbClr val="404040"/>
+                </a:solidFill>
+              </a:rPr>
+              <a:t>experiencing R/R studio</a:t>
             </a:r>
           </a:p>
         </p:txBody>
       </p:sp>
     </p:spTree>
-    <p:extLst>
-      <p:ext uri="{BB962C8B-B14F-4D97-AF65-F5344CB8AC3E}">
-        <p14:creationId xmlns:p14="http://schemas.microsoft.com/office/powerpoint/2010/main" val="1724694227"/>
-      </p:ext>
-    </p:extLst>
   </p:cSld>
   <p:clrMapOvr>
     <a:masterClrMapping/>
@@ -12335,6 +12876,91 @@
       </p:grpSpPr>
       <p:sp>
         <p:nvSpPr>
+          <p:cNvPr id="4" name="Rectangle 3"/>
+          <p:cNvSpPr/>
+          <p:nvPr/>
+        </p:nvSpPr>
+        <p:spPr>
+          <a:xfrm>
+            <a:off x="0" y="2743200"/>
+            <a:ext cx="9144000" cy="823913"/>
+          </a:xfrm>
+          <a:prstGeom prst="rect">
+            <a:avLst/>
+          </a:prstGeom>
+        </p:spPr>
+        <p:txBody>
+          <a:bodyPr>
+            <a:spAutoFit/>
+          </a:bodyPr>
+          <a:lstStyle/>
+          <a:p>
+            <a:pPr algn="ctr" fontAlgn="auto">
+              <a:spcBef>
+                <a:spcPts val="0"/>
+              </a:spcBef>
+              <a:spcAft>
+                <a:spcPts val="0"/>
+              </a:spcAft>
+              <a:defRPr/>
+            </a:pPr>
+            <a:r>
+              <a:rPr lang="en-US" sz="4800" b="1" i="1" dirty="0">
+                <a:solidFill>
+                  <a:schemeClr val="accent4">
+                    <a:lumMod val="75000"/>
+                  </a:schemeClr>
+                </a:solidFill>
+              </a:rPr>
+              <a:t>2</a:t>
+            </a:r>
+            <a:r>
+              <a:rPr lang="en-US" sz="4800" b="1" i="1" dirty="0">
+                <a:solidFill>
+                  <a:schemeClr val="accent4">
+                    <a:lumMod val="75000"/>
+                  </a:schemeClr>
+                </a:solidFill>
+                <a:latin typeface="+mn-lt"/>
+                <a:cs typeface="+mn-cs"/>
+              </a:rPr>
+              <a:t>. Enter and Import your data</a:t>
+            </a:r>
+          </a:p>
+        </p:txBody>
+      </p:sp>
+    </p:spTree>
+    <p:extLst>
+      <p:ext uri="{BB962C8B-B14F-4D97-AF65-F5344CB8AC3E}">
+        <p14:creationId xmlns:p14="http://schemas.microsoft.com/office/powerpoint/2010/main" val="1724694227"/>
+      </p:ext>
+    </p:extLst>
+  </p:cSld>
+  <p:clrMapOvr>
+    <a:masterClrMapping/>
+  </p:clrMapOvr>
+</p:sld>
+</file>
+
+<file path=ppt/slides/slide19.xml><?xml version="1.0" encoding="utf-8"?>
+<p:sld xmlns:a="http://schemas.openxmlformats.org/drawingml/2006/main" xmlns:r="http://schemas.openxmlformats.org/officeDocument/2006/relationships" xmlns:p="http://schemas.openxmlformats.org/presentationml/2006/main">
+  <p:cSld>
+    <p:spTree>
+      <p:nvGrpSpPr>
+        <p:cNvPr id="1" name=""/>
+        <p:cNvGrpSpPr/>
+        <p:nvPr/>
+      </p:nvGrpSpPr>
+      <p:grpSpPr>
+        <a:xfrm>
+          <a:off x="0" y="0"/>
+          <a:ext cx="0" cy="0"/>
+          <a:chOff x="0" y="0"/>
+          <a:chExt cx="0" cy="0"/>
+        </a:xfrm>
+      </p:grpSpPr>
+      <p:sp>
+        <p:nvSpPr>
           <p:cNvPr id="17409" name="Rectangle 9"/>
           <p:cNvSpPr>
             <a:spLocks noChangeArrowheads="1"/>
@@ -12528,7 +13154,132 @@
 </p:sld>
 </file>
 
-<file path=ppt/slides/slide19.xml><?xml version="1.0" encoding="utf-8"?>
+<file path=ppt/slides/slide2.xml><?xml version="1.0" encoding="utf-8"?>
+<p:sld xmlns:a="http://schemas.openxmlformats.org/drawingml/2006/main" xmlns:r="http://schemas.openxmlformats.org/officeDocument/2006/relationships" xmlns:p="http://schemas.openxmlformats.org/presentationml/2006/main">
+  <p:cSld>
+    <p:spTree>
+      <p:nvGrpSpPr>
+        <p:cNvPr id="1" name=""/>
+        <p:cNvGrpSpPr/>
+        <p:nvPr/>
+      </p:nvGrpSpPr>
+      <p:grpSpPr>
+        <a:xfrm>
+          <a:off x="0" y="0"/>
+          <a:ext cx="0" cy="0"/>
+          <a:chOff x="0" y="0"/>
+          <a:chExt cx="0" cy="0"/>
+        </a:xfrm>
+      </p:grpSpPr>
+      <p:sp>
+        <p:nvSpPr>
+          <p:cNvPr id="2" name="Title 1">
+            <a:extLst>
+              <a:ext uri="{FF2B5EF4-FFF2-40B4-BE49-F238E27FC236}">
+                <a16:creationId xmlns:a16="http://schemas.microsoft.com/office/drawing/2014/main" id="{D0DF9CA1-B2F3-6F4A-BE04-76B785D6EF15}"/>
+              </a:ext>
+            </a:extLst>
+          </p:cNvPr>
+          <p:cNvSpPr>
+            <a:spLocks noGrp="1"/>
+          </p:cNvSpPr>
+          <p:nvPr>
+            <p:ph type="title"/>
+          </p:nvPr>
+        </p:nvSpPr>
+        <p:spPr/>
+        <p:txBody>
+          <a:bodyPr/>
+          <a:lstStyle/>
+          <a:p>
+            <a:r>
+              <a:rPr lang="en-US" dirty="0" err="1"/>
+              <a:t>Formulaire</a:t>
+            </a:r>
+            <a:r>
+              <a:rPr lang="en-US" dirty="0"/>
+              <a:t> et support de </a:t>
+            </a:r>
+            <a:r>
+              <a:rPr lang="en-US" dirty="0" err="1"/>
+              <a:t>cours</a:t>
+            </a:r>
+            <a:endParaRPr lang="en-US" dirty="0"/>
+          </a:p>
+        </p:txBody>
+      </p:sp>
+      <p:sp>
+        <p:nvSpPr>
+          <p:cNvPr id="3" name="Content Placeholder 2">
+            <a:extLst>
+              <a:ext uri="{FF2B5EF4-FFF2-40B4-BE49-F238E27FC236}">
+                <a16:creationId xmlns:a16="http://schemas.microsoft.com/office/drawing/2014/main" id="{27AC729D-534B-1042-9A98-740A05E99C19}"/>
+              </a:ext>
+            </a:extLst>
+          </p:cNvPr>
+          <p:cNvSpPr>
+            <a:spLocks noGrp="1"/>
+          </p:cNvSpPr>
+          <p:nvPr>
+            <p:ph idx="1"/>
+          </p:nvPr>
+        </p:nvSpPr>
+        <p:spPr/>
+        <p:txBody>
+          <a:bodyPr/>
+          <a:lstStyle/>
+          <a:p>
+            <a:endParaRPr lang="en-US" dirty="0"/>
+          </a:p>
+          <a:p>
+            <a:r>
+              <a:rPr lang="en-US" dirty="0" err="1"/>
+              <a:t>Formulaire</a:t>
+            </a:r>
+            <a:r>
+              <a:rPr lang="en-US" dirty="0"/>
+              <a:t> et support de </a:t>
+            </a:r>
+            <a:r>
+              <a:rPr lang="en-US" dirty="0" err="1"/>
+              <a:t>cours</a:t>
+            </a:r>
+            <a:endParaRPr lang="en-US" dirty="0"/>
+          </a:p>
+          <a:p>
+            <a:endParaRPr lang="en-US" dirty="0"/>
+          </a:p>
+          <a:p>
+            <a:r>
+              <a:rPr lang="en-US" dirty="0" err="1"/>
+              <a:t>www.mahaliana.org</a:t>
+            </a:r>
+            <a:r>
+              <a:rPr lang="en-US" dirty="0"/>
+              <a:t>/</a:t>
+            </a:r>
+            <a:r>
+              <a:rPr lang="en-US" dirty="0" err="1"/>
+              <a:t>mohcourse</a:t>
+            </a:r>
+            <a:endParaRPr lang="en-US" dirty="0"/>
+          </a:p>
+        </p:txBody>
+      </p:sp>
+    </p:spTree>
+    <p:extLst>
+      <p:ext uri="{BB962C8B-B14F-4D97-AF65-F5344CB8AC3E}">
+        <p14:creationId xmlns:p14="http://schemas.microsoft.com/office/powerpoint/2010/main" val="2769026567"/>
+      </p:ext>
+    </p:extLst>
+  </p:cSld>
+  <p:clrMapOvr>
+    <a:masterClrMapping/>
+  </p:clrMapOvr>
+</p:sld>
+</file>
+
+<file path=ppt/slides/slide20.xml><?xml version="1.0" encoding="utf-8"?>
 <p:sld xmlns:a="http://schemas.openxmlformats.org/drawingml/2006/main" xmlns:r="http://schemas.openxmlformats.org/officeDocument/2006/relationships" xmlns:p="http://schemas.openxmlformats.org/presentationml/2006/main">
   <p:cSld>
     <p:spTree>
@@ -12744,7 +13495,487 @@
 </p:sld>
 </file>
 
-<file path=ppt/slides/slide2.xml><?xml version="1.0" encoding="utf-8"?>
+<file path=ppt/slides/slide21.xml><?xml version="1.0" encoding="utf-8"?>
+<p:sld xmlns:a="http://schemas.openxmlformats.org/drawingml/2006/main" xmlns:r="http://schemas.openxmlformats.org/officeDocument/2006/relationships" xmlns:p="http://schemas.openxmlformats.org/presentationml/2006/main">
+  <p:cSld>
+    <p:spTree>
+      <p:nvGrpSpPr>
+        <p:cNvPr id="1" name=""/>
+        <p:cNvGrpSpPr/>
+        <p:nvPr/>
+      </p:nvGrpSpPr>
+      <p:grpSpPr>
+        <a:xfrm>
+          <a:off x="0" y="0"/>
+          <a:ext cx="0" cy="0"/>
+          <a:chOff x="0" y="0"/>
+          <a:chExt cx="0" cy="0"/>
+        </a:xfrm>
+      </p:grpSpPr>
+      <p:sp>
+        <p:nvSpPr>
+          <p:cNvPr id="17409" name="Rectangle 9"/>
+          <p:cNvSpPr>
+            <a:spLocks noChangeArrowheads="1"/>
+          </p:cNvSpPr>
+          <p:nvPr/>
+        </p:nvSpPr>
+        <p:spPr bwMode="auto">
+          <a:xfrm>
+            <a:off x="693295" y="1676400"/>
+            <a:ext cx="3886200" cy="830997"/>
+          </a:xfrm>
+          <a:prstGeom prst="rect">
+            <a:avLst/>
+          </a:prstGeom>
+          <a:noFill/>
+          <a:ln w="9525">
+            <a:noFill/>
+            <a:miter lim="800000"/>
+            <a:headEnd/>
+            <a:tailEnd/>
+          </a:ln>
+        </p:spPr>
+        <p:txBody>
+          <a:bodyPr wrap="square">
+            <a:spAutoFit/>
+          </a:bodyPr>
+          <a:lstStyle/>
+          <a:p>
+            <a:pPr marL="342900" indent="-342900">
+              <a:buFont typeface="Arial" charset="0"/>
+              <a:buChar char="•"/>
+            </a:pPr>
+            <a:endParaRPr lang="en-US" sz="2400" dirty="0">
+              <a:solidFill>
+                <a:srgbClr val="404040"/>
+              </a:solidFill>
+            </a:endParaRPr>
+          </a:p>
+          <a:p>
+            <a:pPr marL="342900" indent="-342900"/>
+            <a:endParaRPr lang="en-US" sz="2400" dirty="0">
+              <a:solidFill>
+                <a:srgbClr val="404040"/>
+              </a:solidFill>
+            </a:endParaRPr>
+          </a:p>
+        </p:txBody>
+      </p:sp>
+      <p:sp>
+        <p:nvSpPr>
+          <p:cNvPr id="17410" name="Rectangle 3"/>
+          <p:cNvSpPr>
+            <a:spLocks noChangeArrowheads="1"/>
+          </p:cNvSpPr>
+          <p:nvPr/>
+        </p:nvSpPr>
+        <p:spPr bwMode="auto">
+          <a:xfrm>
+            <a:off x="341313" y="444500"/>
+            <a:ext cx="6154121" cy="646331"/>
+          </a:xfrm>
+          <a:prstGeom prst="rect">
+            <a:avLst/>
+          </a:prstGeom>
+          <a:noFill/>
+          <a:ln w="9525">
+            <a:noFill/>
+            <a:miter lim="800000"/>
+            <a:headEnd/>
+            <a:tailEnd/>
+          </a:ln>
+        </p:spPr>
+        <p:txBody>
+          <a:bodyPr wrap="none">
+            <a:spAutoFit/>
+          </a:bodyPr>
+          <a:lstStyle/>
+          <a:p>
+            <a:r>
+              <a:rPr lang="en-US" sz="3600" b="1" dirty="0">
+                <a:solidFill>
+                  <a:srgbClr val="E46C0A"/>
+                </a:solidFill>
+              </a:rPr>
+              <a:t>Record your data: general rules</a:t>
+            </a:r>
+          </a:p>
+        </p:txBody>
+      </p:sp>
+      <p:sp>
+        <p:nvSpPr>
+          <p:cNvPr id="2" name="TextBox 1">
+            <a:extLst>
+              <a:ext uri="{FF2B5EF4-FFF2-40B4-BE49-F238E27FC236}">
+                <a16:creationId xmlns:a16="http://schemas.microsoft.com/office/drawing/2014/main" id="{513D88A1-2ABD-554A-9EEE-851EA8A19B2B}"/>
+              </a:ext>
+            </a:extLst>
+          </p:cNvPr>
+          <p:cNvSpPr txBox="1"/>
+          <p:nvPr/>
+        </p:nvSpPr>
+        <p:spPr>
+          <a:xfrm>
+            <a:off x="457200" y="1090831"/>
+            <a:ext cx="4800600" cy="5693866"/>
+          </a:xfrm>
+          <a:prstGeom prst="rect">
+            <a:avLst/>
+          </a:prstGeom>
+          <a:noFill/>
+        </p:spPr>
+        <p:txBody>
+          <a:bodyPr wrap="square" rtlCol="0">
+            <a:spAutoFit/>
+          </a:bodyPr>
+          <a:lstStyle/>
+          <a:p>
+            <a:pPr marL="285750" indent="-285750">
+              <a:buFont typeface="Arial" panose="020B0604020202020204" pitchFamily="34" charset="0"/>
+              <a:buChar char="•"/>
+            </a:pPr>
+            <a:r>
+              <a:rPr lang="en-US" sz="2800" dirty="0"/>
+              <a:t>Avoid spaces: use period “.” or underscore “_”.</a:t>
+            </a:r>
+          </a:p>
+          <a:p>
+            <a:pPr marL="285750" indent="-285750">
+              <a:buFont typeface="Arial" panose="020B0604020202020204" pitchFamily="34" charset="0"/>
+              <a:buChar char="•"/>
+            </a:pPr>
+            <a:r>
+              <a:rPr lang="en-US" sz="2800" dirty="0"/>
+              <a:t>Keep column names short, simple and unique.</a:t>
+            </a:r>
+          </a:p>
+          <a:p>
+            <a:pPr marL="285750" indent="-285750">
+              <a:buFont typeface="Arial" panose="020B0604020202020204" pitchFamily="34" charset="0"/>
+              <a:buChar char="•"/>
+            </a:pPr>
+            <a:r>
+              <a:rPr lang="en-US" sz="2800" b="1" dirty="0"/>
+              <a:t>Be very careful of typos.</a:t>
+            </a:r>
+          </a:p>
+          <a:p>
+            <a:pPr marL="285750" indent="-285750">
+              <a:buFont typeface="Arial" panose="020B0604020202020204" pitchFamily="34" charset="0"/>
+              <a:buChar char="•"/>
+            </a:pPr>
+            <a:r>
+              <a:rPr lang="en-US" sz="2800" b="1" dirty="0"/>
+              <a:t>One variable per column (no merged column, no more than one).</a:t>
+            </a:r>
+          </a:p>
+          <a:p>
+            <a:pPr marL="285750" indent="-285750">
+              <a:buFont typeface="Arial" panose="020B0604020202020204" pitchFamily="34" charset="0"/>
+              <a:buChar char="•"/>
+            </a:pPr>
+            <a:r>
+              <a:rPr lang="en-US" sz="2800" dirty="0"/>
+              <a:t>Consistent unit throughout observations</a:t>
+            </a:r>
+          </a:p>
+          <a:p>
+            <a:pPr marL="285750" indent="-285750">
+              <a:buFont typeface="Arial" panose="020B0604020202020204" pitchFamily="34" charset="0"/>
+              <a:buChar char="•"/>
+            </a:pPr>
+            <a:r>
+              <a:rPr lang="en-US" sz="2800" dirty="0"/>
+              <a:t>One observation per cell.</a:t>
+            </a:r>
+          </a:p>
+          <a:p>
+            <a:pPr marL="285750" indent="-285750">
+              <a:buFont typeface="Arial" panose="020B0604020202020204" pitchFamily="34" charset="0"/>
+              <a:buChar char="•"/>
+            </a:pPr>
+            <a:endParaRPr lang="en-US" sz="2800" dirty="0"/>
+          </a:p>
+          <a:p>
+            <a:pPr marL="285750" indent="-285750">
+              <a:buFont typeface="Arial" panose="020B0604020202020204" pitchFamily="34" charset="0"/>
+              <a:buChar char="•"/>
+            </a:pPr>
+            <a:r>
+              <a:rPr lang="en-US" sz="2800" dirty="0"/>
+              <a:t>Save as csv file</a:t>
+            </a:r>
+          </a:p>
+        </p:txBody>
+      </p:sp>
+      <p:pic>
+        <p:nvPicPr>
+          <p:cNvPr id="7" name="Picture 6">
+            <a:extLst>
+              <a:ext uri="{FF2B5EF4-FFF2-40B4-BE49-F238E27FC236}">
+                <a16:creationId xmlns:a16="http://schemas.microsoft.com/office/drawing/2014/main" id="{E10FA89D-DEA6-AB43-83B0-1305B876D959}"/>
+              </a:ext>
+            </a:extLst>
+          </p:cNvPr>
+          <p:cNvPicPr>
+            <a:picLocks noChangeAspect="1"/>
+          </p:cNvPicPr>
+          <p:nvPr/>
+        </p:nvPicPr>
+        <p:blipFill>
+          <a:blip r:embed="rId2" cstate="screen">
+            <a:extLst>
+              <a:ext uri="{28A0092B-C50C-407E-A947-70E740481C1C}">
+                <a14:useLocalDpi xmlns:a14="http://schemas.microsoft.com/office/drawing/2010/main"/>
+              </a:ext>
+            </a:extLst>
+          </a:blip>
+          <a:stretch>
+            <a:fillRect/>
+          </a:stretch>
+        </p:blipFill>
+        <p:spPr>
+          <a:xfrm>
+            <a:off x="4876800" y="4153764"/>
+            <a:ext cx="4114800" cy="2243610"/>
+          </a:xfrm>
+          <a:prstGeom prst="rect">
+            <a:avLst/>
+          </a:prstGeom>
+        </p:spPr>
+      </p:pic>
+    </p:spTree>
+    <p:extLst>
+      <p:ext uri="{BB962C8B-B14F-4D97-AF65-F5344CB8AC3E}">
+        <p14:creationId xmlns:p14="http://schemas.microsoft.com/office/powerpoint/2010/main" val="3473356200"/>
+      </p:ext>
+    </p:extLst>
+  </p:cSld>
+  <p:clrMapOvr>
+    <a:masterClrMapping/>
+  </p:clrMapOvr>
+</p:sld>
+</file>
+
+<file path=ppt/slides/slide22.xml><?xml version="1.0" encoding="utf-8"?>
+<p:sld xmlns:a="http://schemas.openxmlformats.org/drawingml/2006/main" xmlns:r="http://schemas.openxmlformats.org/officeDocument/2006/relationships" xmlns:p="http://schemas.openxmlformats.org/presentationml/2006/main">
+  <p:cSld>
+    <p:spTree>
+      <p:nvGrpSpPr>
+        <p:cNvPr id="1" name=""/>
+        <p:cNvGrpSpPr/>
+        <p:nvPr/>
+      </p:nvGrpSpPr>
+      <p:grpSpPr>
+        <a:xfrm>
+          <a:off x="0" y="0"/>
+          <a:ext cx="0" cy="0"/>
+          <a:chOff x="0" y="0"/>
+          <a:chExt cx="0" cy="0"/>
+        </a:xfrm>
+      </p:grpSpPr>
+      <p:sp>
+        <p:nvSpPr>
+          <p:cNvPr id="17409" name="Rectangle 9"/>
+          <p:cNvSpPr>
+            <a:spLocks noChangeArrowheads="1"/>
+          </p:cNvSpPr>
+          <p:nvPr/>
+        </p:nvSpPr>
+        <p:spPr bwMode="auto">
+          <a:xfrm>
+            <a:off x="693295" y="1676400"/>
+            <a:ext cx="3886200" cy="830997"/>
+          </a:xfrm>
+          <a:prstGeom prst="rect">
+            <a:avLst/>
+          </a:prstGeom>
+          <a:noFill/>
+          <a:ln w="9525">
+            <a:noFill/>
+            <a:miter lim="800000"/>
+            <a:headEnd/>
+            <a:tailEnd/>
+          </a:ln>
+        </p:spPr>
+        <p:txBody>
+          <a:bodyPr wrap="square">
+            <a:spAutoFit/>
+          </a:bodyPr>
+          <a:lstStyle/>
+          <a:p>
+            <a:pPr marL="342900" indent="-342900">
+              <a:buFont typeface="Arial" charset="0"/>
+              <a:buChar char="•"/>
+            </a:pPr>
+            <a:endParaRPr lang="en-US" sz="2400" dirty="0">
+              <a:solidFill>
+                <a:srgbClr val="404040"/>
+              </a:solidFill>
+            </a:endParaRPr>
+          </a:p>
+          <a:p>
+            <a:pPr marL="342900" indent="-342900"/>
+            <a:endParaRPr lang="en-US" sz="2400" dirty="0">
+              <a:solidFill>
+                <a:srgbClr val="404040"/>
+              </a:solidFill>
+            </a:endParaRPr>
+          </a:p>
+        </p:txBody>
+      </p:sp>
+      <p:sp>
+        <p:nvSpPr>
+          <p:cNvPr id="17410" name="Rectangle 3"/>
+          <p:cNvSpPr>
+            <a:spLocks noChangeArrowheads="1"/>
+          </p:cNvSpPr>
+          <p:nvPr/>
+        </p:nvSpPr>
+        <p:spPr bwMode="auto">
+          <a:xfrm>
+            <a:off x="341313" y="444500"/>
+            <a:ext cx="3397918" cy="646331"/>
+          </a:xfrm>
+          <a:prstGeom prst="rect">
+            <a:avLst/>
+          </a:prstGeom>
+          <a:noFill/>
+          <a:ln w="9525">
+            <a:noFill/>
+            <a:miter lim="800000"/>
+            <a:headEnd/>
+            <a:tailEnd/>
+          </a:ln>
+        </p:spPr>
+        <p:txBody>
+          <a:bodyPr wrap="none">
+            <a:spAutoFit/>
+          </a:bodyPr>
+          <a:lstStyle/>
+          <a:p>
+            <a:r>
+              <a:rPr lang="en-US" sz="3600" b="1" dirty="0">
+                <a:solidFill>
+                  <a:srgbClr val="E46C0A"/>
+                </a:solidFill>
+              </a:rPr>
+              <a:t>Import data in R</a:t>
+            </a:r>
+          </a:p>
+        </p:txBody>
+      </p:sp>
+      <p:pic>
+        <p:nvPicPr>
+          <p:cNvPr id="6" name="Picture 5">
+            <a:extLst>
+              <a:ext uri="{FF2B5EF4-FFF2-40B4-BE49-F238E27FC236}">
+                <a16:creationId xmlns:a16="http://schemas.microsoft.com/office/drawing/2014/main" id="{4134C2F0-5CD9-8C4B-B172-2BDC2E9A88C8}"/>
+              </a:ext>
+            </a:extLst>
+          </p:cNvPr>
+          <p:cNvPicPr>
+            <a:picLocks noChangeAspect="1"/>
+          </p:cNvPicPr>
+          <p:nvPr/>
+        </p:nvPicPr>
+        <p:blipFill>
+          <a:blip r:embed="rId2" cstate="screen">
+            <a:extLst>
+              <a:ext uri="{28A0092B-C50C-407E-A947-70E740481C1C}">
+                <a14:useLocalDpi xmlns:a14="http://schemas.microsoft.com/office/drawing/2010/main"/>
+              </a:ext>
+            </a:extLst>
+          </a:blip>
+          <a:stretch>
+            <a:fillRect/>
+          </a:stretch>
+        </p:blipFill>
+        <p:spPr>
+          <a:xfrm>
+            <a:off x="0" y="2074025"/>
+            <a:ext cx="9144000" cy="2709949"/>
+          </a:xfrm>
+          <a:prstGeom prst="rect">
+            <a:avLst/>
+          </a:prstGeom>
+        </p:spPr>
+      </p:pic>
+    </p:spTree>
+    <p:extLst>
+      <p:ext uri="{BB962C8B-B14F-4D97-AF65-F5344CB8AC3E}">
+        <p14:creationId xmlns:p14="http://schemas.microsoft.com/office/powerpoint/2010/main" val="3478572251"/>
+      </p:ext>
+    </p:extLst>
+  </p:cSld>
+  <p:clrMapOvr>
+    <a:masterClrMapping/>
+  </p:clrMapOvr>
+</p:sld>
+</file>
+
+<file path=ppt/slides/slide23.xml><?xml version="1.0" encoding="utf-8"?>
+<p:sld xmlns:a="http://schemas.openxmlformats.org/drawingml/2006/main" xmlns:r="http://schemas.openxmlformats.org/officeDocument/2006/relationships" xmlns:p="http://schemas.openxmlformats.org/presentationml/2006/main">
+  <p:cSld>
+    <p:spTree>
+      <p:nvGrpSpPr>
+        <p:cNvPr id="1" name=""/>
+        <p:cNvGrpSpPr/>
+        <p:nvPr/>
+      </p:nvGrpSpPr>
+      <p:grpSpPr>
+        <a:xfrm>
+          <a:off x="0" y="0"/>
+          <a:ext cx="0" cy="0"/>
+          <a:chOff x="0" y="0"/>
+          <a:chExt cx="0" cy="0"/>
+        </a:xfrm>
+      </p:grpSpPr>
+    </p:spTree>
+    <p:extLst>
+      <p:ext uri="{BB962C8B-B14F-4D97-AF65-F5344CB8AC3E}">
+        <p14:creationId xmlns:p14="http://schemas.microsoft.com/office/powerpoint/2010/main" val="516819814"/>
+      </p:ext>
+    </p:extLst>
+  </p:cSld>
+  <p:clrMapOvr>
+    <a:masterClrMapping/>
+  </p:clrMapOvr>
+</p:sld>
+</file>
+
+<file path=ppt/slides/slide24.xml><?xml version="1.0" encoding="utf-8"?>
+<p:sld xmlns:a="http://schemas.openxmlformats.org/drawingml/2006/main" xmlns:r="http://schemas.openxmlformats.org/officeDocument/2006/relationships" xmlns:p="http://schemas.openxmlformats.org/presentationml/2006/main">
+  <p:cSld>
+    <p:spTree>
+      <p:nvGrpSpPr>
+        <p:cNvPr id="1" name=""/>
+        <p:cNvGrpSpPr/>
+        <p:nvPr/>
+      </p:nvGrpSpPr>
+      <p:grpSpPr>
+        <a:xfrm>
+          <a:off x="0" y="0"/>
+          <a:ext cx="0" cy="0"/>
+          <a:chOff x="0" y="0"/>
+          <a:chExt cx="0" cy="0"/>
+        </a:xfrm>
+      </p:grpSpPr>
+    </p:spTree>
+    <p:extLst>
+      <p:ext uri="{BB962C8B-B14F-4D97-AF65-F5344CB8AC3E}">
+        <p14:creationId xmlns:p14="http://schemas.microsoft.com/office/powerpoint/2010/main" val="2753975283"/>
+      </p:ext>
+    </p:extLst>
+  </p:cSld>
+  <p:clrMapOvr>
+    <a:masterClrMapping/>
+  </p:clrMapOvr>
+</p:sld>
+</file>
+
+<file path=ppt/slides/slide3.xml><?xml version="1.0" encoding="utf-8"?>
 <p:sld xmlns:a="http://schemas.openxmlformats.org/drawingml/2006/main" xmlns:r="http://schemas.openxmlformats.org/officeDocument/2006/relationships" xmlns:p="http://schemas.openxmlformats.org/presentationml/2006/main">
   <p:cSld>
     <p:spTree>
@@ -12875,647 +14106,6 @@
 </p:sld>
 </file>
 
-<file path=ppt/slides/slide20.xml><?xml version="1.0" encoding="utf-8"?>
-<p:sld xmlns:a="http://schemas.openxmlformats.org/drawingml/2006/main" xmlns:r="http://schemas.openxmlformats.org/officeDocument/2006/relationships" xmlns:p="http://schemas.openxmlformats.org/presentationml/2006/main">
-  <p:cSld>
-    <p:spTree>
-      <p:nvGrpSpPr>
-        <p:cNvPr id="1" name=""/>
-        <p:cNvGrpSpPr/>
-        <p:nvPr/>
-      </p:nvGrpSpPr>
-      <p:grpSpPr>
-        <a:xfrm>
-          <a:off x="0" y="0"/>
-          <a:ext cx="0" cy="0"/>
-          <a:chOff x="0" y="0"/>
-          <a:chExt cx="0" cy="0"/>
-        </a:xfrm>
-      </p:grpSpPr>
-      <p:sp>
-        <p:nvSpPr>
-          <p:cNvPr id="17409" name="Rectangle 9"/>
-          <p:cNvSpPr>
-            <a:spLocks noChangeArrowheads="1"/>
-          </p:cNvSpPr>
-          <p:nvPr/>
-        </p:nvSpPr>
-        <p:spPr bwMode="auto">
-          <a:xfrm>
-            <a:off x="693295" y="1676400"/>
-            <a:ext cx="3886200" cy="830997"/>
-          </a:xfrm>
-          <a:prstGeom prst="rect">
-            <a:avLst/>
-          </a:prstGeom>
-          <a:noFill/>
-          <a:ln w="9525">
-            <a:noFill/>
-            <a:miter lim="800000"/>
-            <a:headEnd/>
-            <a:tailEnd/>
-          </a:ln>
-        </p:spPr>
-        <p:txBody>
-          <a:bodyPr wrap="square">
-            <a:spAutoFit/>
-          </a:bodyPr>
-          <a:lstStyle/>
-          <a:p>
-            <a:pPr marL="342900" indent="-342900">
-              <a:buFont typeface="Arial" charset="0"/>
-              <a:buChar char="•"/>
-            </a:pPr>
-            <a:endParaRPr lang="en-US" sz="2400" dirty="0">
-              <a:solidFill>
-                <a:srgbClr val="404040"/>
-              </a:solidFill>
-            </a:endParaRPr>
-          </a:p>
-          <a:p>
-            <a:pPr marL="342900" indent="-342900"/>
-            <a:endParaRPr lang="en-US" sz="2400" dirty="0">
-              <a:solidFill>
-                <a:srgbClr val="404040"/>
-              </a:solidFill>
-            </a:endParaRPr>
-          </a:p>
-        </p:txBody>
-      </p:sp>
-      <p:sp>
-        <p:nvSpPr>
-          <p:cNvPr id="17410" name="Rectangle 3"/>
-          <p:cNvSpPr>
-            <a:spLocks noChangeArrowheads="1"/>
-          </p:cNvSpPr>
-          <p:nvPr/>
-        </p:nvSpPr>
-        <p:spPr bwMode="auto">
-          <a:xfrm>
-            <a:off x="341313" y="444500"/>
-            <a:ext cx="6154121" cy="646331"/>
-          </a:xfrm>
-          <a:prstGeom prst="rect">
-            <a:avLst/>
-          </a:prstGeom>
-          <a:noFill/>
-          <a:ln w="9525">
-            <a:noFill/>
-            <a:miter lim="800000"/>
-            <a:headEnd/>
-            <a:tailEnd/>
-          </a:ln>
-        </p:spPr>
-        <p:txBody>
-          <a:bodyPr wrap="none">
-            <a:spAutoFit/>
-          </a:bodyPr>
-          <a:lstStyle/>
-          <a:p>
-            <a:r>
-              <a:rPr lang="en-US" sz="3600" b="1" dirty="0">
-                <a:solidFill>
-                  <a:srgbClr val="E46C0A"/>
-                </a:solidFill>
-              </a:rPr>
-              <a:t>Record your data: general rules</a:t>
-            </a:r>
-          </a:p>
-        </p:txBody>
-      </p:sp>
-      <p:sp>
-        <p:nvSpPr>
-          <p:cNvPr id="2" name="TextBox 1">
-            <a:extLst>
-              <a:ext uri="{FF2B5EF4-FFF2-40B4-BE49-F238E27FC236}">
-                <a16:creationId xmlns:a16="http://schemas.microsoft.com/office/drawing/2014/main" id="{513D88A1-2ABD-554A-9EEE-851EA8A19B2B}"/>
-              </a:ext>
-            </a:extLst>
-          </p:cNvPr>
-          <p:cNvSpPr txBox="1"/>
-          <p:nvPr/>
-        </p:nvSpPr>
-        <p:spPr>
-          <a:xfrm>
-            <a:off x="457200" y="1090831"/>
-            <a:ext cx="4800600" cy="5693866"/>
-          </a:xfrm>
-          <a:prstGeom prst="rect">
-            <a:avLst/>
-          </a:prstGeom>
-          <a:noFill/>
-        </p:spPr>
-        <p:txBody>
-          <a:bodyPr wrap="square" rtlCol="0">
-            <a:spAutoFit/>
-          </a:bodyPr>
-          <a:lstStyle/>
-          <a:p>
-            <a:pPr marL="285750" indent="-285750">
-              <a:buFont typeface="Arial" panose="020B0604020202020204" pitchFamily="34" charset="0"/>
-              <a:buChar char="•"/>
-            </a:pPr>
-            <a:r>
-              <a:rPr lang="en-US" sz="2800" dirty="0"/>
-              <a:t>Avoid spaces: use period “.” or underscore “_”.</a:t>
-            </a:r>
-          </a:p>
-          <a:p>
-            <a:pPr marL="285750" indent="-285750">
-              <a:buFont typeface="Arial" panose="020B0604020202020204" pitchFamily="34" charset="0"/>
-              <a:buChar char="•"/>
-            </a:pPr>
-            <a:r>
-              <a:rPr lang="en-US" sz="2800" dirty="0"/>
-              <a:t>Keep column names short, simple and unique.</a:t>
-            </a:r>
-          </a:p>
-          <a:p>
-            <a:pPr marL="285750" indent="-285750">
-              <a:buFont typeface="Arial" panose="020B0604020202020204" pitchFamily="34" charset="0"/>
-              <a:buChar char="•"/>
-            </a:pPr>
-            <a:r>
-              <a:rPr lang="en-US" sz="2800" b="1" dirty="0"/>
-              <a:t>Be very careful of typos.</a:t>
-            </a:r>
-          </a:p>
-          <a:p>
-            <a:pPr marL="285750" indent="-285750">
-              <a:buFont typeface="Arial" panose="020B0604020202020204" pitchFamily="34" charset="0"/>
-              <a:buChar char="•"/>
-            </a:pPr>
-            <a:r>
-              <a:rPr lang="en-US" sz="2800" b="1" dirty="0"/>
-              <a:t>One variable per column (no merged column, no more than one).</a:t>
-            </a:r>
-          </a:p>
-          <a:p>
-            <a:pPr marL="285750" indent="-285750">
-              <a:buFont typeface="Arial" panose="020B0604020202020204" pitchFamily="34" charset="0"/>
-              <a:buChar char="•"/>
-            </a:pPr>
-            <a:r>
-              <a:rPr lang="en-US" sz="2800" dirty="0"/>
-              <a:t>Consistent unit throughout observations</a:t>
-            </a:r>
-          </a:p>
-          <a:p>
-            <a:pPr marL="285750" indent="-285750">
-              <a:buFont typeface="Arial" panose="020B0604020202020204" pitchFamily="34" charset="0"/>
-              <a:buChar char="•"/>
-            </a:pPr>
-            <a:r>
-              <a:rPr lang="en-US" sz="2800" dirty="0"/>
-              <a:t>One observation per cell.</a:t>
-            </a:r>
-          </a:p>
-          <a:p>
-            <a:pPr marL="285750" indent="-285750">
-              <a:buFont typeface="Arial" panose="020B0604020202020204" pitchFamily="34" charset="0"/>
-              <a:buChar char="•"/>
-            </a:pPr>
-            <a:endParaRPr lang="en-US" sz="2800" dirty="0"/>
-          </a:p>
-          <a:p>
-            <a:pPr marL="285750" indent="-285750">
-              <a:buFont typeface="Arial" panose="020B0604020202020204" pitchFamily="34" charset="0"/>
-              <a:buChar char="•"/>
-            </a:pPr>
-            <a:r>
-              <a:rPr lang="en-US" sz="2800" dirty="0"/>
-              <a:t>Save as csv file</a:t>
-            </a:r>
-          </a:p>
-        </p:txBody>
-      </p:sp>
-      <p:pic>
-        <p:nvPicPr>
-          <p:cNvPr id="7" name="Picture 6">
-            <a:extLst>
-              <a:ext uri="{FF2B5EF4-FFF2-40B4-BE49-F238E27FC236}">
-                <a16:creationId xmlns:a16="http://schemas.microsoft.com/office/drawing/2014/main" id="{E10FA89D-DEA6-AB43-83B0-1305B876D959}"/>
-              </a:ext>
-            </a:extLst>
-          </p:cNvPr>
-          <p:cNvPicPr>
-            <a:picLocks noChangeAspect="1"/>
-          </p:cNvPicPr>
-          <p:nvPr/>
-        </p:nvPicPr>
-        <p:blipFill>
-          <a:blip r:embed="rId2" cstate="screen">
-            <a:extLst>
-              <a:ext uri="{28A0092B-C50C-407E-A947-70E740481C1C}">
-                <a14:useLocalDpi xmlns:a14="http://schemas.microsoft.com/office/drawing/2010/main"/>
-              </a:ext>
-            </a:extLst>
-          </a:blip>
-          <a:stretch>
-            <a:fillRect/>
-          </a:stretch>
-        </p:blipFill>
-        <p:spPr>
-          <a:xfrm>
-            <a:off x="4876800" y="4153764"/>
-            <a:ext cx="4114800" cy="2243610"/>
-          </a:xfrm>
-          <a:prstGeom prst="rect">
-            <a:avLst/>
-          </a:prstGeom>
-        </p:spPr>
-      </p:pic>
-    </p:spTree>
-    <p:extLst>
-      <p:ext uri="{BB962C8B-B14F-4D97-AF65-F5344CB8AC3E}">
-        <p14:creationId xmlns:p14="http://schemas.microsoft.com/office/powerpoint/2010/main" val="3473356200"/>
-      </p:ext>
-    </p:extLst>
-  </p:cSld>
-  <p:clrMapOvr>
-    <a:masterClrMapping/>
-  </p:clrMapOvr>
-</p:sld>
-</file>
-
-<file path=ppt/slides/slide21.xml><?xml version="1.0" encoding="utf-8"?>
-<p:sld xmlns:a="http://schemas.openxmlformats.org/drawingml/2006/main" xmlns:r="http://schemas.openxmlformats.org/officeDocument/2006/relationships" xmlns:p="http://schemas.openxmlformats.org/presentationml/2006/main">
-  <p:cSld>
-    <p:spTree>
-      <p:nvGrpSpPr>
-        <p:cNvPr id="1" name=""/>
-        <p:cNvGrpSpPr/>
-        <p:nvPr/>
-      </p:nvGrpSpPr>
-      <p:grpSpPr>
-        <a:xfrm>
-          <a:off x="0" y="0"/>
-          <a:ext cx="0" cy="0"/>
-          <a:chOff x="0" y="0"/>
-          <a:chExt cx="0" cy="0"/>
-        </a:xfrm>
-      </p:grpSpPr>
-      <p:sp>
-        <p:nvSpPr>
-          <p:cNvPr id="17409" name="Rectangle 9"/>
-          <p:cNvSpPr>
-            <a:spLocks noChangeArrowheads="1"/>
-          </p:cNvSpPr>
-          <p:nvPr/>
-        </p:nvSpPr>
-        <p:spPr bwMode="auto">
-          <a:xfrm>
-            <a:off x="693295" y="1676400"/>
-            <a:ext cx="3886200" cy="830997"/>
-          </a:xfrm>
-          <a:prstGeom prst="rect">
-            <a:avLst/>
-          </a:prstGeom>
-          <a:noFill/>
-          <a:ln w="9525">
-            <a:noFill/>
-            <a:miter lim="800000"/>
-            <a:headEnd/>
-            <a:tailEnd/>
-          </a:ln>
-        </p:spPr>
-        <p:txBody>
-          <a:bodyPr wrap="square">
-            <a:spAutoFit/>
-          </a:bodyPr>
-          <a:lstStyle/>
-          <a:p>
-            <a:pPr marL="342900" indent="-342900">
-              <a:buFont typeface="Arial" charset="0"/>
-              <a:buChar char="•"/>
-            </a:pPr>
-            <a:endParaRPr lang="en-US" sz="2400" dirty="0">
-              <a:solidFill>
-                <a:srgbClr val="404040"/>
-              </a:solidFill>
-            </a:endParaRPr>
-          </a:p>
-          <a:p>
-            <a:pPr marL="342900" indent="-342900"/>
-            <a:endParaRPr lang="en-US" sz="2400" dirty="0">
-              <a:solidFill>
-                <a:srgbClr val="404040"/>
-              </a:solidFill>
-            </a:endParaRPr>
-          </a:p>
-        </p:txBody>
-      </p:sp>
-      <p:sp>
-        <p:nvSpPr>
-          <p:cNvPr id="17410" name="Rectangle 3"/>
-          <p:cNvSpPr>
-            <a:spLocks noChangeArrowheads="1"/>
-          </p:cNvSpPr>
-          <p:nvPr/>
-        </p:nvSpPr>
-        <p:spPr bwMode="auto">
-          <a:xfrm>
-            <a:off x="341313" y="444500"/>
-            <a:ext cx="3397918" cy="646331"/>
-          </a:xfrm>
-          <a:prstGeom prst="rect">
-            <a:avLst/>
-          </a:prstGeom>
-          <a:noFill/>
-          <a:ln w="9525">
-            <a:noFill/>
-            <a:miter lim="800000"/>
-            <a:headEnd/>
-            <a:tailEnd/>
-          </a:ln>
-        </p:spPr>
-        <p:txBody>
-          <a:bodyPr wrap="none">
-            <a:spAutoFit/>
-          </a:bodyPr>
-          <a:lstStyle/>
-          <a:p>
-            <a:r>
-              <a:rPr lang="en-US" sz="3600" b="1" dirty="0">
-                <a:solidFill>
-                  <a:srgbClr val="E46C0A"/>
-                </a:solidFill>
-              </a:rPr>
-              <a:t>Import data in R</a:t>
-            </a:r>
-          </a:p>
-        </p:txBody>
-      </p:sp>
-      <p:pic>
-        <p:nvPicPr>
-          <p:cNvPr id="6" name="Picture 5">
-            <a:extLst>
-              <a:ext uri="{FF2B5EF4-FFF2-40B4-BE49-F238E27FC236}">
-                <a16:creationId xmlns:a16="http://schemas.microsoft.com/office/drawing/2014/main" id="{4134C2F0-5CD9-8C4B-B172-2BDC2E9A88C8}"/>
-              </a:ext>
-            </a:extLst>
-          </p:cNvPr>
-          <p:cNvPicPr>
-            <a:picLocks noChangeAspect="1"/>
-          </p:cNvPicPr>
-          <p:nvPr/>
-        </p:nvPicPr>
-        <p:blipFill>
-          <a:blip r:embed="rId2" cstate="screen">
-            <a:extLst>
-              <a:ext uri="{28A0092B-C50C-407E-A947-70E740481C1C}">
-                <a14:useLocalDpi xmlns:a14="http://schemas.microsoft.com/office/drawing/2010/main"/>
-              </a:ext>
-            </a:extLst>
-          </a:blip>
-          <a:stretch>
-            <a:fillRect/>
-          </a:stretch>
-        </p:blipFill>
-        <p:spPr>
-          <a:xfrm>
-            <a:off x="0" y="2074025"/>
-            <a:ext cx="9144000" cy="2709949"/>
-          </a:xfrm>
-          <a:prstGeom prst="rect">
-            <a:avLst/>
-          </a:prstGeom>
-        </p:spPr>
-      </p:pic>
-    </p:spTree>
-    <p:extLst>
-      <p:ext uri="{BB962C8B-B14F-4D97-AF65-F5344CB8AC3E}">
-        <p14:creationId xmlns:p14="http://schemas.microsoft.com/office/powerpoint/2010/main" val="3478572251"/>
-      </p:ext>
-    </p:extLst>
-  </p:cSld>
-  <p:clrMapOvr>
-    <a:masterClrMapping/>
-  </p:clrMapOvr>
-</p:sld>
-</file>
-
-<file path=ppt/slides/slide22.xml><?xml version="1.0" encoding="utf-8"?>
-<p:sld xmlns:a="http://schemas.openxmlformats.org/drawingml/2006/main" xmlns:r="http://schemas.openxmlformats.org/officeDocument/2006/relationships" xmlns:p="http://schemas.openxmlformats.org/presentationml/2006/main">
-  <p:cSld>
-    <p:spTree>
-      <p:nvGrpSpPr>
-        <p:cNvPr id="1" name=""/>
-        <p:cNvGrpSpPr/>
-        <p:nvPr/>
-      </p:nvGrpSpPr>
-      <p:grpSpPr>
-        <a:xfrm>
-          <a:off x="0" y="0"/>
-          <a:ext cx="0" cy="0"/>
-          <a:chOff x="0" y="0"/>
-          <a:chExt cx="0" cy="0"/>
-        </a:xfrm>
-      </p:grpSpPr>
-    </p:spTree>
-    <p:extLst>
-      <p:ext uri="{BB962C8B-B14F-4D97-AF65-F5344CB8AC3E}">
-        <p14:creationId xmlns:p14="http://schemas.microsoft.com/office/powerpoint/2010/main" val="516819814"/>
-      </p:ext>
-    </p:extLst>
-  </p:cSld>
-  <p:clrMapOvr>
-    <a:masterClrMapping/>
-  </p:clrMapOvr>
-</p:sld>
-</file>
-
-<file path=ppt/slides/slide23.xml><?xml version="1.0" encoding="utf-8"?>
-<p:sld xmlns:a="http://schemas.openxmlformats.org/drawingml/2006/main" xmlns:r="http://schemas.openxmlformats.org/officeDocument/2006/relationships" xmlns:p="http://schemas.openxmlformats.org/presentationml/2006/main">
-  <p:cSld>
-    <p:spTree>
-      <p:nvGrpSpPr>
-        <p:cNvPr id="1" name=""/>
-        <p:cNvGrpSpPr/>
-        <p:nvPr/>
-      </p:nvGrpSpPr>
-      <p:grpSpPr>
-        <a:xfrm>
-          <a:off x="0" y="0"/>
-          <a:ext cx="0" cy="0"/>
-          <a:chOff x="0" y="0"/>
-          <a:chExt cx="0" cy="0"/>
-        </a:xfrm>
-      </p:grpSpPr>
-    </p:spTree>
-    <p:extLst>
-      <p:ext uri="{BB962C8B-B14F-4D97-AF65-F5344CB8AC3E}">
-        <p14:creationId xmlns:p14="http://schemas.microsoft.com/office/powerpoint/2010/main" val="2753975283"/>
-      </p:ext>
-    </p:extLst>
-  </p:cSld>
-  <p:clrMapOvr>
-    <a:masterClrMapping/>
-  </p:clrMapOvr>
-</p:sld>
-</file>
-
-<file path=ppt/slides/slide3.xml><?xml version="1.0" encoding="utf-8"?>
-<p:sld xmlns:a="http://schemas.openxmlformats.org/drawingml/2006/main" xmlns:r="http://schemas.openxmlformats.org/officeDocument/2006/relationships" xmlns:p="http://schemas.openxmlformats.org/presentationml/2006/main">
-  <p:cSld>
-    <p:spTree>
-      <p:nvGrpSpPr>
-        <p:cNvPr id="1" name=""/>
-        <p:cNvGrpSpPr/>
-        <p:nvPr/>
-      </p:nvGrpSpPr>
-      <p:grpSpPr>
-        <a:xfrm>
-          <a:off x="0" y="0"/>
-          <a:ext cx="0" cy="0"/>
-          <a:chOff x="0" y="0"/>
-          <a:chExt cx="0" cy="0"/>
-        </a:xfrm>
-      </p:grpSpPr>
-      <p:sp>
-        <p:nvSpPr>
-          <p:cNvPr id="2" name="Title 1">
-            <a:extLst>
-              <a:ext uri="{FF2B5EF4-FFF2-40B4-BE49-F238E27FC236}">
-                <a16:creationId xmlns:a16="http://schemas.microsoft.com/office/drawing/2014/main" id="{F0281E40-7EBA-B64C-9D13-913119824321}"/>
-              </a:ext>
-            </a:extLst>
-          </p:cNvPr>
-          <p:cNvSpPr>
-            <a:spLocks noGrp="1"/>
-          </p:cNvSpPr>
-          <p:nvPr>
-            <p:ph type="title"/>
-          </p:nvPr>
-        </p:nvSpPr>
-        <p:spPr/>
-        <p:txBody>
-          <a:bodyPr/>
-          <a:lstStyle/>
-          <a:p>
-            <a:r>
-              <a:rPr lang="en-US" dirty="0"/>
-              <a:t>Agenda</a:t>
-            </a:r>
-          </a:p>
-        </p:txBody>
-      </p:sp>
-      <p:sp>
-        <p:nvSpPr>
-          <p:cNvPr id="3" name="Content Placeholder 2">
-            <a:extLst>
-              <a:ext uri="{FF2B5EF4-FFF2-40B4-BE49-F238E27FC236}">
-                <a16:creationId xmlns:a16="http://schemas.microsoft.com/office/drawing/2014/main" id="{57C5FABB-C396-2445-BBB3-085EF377DC09}"/>
-              </a:ext>
-            </a:extLst>
-          </p:cNvPr>
-          <p:cNvSpPr>
-            <a:spLocks noGrp="1"/>
-          </p:cNvSpPr>
-          <p:nvPr>
-            <p:ph idx="1"/>
-          </p:nvPr>
-        </p:nvSpPr>
-        <p:spPr/>
-        <p:txBody>
-          <a:bodyPr/>
-          <a:lstStyle/>
-          <a:p>
-            <a:r>
-              <a:rPr lang="en-US" dirty="0"/>
-              <a:t>Séance 1:</a:t>
-            </a:r>
-          </a:p>
-          <a:p>
-            <a:pPr lvl="1"/>
-            <a:r>
-              <a:rPr lang="en-US" dirty="0"/>
-              <a:t>Introduction a R et R studio</a:t>
-            </a:r>
-          </a:p>
-          <a:p>
-            <a:pPr lvl="1"/>
-            <a:r>
-              <a:rPr lang="en-US" dirty="0" err="1"/>
-              <a:t>Syntaxe</a:t>
-            </a:r>
-            <a:r>
-              <a:rPr lang="en-US" dirty="0"/>
-              <a:t> </a:t>
-            </a:r>
-            <a:r>
-              <a:rPr lang="en-US" dirty="0" err="1"/>
-              <a:t>DplyR</a:t>
-            </a:r>
-            <a:r>
-              <a:rPr lang="en-US" dirty="0"/>
-              <a:t> pour resume et </a:t>
-            </a:r>
-            <a:r>
-              <a:rPr lang="en-US" dirty="0" err="1"/>
-              <a:t>sommaires</a:t>
-            </a:r>
-            <a:endParaRPr lang="en-US" dirty="0"/>
-          </a:p>
-          <a:p>
-            <a:r>
-              <a:rPr lang="en-US" dirty="0"/>
-              <a:t>Séance 2:</a:t>
-            </a:r>
-          </a:p>
-          <a:p>
-            <a:pPr lvl="1"/>
-            <a:r>
-              <a:rPr lang="en-US" dirty="0"/>
-              <a:t>Figures et </a:t>
-            </a:r>
-            <a:r>
-              <a:rPr lang="en-US" dirty="0" err="1"/>
-              <a:t>cartes</a:t>
-            </a:r>
-            <a:r>
-              <a:rPr lang="en-US" dirty="0"/>
-              <a:t> avec </a:t>
-            </a:r>
-            <a:r>
-              <a:rPr lang="en-US" dirty="0" err="1"/>
-              <a:t>ggplot</a:t>
-            </a:r>
-            <a:endParaRPr lang="en-US" dirty="0"/>
-          </a:p>
-          <a:p>
-            <a:r>
-              <a:rPr lang="en-US" dirty="0"/>
-              <a:t>Séance 3:</a:t>
-            </a:r>
-          </a:p>
-          <a:p>
-            <a:pPr lvl="1"/>
-            <a:r>
-              <a:rPr lang="en-US" dirty="0"/>
-              <a:t>Dashboard et rapport avec </a:t>
-            </a:r>
-            <a:r>
-              <a:rPr lang="en-US" dirty="0" err="1"/>
-              <a:t>Rmarkdown</a:t>
-            </a:r>
-            <a:endParaRPr lang="en-US" dirty="0"/>
-          </a:p>
-        </p:txBody>
-      </p:sp>
-    </p:spTree>
-    <p:extLst>
-      <p:ext uri="{BB962C8B-B14F-4D97-AF65-F5344CB8AC3E}">
-        <p14:creationId xmlns:p14="http://schemas.microsoft.com/office/powerpoint/2010/main" val="1969791472"/>
-      </p:ext>
-    </p:extLst>
-  </p:cSld>
-  <p:clrMapOvr>
-    <a:masterClrMapping/>
-  </p:clrMapOvr>
-</p:sld>
-</file>
-
 <file path=ppt/slides/slide4.xml><?xml version="1.0" encoding="utf-8"?>
 <p:sld xmlns:a="http://schemas.openxmlformats.org/drawingml/2006/main" xmlns:r="http://schemas.openxmlformats.org/officeDocument/2006/relationships" xmlns:p="http://schemas.openxmlformats.org/presentationml/2006/main">
   <p:cSld>
@@ -13535,215 +14125,141 @@
       </p:grpSpPr>
       <p:sp>
         <p:nvSpPr>
-          <p:cNvPr id="17409" name="Rectangle 9"/>
+          <p:cNvPr id="2" name="Title 1">
+            <a:extLst>
+              <a:ext uri="{FF2B5EF4-FFF2-40B4-BE49-F238E27FC236}">
+                <a16:creationId xmlns:a16="http://schemas.microsoft.com/office/drawing/2014/main" id="{F0281E40-7EBA-B64C-9D13-913119824321}"/>
+              </a:ext>
+            </a:extLst>
+          </p:cNvPr>
           <p:cNvSpPr>
-            <a:spLocks noChangeArrowheads="1"/>
+            <a:spLocks noGrp="1"/>
           </p:cNvSpPr>
-          <p:nvPr/>
-        </p:nvSpPr>
-        <p:spPr bwMode="auto">
-          <a:xfrm>
-            <a:off x="457200" y="1111250"/>
-            <a:ext cx="8458200" cy="5139869"/>
-          </a:xfrm>
-          <a:prstGeom prst="rect">
-            <a:avLst/>
-          </a:prstGeom>
-          <a:noFill/>
-          <a:ln w="9525">
-            <a:noFill/>
-            <a:miter lim="800000"/>
-            <a:headEnd/>
-            <a:tailEnd/>
-          </a:ln>
-        </p:spPr>
-        <p:txBody>
-          <a:bodyPr>
-            <a:spAutoFit/>
-          </a:bodyPr>
+          <p:nvPr>
+            <p:ph type="title"/>
+          </p:nvPr>
+        </p:nvSpPr>
+        <p:spPr/>
+        <p:txBody>
+          <a:bodyPr/>
           <a:lstStyle/>
           <a:p>
-            <a:pPr marL="342900" indent="-342900">
-              <a:buFont typeface="Arial" charset="0"/>
-              <a:buChar char="•"/>
-            </a:pPr>
-            <a:r>
-              <a:rPr lang="en-US" sz="3200" dirty="0">
-                <a:solidFill>
-                  <a:srgbClr val="404040"/>
-                </a:solidFill>
-              </a:rPr>
-              <a:t>To </a:t>
-            </a:r>
-            <a:r>
-              <a:rPr lang="en-US" sz="3200" b="1" dirty="0">
-                <a:solidFill>
-                  <a:srgbClr val="404040"/>
-                </a:solidFill>
-              </a:rPr>
-              <a:t>teach the basic knowledge necessary to use R.</a:t>
-            </a:r>
-          </a:p>
-          <a:p>
-            <a:pPr marL="1257300" lvl="2" indent="-342900">
-              <a:buFont typeface="Arial" charset="0"/>
-              <a:buChar char="•"/>
-            </a:pPr>
-            <a:r>
-              <a:rPr lang="en-US" sz="3200" b="1" dirty="0">
-                <a:solidFill>
-                  <a:srgbClr val="404040"/>
-                </a:solidFill>
-              </a:rPr>
-              <a:t>What is R?</a:t>
-            </a:r>
-          </a:p>
-          <a:p>
-            <a:pPr marL="1257300" lvl="2" indent="-342900">
-              <a:buFont typeface="Arial" charset="0"/>
-              <a:buChar char="•"/>
-            </a:pPr>
-            <a:r>
-              <a:rPr lang="en-US" sz="3200" b="1" dirty="0">
-                <a:solidFill>
-                  <a:srgbClr val="404040"/>
-                </a:solidFill>
-              </a:rPr>
-              <a:t>Why use R?</a:t>
-            </a:r>
-          </a:p>
-          <a:p>
-            <a:pPr marL="1257300" lvl="2" indent="-342900">
-              <a:buFont typeface="Arial" charset="0"/>
-              <a:buChar char="•"/>
-            </a:pPr>
-            <a:r>
-              <a:rPr lang="en-US" sz="3200" b="1" dirty="0">
-                <a:solidFill>
-                  <a:srgbClr val="404040"/>
-                </a:solidFill>
-              </a:rPr>
-              <a:t>How R works?</a:t>
-            </a:r>
-          </a:p>
-          <a:p>
-            <a:pPr marL="1257300" lvl="2" indent="-342900">
-              <a:buFont typeface="Arial" charset="0"/>
-              <a:buChar char="•"/>
-            </a:pPr>
-            <a:r>
-              <a:rPr lang="en-US" sz="3200" b="1" dirty="0">
-                <a:solidFill>
-                  <a:srgbClr val="404040"/>
-                </a:solidFill>
-              </a:rPr>
-              <a:t>Your environment in R and R studio</a:t>
-            </a:r>
-          </a:p>
-          <a:p>
-            <a:pPr marL="1257300" lvl="2" indent="-342900">
-              <a:buFont typeface="Arial" charset="0"/>
-              <a:buChar char="•"/>
-            </a:pPr>
-            <a:endParaRPr lang="en-US" sz="3200" b="1" dirty="0">
-              <a:solidFill>
-                <a:srgbClr val="404040"/>
-              </a:solidFill>
-            </a:endParaRPr>
-          </a:p>
-          <a:p>
-            <a:pPr marL="1257300" lvl="2" indent="-342900">
-              <a:buFont typeface="Arial" charset="0"/>
-              <a:buChar char="•"/>
-            </a:pPr>
-            <a:r>
-              <a:rPr lang="en-US" sz="3200" b="1" dirty="0">
-                <a:solidFill>
-                  <a:srgbClr val="404040"/>
-                </a:solidFill>
-              </a:rPr>
-              <a:t>Experience R</a:t>
-            </a:r>
-            <a:endParaRPr lang="en-US" sz="3200" dirty="0">
-              <a:solidFill>
-                <a:srgbClr val="404040"/>
-              </a:solidFill>
-            </a:endParaRPr>
-          </a:p>
-          <a:p>
-            <a:pPr marL="342900" indent="-342900">
-              <a:buFont typeface="Arial" charset="0"/>
-              <a:buChar char="•"/>
-            </a:pPr>
-            <a:endParaRPr lang="en-US" sz="2400" dirty="0">
-              <a:solidFill>
-                <a:srgbClr val="404040"/>
-              </a:solidFill>
-            </a:endParaRPr>
-          </a:p>
-          <a:p>
-            <a:pPr marL="342900" indent="-342900">
-              <a:buFont typeface="Arial" charset="0"/>
-              <a:buChar char="•"/>
-            </a:pPr>
-            <a:endParaRPr lang="en-US" sz="2400" dirty="0">
-              <a:solidFill>
-                <a:srgbClr val="404040"/>
-              </a:solidFill>
-            </a:endParaRPr>
-          </a:p>
-          <a:p>
-            <a:pPr marL="342900" indent="-342900"/>
-            <a:endParaRPr lang="en-US" sz="2400" dirty="0">
-              <a:solidFill>
-                <a:srgbClr val="404040"/>
-              </a:solidFill>
-            </a:endParaRPr>
-          </a:p>
-        </p:txBody>
-      </p:sp>
-      <p:sp>
-        <p:nvSpPr>
-          <p:cNvPr id="17410" name="Rectangle 3"/>
+            <a:r>
+              <a:rPr lang="en-US" dirty="0"/>
+              <a:t>Agenda</a:t>
+            </a:r>
+          </a:p>
+        </p:txBody>
+      </p:sp>
+      <p:sp>
+        <p:nvSpPr>
+          <p:cNvPr id="3" name="Content Placeholder 2">
+            <a:extLst>
+              <a:ext uri="{FF2B5EF4-FFF2-40B4-BE49-F238E27FC236}">
+                <a16:creationId xmlns:a16="http://schemas.microsoft.com/office/drawing/2014/main" id="{57C5FABB-C396-2445-BBB3-085EF377DC09}"/>
+              </a:ext>
+            </a:extLst>
+          </p:cNvPr>
           <p:cNvSpPr>
-            <a:spLocks noChangeArrowheads="1"/>
+            <a:spLocks noGrp="1"/>
           </p:cNvSpPr>
-          <p:nvPr/>
-        </p:nvSpPr>
-        <p:spPr bwMode="auto">
-          <a:xfrm>
-            <a:off x="341313" y="444500"/>
-            <a:ext cx="2009234" cy="646331"/>
-          </a:xfrm>
-          <a:prstGeom prst="rect">
-            <a:avLst/>
-          </a:prstGeom>
-          <a:noFill/>
-          <a:ln w="9525">
-            <a:noFill/>
-            <a:miter lim="800000"/>
-            <a:headEnd/>
-            <a:tailEnd/>
-          </a:ln>
-        </p:spPr>
-        <p:txBody>
-          <a:bodyPr wrap="none">
-            <a:spAutoFit/>
-          </a:bodyPr>
+          <p:nvPr>
+            <p:ph idx="1"/>
+          </p:nvPr>
+        </p:nvSpPr>
+        <p:spPr/>
+        <p:txBody>
+          <a:bodyPr/>
           <a:lstStyle/>
           <a:p>
             <a:r>
-              <a:rPr lang="en-US" sz="3600" b="1" dirty="0">
-                <a:solidFill>
-                  <a:srgbClr val="E46C0A"/>
-                </a:solidFill>
-              </a:rPr>
-              <a:t>Objective</a:t>
-            </a:r>
+              <a:rPr lang="en-US" dirty="0"/>
+              <a:t>Séance 1:</a:t>
+            </a:r>
+          </a:p>
+          <a:p>
+            <a:pPr lvl="1"/>
+            <a:r>
+              <a:rPr lang="en-US" dirty="0"/>
+              <a:t>Introduction a R et R studio</a:t>
+            </a:r>
+          </a:p>
+          <a:p>
+            <a:pPr lvl="1"/>
+            <a:r>
+              <a:rPr lang="en-US" dirty="0" err="1"/>
+              <a:t>Syntaxe</a:t>
+            </a:r>
+            <a:r>
+              <a:rPr lang="en-US" dirty="0"/>
+              <a:t> </a:t>
+            </a:r>
+            <a:r>
+              <a:rPr lang="en-US" dirty="0" err="1"/>
+              <a:t>DplyR</a:t>
+            </a:r>
+            <a:r>
+              <a:rPr lang="en-US" dirty="0"/>
+              <a:t> pour resume et </a:t>
+            </a:r>
+            <a:r>
+              <a:rPr lang="en-US" dirty="0" err="1"/>
+              <a:t>sommaires</a:t>
+            </a:r>
+            <a:endParaRPr lang="en-US" dirty="0"/>
+          </a:p>
+          <a:p>
+            <a:r>
+              <a:rPr lang="en-US" dirty="0"/>
+              <a:t>Séance 2:</a:t>
+            </a:r>
+          </a:p>
+          <a:p>
+            <a:pPr lvl="1"/>
+            <a:r>
+              <a:rPr lang="en-US" dirty="0"/>
+              <a:t>Figures et </a:t>
+            </a:r>
+            <a:r>
+              <a:rPr lang="en-US" dirty="0" err="1"/>
+              <a:t>cartes</a:t>
+            </a:r>
+            <a:r>
+              <a:rPr lang="en-US" dirty="0"/>
+              <a:t> avec </a:t>
+            </a:r>
+            <a:r>
+              <a:rPr lang="en-US" dirty="0" err="1"/>
+              <a:t>ggplot</a:t>
+            </a:r>
+            <a:endParaRPr lang="en-US" dirty="0"/>
+          </a:p>
+          <a:p>
+            <a:r>
+              <a:rPr lang="en-US" dirty="0"/>
+              <a:t>Séance 3:</a:t>
+            </a:r>
+          </a:p>
+          <a:p>
+            <a:pPr lvl="1"/>
+            <a:r>
+              <a:rPr lang="en-US" dirty="0"/>
+              <a:t>Dashboard et rapport avec </a:t>
+            </a:r>
+            <a:r>
+              <a:rPr lang="en-US" dirty="0" err="1"/>
+              <a:t>Rmarkdown</a:t>
+            </a:r>
+            <a:endParaRPr lang="en-US" dirty="0"/>
           </a:p>
         </p:txBody>
       </p:sp>
     </p:spTree>
+    <p:extLst>
+      <p:ext uri="{BB962C8B-B14F-4D97-AF65-F5344CB8AC3E}">
+        <p14:creationId xmlns:p14="http://schemas.microsoft.com/office/powerpoint/2010/main" val="1969791472"/>
+      </p:ext>
+    </p:extLst>
   </p:cSld>
   <p:clrMapOvr>
     <a:masterClrMapping/>
@@ -13770,18 +14286,27 @@
       </p:grpSpPr>
       <p:sp>
         <p:nvSpPr>
-          <p:cNvPr id="4" name="Rectangle 3"/>
-          <p:cNvSpPr/>
+          <p:cNvPr id="17409" name="Rectangle 9"/>
+          <p:cNvSpPr>
+            <a:spLocks noChangeArrowheads="1"/>
+          </p:cNvSpPr>
           <p:nvPr/>
         </p:nvSpPr>
-        <p:spPr>
+        <p:spPr bwMode="auto">
           <a:xfrm>
-            <a:off x="0" y="2743200"/>
-            <a:ext cx="9144000" cy="823913"/>
+            <a:off x="457200" y="1111250"/>
+            <a:ext cx="8458200" cy="5139869"/>
           </a:xfrm>
           <a:prstGeom prst="rect">
             <a:avLst/>
           </a:prstGeom>
+          <a:noFill/>
+          <a:ln w="9525">
+            <a:noFill/>
+            <a:miter lim="800000"/>
+            <a:headEnd/>
+            <a:tailEnd/>
+          </a:ln>
         </p:spPr>
         <p:txBody>
           <a:bodyPr>
@@ -13789,26 +14314,182 @@
           </a:bodyPr>
           <a:lstStyle/>
           <a:p>
-            <a:pPr algn="ctr" fontAlgn="auto">
-              <a:spcBef>
-                <a:spcPts val="0"/>
-              </a:spcBef>
-              <a:spcAft>
-                <a:spcPts val="0"/>
-              </a:spcAft>
-              <a:defRPr/>
+            <a:pPr marL="342900" indent="-342900">
+              <a:buFont typeface="Arial" charset="0"/>
+              <a:buChar char="•"/>
             </a:pPr>
             <a:r>
-              <a:rPr lang="en-US" sz="4800" b="1" i="1" dirty="0">
-                <a:solidFill>
-                  <a:schemeClr val="accent4">
-                    <a:lumMod val="75000"/>
-                  </a:schemeClr>
-                </a:solidFill>
-                <a:latin typeface="+mn-lt"/>
-                <a:cs typeface="+mn-cs"/>
-              </a:rPr>
-              <a:t>1. Introduction</a:t>
+              <a:rPr lang="en-US" sz="3200" dirty="0">
+                <a:solidFill>
+                  <a:srgbClr val="404040"/>
+                </a:solidFill>
+              </a:rPr>
+              <a:t>To </a:t>
+            </a:r>
+            <a:r>
+              <a:rPr lang="en-US" sz="3200" b="1" dirty="0">
+                <a:solidFill>
+                  <a:srgbClr val="404040"/>
+                </a:solidFill>
+              </a:rPr>
+              <a:t>teach the basic knowledge necessary to use R.</a:t>
+            </a:r>
+          </a:p>
+          <a:p>
+            <a:pPr marL="1257300" lvl="2" indent="-342900">
+              <a:buFont typeface="Arial" charset="0"/>
+              <a:buChar char="•"/>
+            </a:pPr>
+            <a:r>
+              <a:rPr lang="en-US" sz="3200" b="1" dirty="0">
+                <a:solidFill>
+                  <a:srgbClr val="404040"/>
+                </a:solidFill>
+              </a:rPr>
+              <a:t>What is R?</a:t>
+            </a:r>
+          </a:p>
+          <a:p>
+            <a:pPr marL="1257300" lvl="2" indent="-342900">
+              <a:buFont typeface="Arial" charset="0"/>
+              <a:buChar char="•"/>
+            </a:pPr>
+            <a:r>
+              <a:rPr lang="en-US" sz="3200" b="1" dirty="0">
+                <a:solidFill>
+                  <a:srgbClr val="404040"/>
+                </a:solidFill>
+              </a:rPr>
+              <a:t>Why use R?</a:t>
+            </a:r>
+          </a:p>
+          <a:p>
+            <a:pPr marL="1257300" lvl="2" indent="-342900">
+              <a:buFont typeface="Arial" charset="0"/>
+              <a:buChar char="•"/>
+            </a:pPr>
+            <a:r>
+              <a:rPr lang="en-US" sz="3200" b="1" dirty="0">
+                <a:solidFill>
+                  <a:srgbClr val="404040"/>
+                </a:solidFill>
+              </a:rPr>
+              <a:t>How R works?</a:t>
+            </a:r>
+          </a:p>
+          <a:p>
+            <a:pPr marL="1257300" lvl="2" indent="-342900">
+              <a:buFont typeface="Arial" charset="0"/>
+              <a:buChar char="•"/>
+            </a:pPr>
+            <a:r>
+              <a:rPr lang="en-US" sz="3200" b="1" dirty="0">
+                <a:solidFill>
+                  <a:srgbClr val="404040"/>
+                </a:solidFill>
+              </a:rPr>
+              <a:t>Your environment in R and R studio</a:t>
+            </a:r>
+          </a:p>
+          <a:p>
+            <a:pPr marL="1257300" lvl="2" indent="-342900">
+              <a:buFont typeface="Arial" charset="0"/>
+              <a:buChar char="•"/>
+            </a:pPr>
+            <a:endParaRPr lang="en-US" sz="3200" b="1" dirty="0">
+              <a:solidFill>
+                <a:srgbClr val="404040"/>
+              </a:solidFill>
+            </a:endParaRPr>
+          </a:p>
+          <a:p>
+            <a:pPr marL="1257300" lvl="2" indent="-342900">
+              <a:buFont typeface="Arial" charset="0"/>
+              <a:buChar char="•"/>
+            </a:pPr>
+            <a:r>
+              <a:rPr lang="en-US" sz="3200" b="1" dirty="0">
+                <a:solidFill>
+                  <a:srgbClr val="404040"/>
+                </a:solidFill>
+              </a:rPr>
+              <a:t>Experience R</a:t>
+            </a:r>
+            <a:endParaRPr lang="en-US" sz="3200" dirty="0">
+              <a:solidFill>
+                <a:srgbClr val="404040"/>
+              </a:solidFill>
+            </a:endParaRPr>
+          </a:p>
+          <a:p>
+            <a:pPr marL="342900" indent="-342900">
+              <a:buFont typeface="Arial" charset="0"/>
+              <a:buChar char="•"/>
+            </a:pPr>
+            <a:endParaRPr lang="en-US" sz="2400" dirty="0">
+              <a:solidFill>
+                <a:srgbClr val="404040"/>
+              </a:solidFill>
+            </a:endParaRPr>
+          </a:p>
+          <a:p>
+            <a:pPr marL="342900" indent="-342900">
+              <a:buFont typeface="Arial" charset="0"/>
+              <a:buChar char="•"/>
+            </a:pPr>
+            <a:endParaRPr lang="en-US" sz="2400" dirty="0">
+              <a:solidFill>
+                <a:srgbClr val="404040"/>
+              </a:solidFill>
+            </a:endParaRPr>
+          </a:p>
+          <a:p>
+            <a:pPr marL="342900" indent="-342900"/>
+            <a:endParaRPr lang="en-US" sz="2400" dirty="0">
+              <a:solidFill>
+                <a:srgbClr val="404040"/>
+              </a:solidFill>
+            </a:endParaRPr>
+          </a:p>
+        </p:txBody>
+      </p:sp>
+      <p:sp>
+        <p:nvSpPr>
+          <p:cNvPr id="17410" name="Rectangle 3"/>
+          <p:cNvSpPr>
+            <a:spLocks noChangeArrowheads="1"/>
+          </p:cNvSpPr>
+          <p:nvPr/>
+        </p:nvSpPr>
+        <p:spPr bwMode="auto">
+          <a:xfrm>
+            <a:off x="341313" y="444500"/>
+            <a:ext cx="2009234" cy="646331"/>
+          </a:xfrm>
+          <a:prstGeom prst="rect">
+            <a:avLst/>
+          </a:prstGeom>
+          <a:noFill/>
+          <a:ln w="9525">
+            <a:noFill/>
+            <a:miter lim="800000"/>
+            <a:headEnd/>
+            <a:tailEnd/>
+          </a:ln>
+        </p:spPr>
+        <p:txBody>
+          <a:bodyPr wrap="none">
+            <a:spAutoFit/>
+          </a:bodyPr>
+          <a:lstStyle/>
+          <a:p>
+            <a:r>
+              <a:rPr lang="en-US" sz="3600" b="1" dirty="0">
+                <a:solidFill>
+                  <a:srgbClr val="E46C0A"/>
+                </a:solidFill>
+              </a:rPr>
+              <a:t>Objective</a:t>
             </a:r>
           </a:p>
         </p:txBody>
@@ -13840,174 +14521,50 @@
       </p:grpSpPr>
       <p:sp>
         <p:nvSpPr>
-          <p:cNvPr id="28674" name="Rectangle 9"/>
-          <p:cNvSpPr>
-            <a:spLocks noChangeArrowheads="1"/>
-          </p:cNvSpPr>
+          <p:cNvPr id="4" name="Rectangle 3"/>
+          <p:cNvSpPr/>
           <p:nvPr/>
         </p:nvSpPr>
-        <p:spPr bwMode="auto">
+        <p:spPr>
           <a:xfrm>
-            <a:off x="457200" y="1219200"/>
-            <a:ext cx="8229600" cy="3108543"/>
+            <a:off x="0" y="2743200"/>
+            <a:ext cx="9144000" cy="823913"/>
           </a:xfrm>
           <a:prstGeom prst="rect">
             <a:avLst/>
           </a:prstGeom>
-          <a:noFill/>
-          <a:ln w="9525">
-            <a:noFill/>
-            <a:miter lim="800000"/>
-            <a:headEnd/>
-            <a:tailEnd/>
-          </a:ln>
         </p:spPr>
         <p:txBody>
-          <a:bodyPr wrap="square">
+          <a:bodyPr>
             <a:spAutoFit/>
           </a:bodyPr>
           <a:lstStyle/>
           <a:p>
-            <a:pPr marL="457200" indent="-457200">
-              <a:buFont typeface="Arial" pitchFamily="34" charset="0"/>
-              <a:buChar char="•"/>
+            <a:pPr algn="ctr" fontAlgn="auto">
+              <a:spcBef>
+                <a:spcPts val="0"/>
+              </a:spcBef>
+              <a:spcAft>
+                <a:spcPts val="0"/>
+              </a:spcAft>
+              <a:defRPr/>
             </a:pPr>
             <a:r>
-              <a:rPr lang="en-US" sz="2800" dirty="0">
-                <a:solidFill>
-                  <a:srgbClr val="404040"/>
-                </a:solidFill>
-              </a:rPr>
-              <a:t>R is a language and environment for statistical computing and graphics. It is used for</a:t>
-            </a:r>
-          </a:p>
-          <a:p>
-            <a:pPr marL="2286000" lvl="4" indent="-457200">
-              <a:buFont typeface="Arial" pitchFamily="34" charset="0"/>
-              <a:buChar char="•"/>
-            </a:pPr>
-            <a:r>
-              <a:rPr lang="en-US" sz="2800" dirty="0">
-                <a:solidFill>
-                  <a:srgbClr val="404040"/>
-                </a:solidFill>
-              </a:rPr>
-              <a:t>Data management</a:t>
-            </a:r>
-          </a:p>
-          <a:p>
-            <a:pPr marL="2286000" lvl="4" indent="-457200">
-              <a:buFont typeface="Arial" pitchFamily="34" charset="0"/>
-              <a:buChar char="•"/>
-            </a:pPr>
-            <a:r>
-              <a:rPr lang="en-US" sz="2800" dirty="0">
-                <a:solidFill>
-                  <a:srgbClr val="404040"/>
-                </a:solidFill>
-              </a:rPr>
-              <a:t>Statistical analysis</a:t>
-            </a:r>
-          </a:p>
-          <a:p>
-            <a:pPr marL="2286000" lvl="4" indent="-457200">
-              <a:buFont typeface="Arial" pitchFamily="34" charset="0"/>
-              <a:buChar char="•"/>
-            </a:pPr>
-            <a:r>
-              <a:rPr lang="en-US" sz="2800" dirty="0">
-                <a:solidFill>
-                  <a:srgbClr val="404040"/>
-                </a:solidFill>
-              </a:rPr>
-              <a:t>Scientific programming and simulation</a:t>
-            </a:r>
-          </a:p>
-          <a:p>
-            <a:pPr marL="2286000" lvl="4" indent="-457200">
-              <a:buFont typeface="Arial" pitchFamily="34" charset="0"/>
-              <a:buChar char="•"/>
-            </a:pPr>
-            <a:r>
-              <a:rPr lang="en-US" sz="2800" dirty="0">
-                <a:solidFill>
-                  <a:srgbClr val="404040"/>
-                </a:solidFill>
-              </a:rPr>
-              <a:t>Interfacing with other programs (GIS…) </a:t>
-            </a:r>
-            <a:endParaRPr lang="es-ES_tradnl" sz="2800" dirty="0">
-              <a:solidFill>
-                <a:schemeClr val="tx1">
-                  <a:lumMod val="75000"/>
-                  <a:lumOff val="25000"/>
-                </a:schemeClr>
-              </a:solidFill>
-            </a:endParaRPr>
-          </a:p>
-          <a:p>
-            <a:pPr marL="457200" indent="-457200">
-              <a:buFont typeface="Arial" pitchFamily="34" charset="0"/>
-              <a:buChar char="•"/>
-            </a:pPr>
-            <a:endParaRPr lang="es-ES_tradnl" sz="2800" b="1" dirty="0">
-              <a:solidFill>
-                <a:schemeClr val="tx1">
-                  <a:lumMod val="75000"/>
-                  <a:lumOff val="25000"/>
-                </a:schemeClr>
-              </a:solidFill>
-            </a:endParaRPr>
-          </a:p>
-        </p:txBody>
-      </p:sp>
-      <p:sp>
-        <p:nvSpPr>
-          <p:cNvPr id="4" name="Rectangle 1"/>
-          <p:cNvSpPr>
-            <a:spLocks noChangeArrowheads="1"/>
-          </p:cNvSpPr>
-          <p:nvPr/>
-        </p:nvSpPr>
-        <p:spPr bwMode="auto">
-          <a:xfrm>
-            <a:off x="368300" y="444500"/>
-            <a:ext cx="2198688" cy="641350"/>
-          </a:xfrm>
-          <a:prstGeom prst="rect">
-            <a:avLst/>
-          </a:prstGeom>
-          <a:noFill/>
-          <a:ln w="9525">
-            <a:noFill/>
-            <a:miter lim="800000"/>
-            <a:headEnd/>
-            <a:tailEnd/>
-          </a:ln>
-        </p:spPr>
-        <p:txBody>
-          <a:bodyPr wrap="none">
-            <a:spAutoFit/>
-          </a:bodyPr>
-          <a:lstStyle/>
-          <a:p>
-            <a:r>
-              <a:rPr lang="es-EC" sz="3600" b="1" dirty="0">
-                <a:solidFill>
-                  <a:srgbClr val="E46C0A"/>
-                </a:solidFill>
-              </a:rPr>
-              <a:t>What is R?</a:t>
+              <a:rPr lang="en-US" sz="4800" b="1" i="1" dirty="0">
+                <a:solidFill>
+                  <a:schemeClr val="accent4">
+                    <a:lumMod val="75000"/>
+                  </a:schemeClr>
+                </a:solidFill>
+                <a:latin typeface="+mn-lt"/>
+                <a:cs typeface="+mn-cs"/>
+              </a:rPr>
+              <a:t>1. Introduction</a:t>
             </a:r>
           </a:p>
         </p:txBody>
       </p:sp>
     </p:spTree>
-    <p:extLst>
-      <p:ext uri="{BB962C8B-B14F-4D97-AF65-F5344CB8AC3E}">
-        <p14:creationId xmlns:p14="http://schemas.microsoft.com/office/powerpoint/2010/main" val="2241216682"/>
-      </p:ext>
-    </p:extLst>
   </p:cSld>
   <p:clrMapOvr>
     <a:masterClrMapping/>
@@ -14043,7 +14600,7 @@
         <p:spPr bwMode="auto">
           <a:xfrm>
             <a:off x="457200" y="1219200"/>
-            <a:ext cx="8229600" cy="5632311"/>
+            <a:ext cx="8229600" cy="3108543"/>
           </a:xfrm>
           <a:prstGeom prst="rect">
             <a:avLst/>
@@ -14145,666 +14702,6 @@
               <a:buChar char="•"/>
             </a:pPr>
             <a:endParaRPr lang="es-ES_tradnl" sz="2800" b="1" dirty="0">
-              <a:solidFill>
-                <a:schemeClr val="tx1">
-                  <a:lumMod val="75000"/>
-                  <a:lumOff val="25000"/>
-                </a:schemeClr>
-              </a:solidFill>
-            </a:endParaRPr>
-          </a:p>
-          <a:p>
-            <a:pPr marL="457200" indent="-457200">
-              <a:buFont typeface="Arial" pitchFamily="34" charset="0"/>
-              <a:buChar char="•"/>
-            </a:pPr>
-            <a:r>
-              <a:rPr lang="en-US" sz="2800" b="1" dirty="0">
-                <a:solidFill>
-                  <a:srgbClr val="77933C"/>
-                </a:solidFill>
-              </a:rPr>
-              <a:t>Language </a:t>
-            </a:r>
-            <a:r>
-              <a:rPr lang="es-ES_tradnl" sz="2800" dirty="0" err="1">
-                <a:solidFill>
-                  <a:schemeClr val="tx1">
-                    <a:lumMod val="75000"/>
-                    <a:lumOff val="25000"/>
-                  </a:schemeClr>
-                </a:solidFill>
-              </a:rPr>
-              <a:t>because</a:t>
-            </a:r>
-            <a:r>
-              <a:rPr lang="es-ES_tradnl" sz="2800" dirty="0">
-                <a:solidFill>
-                  <a:schemeClr val="tx1">
-                    <a:lumMod val="75000"/>
-                    <a:lumOff val="25000"/>
-                  </a:schemeClr>
-                </a:solidFill>
-              </a:rPr>
-              <a:t> </a:t>
-            </a:r>
-            <a:r>
-              <a:rPr lang="es-ES_tradnl" sz="2800" dirty="0" err="1">
-                <a:solidFill>
-                  <a:schemeClr val="tx1">
-                    <a:lumMod val="75000"/>
-                    <a:lumOff val="25000"/>
-                  </a:schemeClr>
-                </a:solidFill>
-              </a:rPr>
-              <a:t>it</a:t>
-            </a:r>
-            <a:r>
-              <a:rPr lang="es-ES_tradnl" sz="2800" dirty="0">
-                <a:solidFill>
-                  <a:schemeClr val="tx1">
-                    <a:lumMod val="75000"/>
-                    <a:lumOff val="25000"/>
-                  </a:schemeClr>
-                </a:solidFill>
-              </a:rPr>
-              <a:t> </a:t>
-            </a:r>
-            <a:r>
-              <a:rPr lang="es-ES_tradnl" sz="2800" dirty="0" err="1">
-                <a:solidFill>
-                  <a:schemeClr val="tx1">
-                    <a:lumMod val="75000"/>
-                    <a:lumOff val="25000"/>
-                  </a:schemeClr>
-                </a:solidFill>
-              </a:rPr>
-              <a:t>allows</a:t>
-            </a:r>
-            <a:r>
-              <a:rPr lang="es-ES_tradnl" sz="2800" dirty="0">
-                <a:solidFill>
-                  <a:schemeClr val="tx1">
-                    <a:lumMod val="75000"/>
-                    <a:lumOff val="25000"/>
-                  </a:schemeClr>
-                </a:solidFill>
-              </a:rPr>
-              <a:t> </a:t>
-            </a:r>
-            <a:r>
-              <a:rPr lang="es-ES_tradnl" sz="2800" dirty="0" err="1">
-                <a:solidFill>
-                  <a:schemeClr val="tx1">
-                    <a:lumMod val="75000"/>
-                    <a:lumOff val="25000"/>
-                  </a:schemeClr>
-                </a:solidFill>
-              </a:rPr>
-              <a:t>you</a:t>
-            </a:r>
-            <a:r>
-              <a:rPr lang="es-ES_tradnl" sz="2800" dirty="0">
-                <a:solidFill>
-                  <a:schemeClr val="tx1">
-                    <a:lumMod val="75000"/>
-                    <a:lumOff val="25000"/>
-                  </a:schemeClr>
-                </a:solidFill>
-              </a:rPr>
-              <a:t> to </a:t>
-            </a:r>
-            <a:r>
-              <a:rPr lang="es-ES_tradnl" sz="2800" dirty="0" err="1">
-                <a:solidFill>
-                  <a:schemeClr val="tx1">
-                    <a:lumMod val="75000"/>
-                    <a:lumOff val="25000"/>
-                  </a:schemeClr>
-                </a:solidFill>
-              </a:rPr>
-              <a:t>communicate</a:t>
-            </a:r>
-            <a:r>
-              <a:rPr lang="es-ES_tradnl" sz="2800" dirty="0">
-                <a:solidFill>
-                  <a:schemeClr val="tx1">
-                    <a:lumMod val="75000"/>
-                    <a:lumOff val="25000"/>
-                  </a:schemeClr>
-                </a:solidFill>
-              </a:rPr>
-              <a:t> </a:t>
-            </a:r>
-            <a:r>
-              <a:rPr lang="es-ES_tradnl" sz="2800" dirty="0" err="1">
-                <a:solidFill>
-                  <a:schemeClr val="tx1">
-                    <a:lumMod val="75000"/>
-                    <a:lumOff val="25000"/>
-                  </a:schemeClr>
-                </a:solidFill>
-              </a:rPr>
-              <a:t>flexibly</a:t>
-            </a:r>
-            <a:r>
-              <a:rPr lang="es-ES_tradnl" sz="2800" dirty="0">
-                <a:solidFill>
-                  <a:schemeClr val="tx1">
-                    <a:lumMod val="75000"/>
-                    <a:lumOff val="25000"/>
-                  </a:schemeClr>
-                </a:solidFill>
-              </a:rPr>
-              <a:t> </a:t>
-            </a:r>
-            <a:r>
-              <a:rPr lang="es-ES_tradnl" sz="2800" dirty="0" err="1">
-                <a:solidFill>
-                  <a:schemeClr val="tx1">
-                    <a:lumMod val="75000"/>
-                    <a:lumOff val="25000"/>
-                  </a:schemeClr>
-                </a:solidFill>
-              </a:rPr>
-              <a:t>with</a:t>
-            </a:r>
-            <a:r>
-              <a:rPr lang="es-ES_tradnl" sz="2800" dirty="0">
-                <a:solidFill>
-                  <a:schemeClr val="tx1">
-                    <a:lumMod val="75000"/>
-                    <a:lumOff val="25000"/>
-                  </a:schemeClr>
-                </a:solidFill>
-              </a:rPr>
-              <a:t> </a:t>
-            </a:r>
-            <a:r>
-              <a:rPr lang="es-ES_tradnl" sz="2800" dirty="0" err="1">
-                <a:solidFill>
-                  <a:schemeClr val="tx1">
-                    <a:lumMod val="75000"/>
-                    <a:lumOff val="25000"/>
-                  </a:schemeClr>
-                </a:solidFill>
-              </a:rPr>
-              <a:t>your</a:t>
-            </a:r>
-            <a:r>
-              <a:rPr lang="es-ES_tradnl" sz="2800" dirty="0">
-                <a:solidFill>
-                  <a:schemeClr val="tx1">
-                    <a:lumMod val="75000"/>
-                    <a:lumOff val="25000"/>
-                  </a:schemeClr>
-                </a:solidFill>
-              </a:rPr>
-              <a:t> </a:t>
-            </a:r>
-            <a:r>
-              <a:rPr lang="es-ES_tradnl" sz="2800" dirty="0" err="1">
-                <a:solidFill>
-                  <a:schemeClr val="tx1">
-                    <a:lumMod val="75000"/>
-                    <a:lumOff val="25000"/>
-                  </a:schemeClr>
-                </a:solidFill>
-              </a:rPr>
-              <a:t>computer</a:t>
-            </a:r>
-            <a:r>
-              <a:rPr lang="es-ES_tradnl" sz="2800" dirty="0">
-                <a:solidFill>
-                  <a:schemeClr val="tx1">
-                    <a:lumMod val="75000"/>
-                    <a:lumOff val="25000"/>
-                  </a:schemeClr>
-                </a:solidFill>
-              </a:rPr>
-              <a:t>. </a:t>
-            </a:r>
-          </a:p>
-          <a:p>
-            <a:r>
-              <a:rPr lang="es-ES_tradnl" sz="2400" i="1" dirty="0" err="1">
-                <a:solidFill>
-                  <a:schemeClr val="tx1">
-                    <a:lumMod val="75000"/>
-                    <a:lumOff val="25000"/>
-                  </a:schemeClr>
-                </a:solidFill>
-              </a:rPr>
-              <a:t>Like</a:t>
-            </a:r>
-            <a:r>
-              <a:rPr lang="es-ES_tradnl" sz="2400" i="1" dirty="0">
-                <a:solidFill>
-                  <a:schemeClr val="tx1">
-                    <a:lumMod val="75000"/>
-                    <a:lumOff val="25000"/>
-                  </a:schemeClr>
-                </a:solidFill>
-              </a:rPr>
-              <a:t> </a:t>
-            </a:r>
-            <a:r>
-              <a:rPr lang="es-ES_tradnl" sz="2400" i="1" dirty="0" err="1">
-                <a:solidFill>
-                  <a:schemeClr val="tx1">
-                    <a:lumMod val="75000"/>
-                    <a:lumOff val="25000"/>
-                  </a:schemeClr>
-                </a:solidFill>
-              </a:rPr>
-              <a:t>any</a:t>
-            </a:r>
-            <a:r>
-              <a:rPr lang="es-ES_tradnl" sz="2400" i="1" dirty="0">
-                <a:solidFill>
-                  <a:schemeClr val="tx1">
-                    <a:lumMod val="75000"/>
-                    <a:lumOff val="25000"/>
-                  </a:schemeClr>
-                </a:solidFill>
-              </a:rPr>
-              <a:t> </a:t>
-            </a:r>
-            <a:r>
-              <a:rPr lang="es-ES_tradnl" sz="2400" i="1" dirty="0" err="1">
-                <a:solidFill>
-                  <a:schemeClr val="tx1">
-                    <a:lumMod val="75000"/>
-                    <a:lumOff val="25000"/>
-                  </a:schemeClr>
-                </a:solidFill>
-              </a:rPr>
-              <a:t>other</a:t>
-            </a:r>
-            <a:r>
-              <a:rPr lang="es-ES_tradnl" sz="2400" i="1" dirty="0">
-                <a:solidFill>
-                  <a:schemeClr val="tx1">
-                    <a:lumMod val="75000"/>
-                    <a:lumOff val="25000"/>
-                  </a:schemeClr>
-                </a:solidFill>
-              </a:rPr>
-              <a:t> </a:t>
-            </a:r>
-            <a:r>
-              <a:rPr lang="es-ES_tradnl" sz="2400" i="1" dirty="0" err="1">
-                <a:solidFill>
-                  <a:schemeClr val="tx1">
-                    <a:lumMod val="75000"/>
-                    <a:lumOff val="25000"/>
-                  </a:schemeClr>
-                </a:solidFill>
-              </a:rPr>
-              <a:t>language</a:t>
-            </a:r>
-            <a:r>
-              <a:rPr lang="es-ES_tradnl" sz="2400" i="1" dirty="0">
-                <a:solidFill>
-                  <a:schemeClr val="tx1">
-                    <a:lumMod val="75000"/>
-                    <a:lumOff val="25000"/>
-                  </a:schemeClr>
-                </a:solidFill>
-              </a:rPr>
-              <a:t>:</a:t>
-            </a:r>
-            <a:endParaRPr lang="es-ES_tradnl" sz="2800" i="1" dirty="0">
-              <a:solidFill>
-                <a:schemeClr val="tx1">
-                  <a:lumMod val="75000"/>
-                  <a:lumOff val="25000"/>
-                </a:schemeClr>
-              </a:solidFill>
-            </a:endParaRPr>
-          </a:p>
-          <a:p>
-            <a:pPr marL="1828800" lvl="3" indent="-457200">
-              <a:buFont typeface="Arial" pitchFamily="34" charset="0"/>
-              <a:buChar char="•"/>
-            </a:pPr>
-            <a:r>
-              <a:rPr lang="es-ES_tradnl" sz="2800" dirty="0" err="1">
-                <a:solidFill>
-                  <a:schemeClr val="tx1">
-                    <a:lumMod val="75000"/>
-                    <a:lumOff val="25000"/>
-                  </a:schemeClr>
-                </a:solidFill>
-              </a:rPr>
-              <a:t>Learning</a:t>
-            </a:r>
-            <a:r>
-              <a:rPr lang="es-ES_tradnl" sz="2800" dirty="0">
-                <a:solidFill>
-                  <a:schemeClr val="tx1">
-                    <a:lumMod val="75000"/>
-                    <a:lumOff val="25000"/>
-                  </a:schemeClr>
-                </a:solidFill>
-              </a:rPr>
-              <a:t> R </a:t>
-            </a:r>
-            <a:r>
-              <a:rPr lang="es-ES_tradnl" sz="2800" dirty="0" err="1">
-                <a:solidFill>
-                  <a:schemeClr val="tx1">
-                    <a:lumMod val="75000"/>
-                    <a:lumOff val="25000"/>
-                  </a:schemeClr>
-                </a:solidFill>
-              </a:rPr>
-              <a:t>will</a:t>
-            </a:r>
-            <a:r>
-              <a:rPr lang="es-ES_tradnl" sz="2800" dirty="0">
-                <a:solidFill>
-                  <a:schemeClr val="tx1">
-                    <a:lumMod val="75000"/>
-                    <a:lumOff val="25000"/>
-                  </a:schemeClr>
-                </a:solidFill>
-              </a:rPr>
-              <a:t> be </a:t>
-            </a:r>
-            <a:r>
-              <a:rPr lang="es-ES_tradnl" sz="2800" dirty="0" err="1">
-                <a:solidFill>
-                  <a:schemeClr val="tx1">
-                    <a:lumMod val="75000"/>
-                    <a:lumOff val="25000"/>
-                  </a:schemeClr>
-                </a:solidFill>
-              </a:rPr>
-              <a:t>easier</a:t>
-            </a:r>
-            <a:r>
-              <a:rPr lang="es-ES_tradnl" sz="2800" dirty="0">
-                <a:solidFill>
-                  <a:schemeClr val="tx1">
-                    <a:lumMod val="75000"/>
-                    <a:lumOff val="25000"/>
-                  </a:schemeClr>
-                </a:solidFill>
-              </a:rPr>
-              <a:t> </a:t>
-            </a:r>
-            <a:r>
-              <a:rPr lang="es-ES_tradnl" sz="2800" dirty="0" err="1">
-                <a:solidFill>
-                  <a:schemeClr val="tx1">
-                    <a:lumMod val="75000"/>
-                    <a:lumOff val="25000"/>
-                  </a:schemeClr>
-                </a:solidFill>
-              </a:rPr>
-              <a:t>for</a:t>
-            </a:r>
-            <a:r>
-              <a:rPr lang="es-ES_tradnl" sz="2800" dirty="0">
-                <a:solidFill>
-                  <a:schemeClr val="tx1">
-                    <a:lumMod val="75000"/>
-                    <a:lumOff val="25000"/>
-                  </a:schemeClr>
-                </a:solidFill>
-              </a:rPr>
-              <a:t> </a:t>
-            </a:r>
-            <a:r>
-              <a:rPr lang="es-ES_tradnl" sz="2800" dirty="0" err="1">
-                <a:solidFill>
-                  <a:schemeClr val="tx1">
-                    <a:lumMod val="75000"/>
-                    <a:lumOff val="25000"/>
-                  </a:schemeClr>
-                </a:solidFill>
-              </a:rPr>
-              <a:t>some</a:t>
-            </a:r>
-            <a:r>
-              <a:rPr lang="es-ES_tradnl" sz="2800" dirty="0">
-                <a:solidFill>
-                  <a:schemeClr val="tx1">
-                    <a:lumMod val="75000"/>
-                    <a:lumOff val="25000"/>
-                  </a:schemeClr>
-                </a:solidFill>
-              </a:rPr>
-              <a:t> </a:t>
-            </a:r>
-            <a:r>
-              <a:rPr lang="es-ES_tradnl" sz="2800" dirty="0" err="1">
-                <a:solidFill>
-                  <a:schemeClr val="tx1">
-                    <a:lumMod val="75000"/>
-                    <a:lumOff val="25000"/>
-                  </a:schemeClr>
-                </a:solidFill>
-              </a:rPr>
-              <a:t>than</a:t>
-            </a:r>
-            <a:r>
-              <a:rPr lang="es-ES_tradnl" sz="2800" dirty="0">
-                <a:solidFill>
-                  <a:schemeClr val="tx1">
-                    <a:lumMod val="75000"/>
-                    <a:lumOff val="25000"/>
-                  </a:schemeClr>
-                </a:solidFill>
-              </a:rPr>
-              <a:t> </a:t>
-            </a:r>
-            <a:r>
-              <a:rPr lang="es-ES_tradnl" sz="2800" dirty="0" err="1">
-                <a:solidFill>
-                  <a:schemeClr val="tx1">
-                    <a:lumMod val="75000"/>
-                    <a:lumOff val="25000"/>
-                  </a:schemeClr>
-                </a:solidFill>
-              </a:rPr>
-              <a:t>for</a:t>
-            </a:r>
-            <a:r>
-              <a:rPr lang="es-ES_tradnl" sz="2800" dirty="0">
-                <a:solidFill>
-                  <a:schemeClr val="tx1">
-                    <a:lumMod val="75000"/>
-                    <a:lumOff val="25000"/>
-                  </a:schemeClr>
-                </a:solidFill>
-              </a:rPr>
-              <a:t> </a:t>
-            </a:r>
-            <a:r>
-              <a:rPr lang="es-ES_tradnl" sz="2800" dirty="0" err="1">
-                <a:solidFill>
-                  <a:schemeClr val="tx1">
-                    <a:lumMod val="75000"/>
-                    <a:lumOff val="25000"/>
-                  </a:schemeClr>
-                </a:solidFill>
-              </a:rPr>
-              <a:t>others</a:t>
-            </a:r>
-            <a:r>
-              <a:rPr lang="es-ES_tradnl" sz="2800" dirty="0">
-                <a:solidFill>
-                  <a:schemeClr val="tx1">
-                    <a:lumMod val="75000"/>
-                    <a:lumOff val="25000"/>
-                  </a:schemeClr>
-                </a:solidFill>
-              </a:rPr>
-              <a:t> </a:t>
-            </a:r>
-            <a:r>
-              <a:rPr lang="es-ES_tradnl" sz="2800" b="1" dirty="0">
-                <a:solidFill>
-                  <a:schemeClr val="tx1">
-                    <a:lumMod val="75000"/>
-                    <a:lumOff val="25000"/>
-                  </a:schemeClr>
-                </a:solidFill>
-              </a:rPr>
-              <a:t>AND </a:t>
-            </a:r>
-            <a:r>
-              <a:rPr lang="es-ES_tradnl" sz="2800" b="1" dirty="0" err="1">
-                <a:solidFill>
-                  <a:schemeClr val="tx1">
-                    <a:lumMod val="75000"/>
-                    <a:lumOff val="25000"/>
-                  </a:schemeClr>
-                </a:solidFill>
-              </a:rPr>
-              <a:t>it</a:t>
-            </a:r>
-            <a:r>
-              <a:rPr lang="es-ES_tradnl" sz="2800" b="1" dirty="0">
-                <a:solidFill>
-                  <a:schemeClr val="tx1">
-                    <a:lumMod val="75000"/>
-                    <a:lumOff val="25000"/>
-                  </a:schemeClr>
-                </a:solidFill>
-              </a:rPr>
-              <a:t> </a:t>
-            </a:r>
-            <a:r>
-              <a:rPr lang="es-ES_tradnl" sz="2800" b="1" dirty="0" err="1">
-                <a:solidFill>
-                  <a:schemeClr val="tx1">
-                    <a:lumMod val="75000"/>
-                    <a:lumOff val="25000"/>
-                  </a:schemeClr>
-                </a:solidFill>
-              </a:rPr>
-              <a:t>is</a:t>
-            </a:r>
-            <a:r>
-              <a:rPr lang="es-ES_tradnl" sz="2800" b="1" dirty="0">
-                <a:solidFill>
-                  <a:schemeClr val="tx1">
-                    <a:lumMod val="75000"/>
-                    <a:lumOff val="25000"/>
-                  </a:schemeClr>
-                </a:solidFill>
-              </a:rPr>
-              <a:t> </a:t>
-            </a:r>
-            <a:r>
-              <a:rPr lang="es-ES_tradnl" sz="2800" b="1" dirty="0" err="1">
-                <a:solidFill>
-                  <a:schemeClr val="tx1">
-                    <a:lumMod val="75000"/>
-                    <a:lumOff val="25000"/>
-                  </a:schemeClr>
-                </a:solidFill>
-              </a:rPr>
-              <a:t>okay</a:t>
-            </a:r>
-            <a:r>
-              <a:rPr lang="es-ES_tradnl" sz="2800" b="1" dirty="0">
-                <a:solidFill>
-                  <a:schemeClr val="tx1">
-                    <a:lumMod val="75000"/>
-                    <a:lumOff val="25000"/>
-                  </a:schemeClr>
-                </a:solidFill>
-              </a:rPr>
-              <a:t>!!!</a:t>
-            </a:r>
-          </a:p>
-          <a:p>
-            <a:pPr marL="1828800" lvl="3" indent="-457200">
-              <a:buFont typeface="Arial" pitchFamily="34" charset="0"/>
-              <a:buChar char="•"/>
-            </a:pPr>
-            <a:r>
-              <a:rPr lang="es-ES_tradnl" sz="2800" dirty="0" err="1">
-                <a:solidFill>
-                  <a:schemeClr val="tx1">
-                    <a:lumMod val="75000"/>
-                    <a:lumOff val="25000"/>
-                  </a:schemeClr>
-                </a:solidFill>
-              </a:rPr>
-              <a:t>Learning</a:t>
-            </a:r>
-            <a:r>
-              <a:rPr lang="es-ES_tradnl" sz="2800" dirty="0">
-                <a:solidFill>
-                  <a:schemeClr val="tx1">
-                    <a:lumMod val="75000"/>
-                    <a:lumOff val="25000"/>
-                  </a:schemeClr>
-                </a:solidFill>
-              </a:rPr>
-              <a:t> R </a:t>
-            </a:r>
-            <a:r>
-              <a:rPr lang="es-ES_tradnl" sz="2800" dirty="0" err="1">
-                <a:solidFill>
-                  <a:schemeClr val="tx1">
-                    <a:lumMod val="75000"/>
-                    <a:lumOff val="25000"/>
-                  </a:schemeClr>
-                </a:solidFill>
-              </a:rPr>
-              <a:t>takes</a:t>
-            </a:r>
-            <a:r>
-              <a:rPr lang="es-ES_tradnl" sz="2800" dirty="0">
-                <a:solidFill>
-                  <a:schemeClr val="tx1">
-                    <a:lumMod val="75000"/>
-                    <a:lumOff val="25000"/>
-                  </a:schemeClr>
-                </a:solidFill>
-              </a:rPr>
-              <a:t> </a:t>
-            </a:r>
-            <a:r>
-              <a:rPr lang="es-ES_tradnl" sz="2800" dirty="0" err="1">
-                <a:solidFill>
-                  <a:schemeClr val="tx1">
-                    <a:lumMod val="75000"/>
-                    <a:lumOff val="25000"/>
-                  </a:schemeClr>
-                </a:solidFill>
-              </a:rPr>
-              <a:t>work</a:t>
-            </a:r>
-            <a:r>
-              <a:rPr lang="es-ES_tradnl" sz="2800" dirty="0">
-                <a:solidFill>
-                  <a:schemeClr val="tx1">
-                    <a:lumMod val="75000"/>
-                    <a:lumOff val="25000"/>
-                  </a:schemeClr>
-                </a:solidFill>
-              </a:rPr>
-              <a:t> and </a:t>
-            </a:r>
-            <a:r>
-              <a:rPr lang="es-ES_tradnl" sz="2800" dirty="0" err="1">
-                <a:solidFill>
-                  <a:schemeClr val="tx1">
-                    <a:lumMod val="75000"/>
-                    <a:lumOff val="25000"/>
-                  </a:schemeClr>
-                </a:solidFill>
-              </a:rPr>
-              <a:t>practice</a:t>
-            </a:r>
-            <a:endParaRPr lang="es-ES_tradnl" sz="2800" dirty="0">
               <a:solidFill>
                 <a:schemeClr val="tx1">
                   <a:lumMod val="75000"/>
@@ -14859,6 +14756,860 @@
     </p:spTree>
     <p:extLst>
       <p:ext uri="{BB962C8B-B14F-4D97-AF65-F5344CB8AC3E}">
+        <p14:creationId xmlns:p14="http://schemas.microsoft.com/office/powerpoint/2010/main" val="2241216682"/>
+      </p:ext>
+    </p:extLst>
+  </p:cSld>
+  <p:clrMapOvr>
+    <a:masterClrMapping/>
+  </p:clrMapOvr>
+</p:sld>
+</file>
+
+<file path=ppt/slides/slide8.xml><?xml version="1.0" encoding="utf-8"?>
+<p:sld xmlns:a="http://schemas.openxmlformats.org/drawingml/2006/main" xmlns:r="http://schemas.openxmlformats.org/officeDocument/2006/relationships" xmlns:p="http://schemas.openxmlformats.org/presentationml/2006/main">
+  <p:cSld>
+    <p:spTree>
+      <p:nvGrpSpPr>
+        <p:cNvPr id="1" name=""/>
+        <p:cNvGrpSpPr/>
+        <p:nvPr/>
+      </p:nvGrpSpPr>
+      <p:grpSpPr>
+        <a:xfrm>
+          <a:off x="0" y="0"/>
+          <a:ext cx="0" cy="0"/>
+          <a:chOff x="0" y="0"/>
+          <a:chExt cx="0" cy="0"/>
+        </a:xfrm>
+      </p:grpSpPr>
+      <p:sp>
+        <p:nvSpPr>
+          <p:cNvPr id="28674" name="Rectangle 9"/>
+          <p:cNvSpPr>
+            <a:spLocks noChangeArrowheads="1"/>
+          </p:cNvSpPr>
+          <p:nvPr/>
+        </p:nvSpPr>
+        <p:spPr bwMode="auto">
+          <a:xfrm>
+            <a:off x="457200" y="1219200"/>
+            <a:ext cx="8229600" cy="5632311"/>
+          </a:xfrm>
+          <a:prstGeom prst="rect">
+            <a:avLst/>
+          </a:prstGeom>
+          <a:noFill/>
+          <a:ln w="9525">
+            <a:noFill/>
+            <a:miter lim="800000"/>
+            <a:headEnd/>
+            <a:tailEnd/>
+          </a:ln>
+        </p:spPr>
+        <p:txBody>
+          <a:bodyPr wrap="square">
+            <a:spAutoFit/>
+          </a:bodyPr>
+          <a:lstStyle/>
+          <a:p>
+            <a:pPr marL="457200" indent="-457200">
+              <a:buFont typeface="Arial" pitchFamily="34" charset="0"/>
+              <a:buChar char="•"/>
+            </a:pPr>
+            <a:r>
+              <a:rPr lang="en-US" sz="2800" dirty="0">
+                <a:solidFill>
+                  <a:srgbClr val="404040"/>
+                </a:solidFill>
+              </a:rPr>
+              <a:t>R is a language and environment for statistical computing and graphics. It is used for</a:t>
+            </a:r>
+          </a:p>
+          <a:p>
+            <a:pPr marL="2286000" lvl="4" indent="-457200">
+              <a:buFont typeface="Arial" pitchFamily="34" charset="0"/>
+              <a:buChar char="•"/>
+            </a:pPr>
+            <a:r>
+              <a:rPr lang="en-US" sz="2800" dirty="0">
+                <a:solidFill>
+                  <a:srgbClr val="404040"/>
+                </a:solidFill>
+              </a:rPr>
+              <a:t>Data management</a:t>
+            </a:r>
+          </a:p>
+          <a:p>
+            <a:pPr marL="2286000" lvl="4" indent="-457200">
+              <a:buFont typeface="Arial" pitchFamily="34" charset="0"/>
+              <a:buChar char="•"/>
+            </a:pPr>
+            <a:r>
+              <a:rPr lang="en-US" sz="2800" dirty="0">
+                <a:solidFill>
+                  <a:srgbClr val="404040"/>
+                </a:solidFill>
+              </a:rPr>
+              <a:t>Statistical analysis</a:t>
+            </a:r>
+          </a:p>
+          <a:p>
+            <a:pPr marL="2286000" lvl="4" indent="-457200">
+              <a:buFont typeface="Arial" pitchFamily="34" charset="0"/>
+              <a:buChar char="•"/>
+            </a:pPr>
+            <a:r>
+              <a:rPr lang="en-US" sz="2800" dirty="0">
+                <a:solidFill>
+                  <a:srgbClr val="404040"/>
+                </a:solidFill>
+              </a:rPr>
+              <a:t>Scientific programming and simulation</a:t>
+            </a:r>
+          </a:p>
+          <a:p>
+            <a:pPr marL="2286000" lvl="4" indent="-457200">
+              <a:buFont typeface="Arial" pitchFamily="34" charset="0"/>
+              <a:buChar char="•"/>
+            </a:pPr>
+            <a:r>
+              <a:rPr lang="en-US" sz="2800" dirty="0">
+                <a:solidFill>
+                  <a:srgbClr val="404040"/>
+                </a:solidFill>
+              </a:rPr>
+              <a:t>Interfacing with other programs (GIS…) </a:t>
+            </a:r>
+            <a:endParaRPr lang="es-ES_tradnl" sz="2800" dirty="0">
+              <a:solidFill>
+                <a:schemeClr val="tx1">
+                  <a:lumMod val="75000"/>
+                  <a:lumOff val="25000"/>
+                </a:schemeClr>
+              </a:solidFill>
+            </a:endParaRPr>
+          </a:p>
+          <a:p>
+            <a:pPr marL="457200" indent="-457200">
+              <a:buFont typeface="Arial" pitchFamily="34" charset="0"/>
+              <a:buChar char="•"/>
+            </a:pPr>
+            <a:endParaRPr lang="es-ES_tradnl" sz="2800" b="1" dirty="0">
+              <a:solidFill>
+                <a:schemeClr val="tx1">
+                  <a:lumMod val="75000"/>
+                  <a:lumOff val="25000"/>
+                </a:schemeClr>
+              </a:solidFill>
+            </a:endParaRPr>
+          </a:p>
+          <a:p>
+            <a:pPr marL="457200" indent="-457200">
+              <a:buFont typeface="Arial" pitchFamily="34" charset="0"/>
+              <a:buChar char="•"/>
+            </a:pPr>
+            <a:r>
+              <a:rPr lang="en-US" sz="2800" b="1" dirty="0">
+                <a:solidFill>
+                  <a:srgbClr val="77933C"/>
+                </a:solidFill>
+              </a:rPr>
+              <a:t>Language </a:t>
+            </a:r>
+            <a:r>
+              <a:rPr lang="es-ES_tradnl" sz="2800" dirty="0" err="1">
+                <a:solidFill>
+                  <a:schemeClr val="tx1">
+                    <a:lumMod val="75000"/>
+                    <a:lumOff val="25000"/>
+                  </a:schemeClr>
+                </a:solidFill>
+              </a:rPr>
+              <a:t>because</a:t>
+            </a:r>
+            <a:r>
+              <a:rPr lang="es-ES_tradnl" sz="2800" dirty="0">
+                <a:solidFill>
+                  <a:schemeClr val="tx1">
+                    <a:lumMod val="75000"/>
+                    <a:lumOff val="25000"/>
+                  </a:schemeClr>
+                </a:solidFill>
+              </a:rPr>
+              <a:t> </a:t>
+            </a:r>
+            <a:r>
+              <a:rPr lang="es-ES_tradnl" sz="2800" dirty="0" err="1">
+                <a:solidFill>
+                  <a:schemeClr val="tx1">
+                    <a:lumMod val="75000"/>
+                    <a:lumOff val="25000"/>
+                  </a:schemeClr>
+                </a:solidFill>
+              </a:rPr>
+              <a:t>it</a:t>
+            </a:r>
+            <a:r>
+              <a:rPr lang="es-ES_tradnl" sz="2800" dirty="0">
+                <a:solidFill>
+                  <a:schemeClr val="tx1">
+                    <a:lumMod val="75000"/>
+                    <a:lumOff val="25000"/>
+                  </a:schemeClr>
+                </a:solidFill>
+              </a:rPr>
+              <a:t> </a:t>
+            </a:r>
+            <a:r>
+              <a:rPr lang="es-ES_tradnl" sz="2800" dirty="0" err="1">
+                <a:solidFill>
+                  <a:schemeClr val="tx1">
+                    <a:lumMod val="75000"/>
+                    <a:lumOff val="25000"/>
+                  </a:schemeClr>
+                </a:solidFill>
+              </a:rPr>
+              <a:t>allows</a:t>
+            </a:r>
+            <a:r>
+              <a:rPr lang="es-ES_tradnl" sz="2800" dirty="0">
+                <a:solidFill>
+                  <a:schemeClr val="tx1">
+                    <a:lumMod val="75000"/>
+                    <a:lumOff val="25000"/>
+                  </a:schemeClr>
+                </a:solidFill>
+              </a:rPr>
+              <a:t> </a:t>
+            </a:r>
+            <a:r>
+              <a:rPr lang="es-ES_tradnl" sz="2800" dirty="0" err="1">
+                <a:solidFill>
+                  <a:schemeClr val="tx1">
+                    <a:lumMod val="75000"/>
+                    <a:lumOff val="25000"/>
+                  </a:schemeClr>
+                </a:solidFill>
+              </a:rPr>
+              <a:t>you</a:t>
+            </a:r>
+            <a:r>
+              <a:rPr lang="es-ES_tradnl" sz="2800" dirty="0">
+                <a:solidFill>
+                  <a:schemeClr val="tx1">
+                    <a:lumMod val="75000"/>
+                    <a:lumOff val="25000"/>
+                  </a:schemeClr>
+                </a:solidFill>
+              </a:rPr>
+              <a:t> to </a:t>
+            </a:r>
+            <a:r>
+              <a:rPr lang="es-ES_tradnl" sz="2800" dirty="0" err="1">
+                <a:solidFill>
+                  <a:schemeClr val="tx1">
+                    <a:lumMod val="75000"/>
+                    <a:lumOff val="25000"/>
+                  </a:schemeClr>
+                </a:solidFill>
+              </a:rPr>
+              <a:t>communicate</a:t>
+            </a:r>
+            <a:r>
+              <a:rPr lang="es-ES_tradnl" sz="2800" dirty="0">
+                <a:solidFill>
+                  <a:schemeClr val="tx1">
+                    <a:lumMod val="75000"/>
+                    <a:lumOff val="25000"/>
+                  </a:schemeClr>
+                </a:solidFill>
+              </a:rPr>
+              <a:t> </a:t>
+            </a:r>
+            <a:r>
+              <a:rPr lang="es-ES_tradnl" sz="2800" dirty="0" err="1">
+                <a:solidFill>
+                  <a:schemeClr val="tx1">
+                    <a:lumMod val="75000"/>
+                    <a:lumOff val="25000"/>
+                  </a:schemeClr>
+                </a:solidFill>
+              </a:rPr>
+              <a:t>flexibly</a:t>
+            </a:r>
+            <a:r>
+              <a:rPr lang="es-ES_tradnl" sz="2800" dirty="0">
+                <a:solidFill>
+                  <a:schemeClr val="tx1">
+                    <a:lumMod val="75000"/>
+                    <a:lumOff val="25000"/>
+                  </a:schemeClr>
+                </a:solidFill>
+              </a:rPr>
+              <a:t> </a:t>
+            </a:r>
+            <a:r>
+              <a:rPr lang="es-ES_tradnl" sz="2800" dirty="0" err="1">
+                <a:solidFill>
+                  <a:schemeClr val="tx1">
+                    <a:lumMod val="75000"/>
+                    <a:lumOff val="25000"/>
+                  </a:schemeClr>
+                </a:solidFill>
+              </a:rPr>
+              <a:t>with</a:t>
+            </a:r>
+            <a:r>
+              <a:rPr lang="es-ES_tradnl" sz="2800" dirty="0">
+                <a:solidFill>
+                  <a:schemeClr val="tx1">
+                    <a:lumMod val="75000"/>
+                    <a:lumOff val="25000"/>
+                  </a:schemeClr>
+                </a:solidFill>
+              </a:rPr>
+              <a:t> </a:t>
+            </a:r>
+            <a:r>
+              <a:rPr lang="es-ES_tradnl" sz="2800" dirty="0" err="1">
+                <a:solidFill>
+                  <a:schemeClr val="tx1">
+                    <a:lumMod val="75000"/>
+                    <a:lumOff val="25000"/>
+                  </a:schemeClr>
+                </a:solidFill>
+              </a:rPr>
+              <a:t>your</a:t>
+            </a:r>
+            <a:r>
+              <a:rPr lang="es-ES_tradnl" sz="2800" dirty="0">
+                <a:solidFill>
+                  <a:schemeClr val="tx1">
+                    <a:lumMod val="75000"/>
+                    <a:lumOff val="25000"/>
+                  </a:schemeClr>
+                </a:solidFill>
+              </a:rPr>
+              <a:t> </a:t>
+            </a:r>
+            <a:r>
+              <a:rPr lang="es-ES_tradnl" sz="2800" dirty="0" err="1">
+                <a:solidFill>
+                  <a:schemeClr val="tx1">
+                    <a:lumMod val="75000"/>
+                    <a:lumOff val="25000"/>
+                  </a:schemeClr>
+                </a:solidFill>
+              </a:rPr>
+              <a:t>computer</a:t>
+            </a:r>
+            <a:r>
+              <a:rPr lang="es-ES_tradnl" sz="2800" dirty="0">
+                <a:solidFill>
+                  <a:schemeClr val="tx1">
+                    <a:lumMod val="75000"/>
+                    <a:lumOff val="25000"/>
+                  </a:schemeClr>
+                </a:solidFill>
+              </a:rPr>
+              <a:t>. </a:t>
+            </a:r>
+          </a:p>
+          <a:p>
+            <a:r>
+              <a:rPr lang="es-ES_tradnl" sz="2400" i="1" dirty="0" err="1">
+                <a:solidFill>
+                  <a:schemeClr val="tx1">
+                    <a:lumMod val="75000"/>
+                    <a:lumOff val="25000"/>
+                  </a:schemeClr>
+                </a:solidFill>
+              </a:rPr>
+              <a:t>Like</a:t>
+            </a:r>
+            <a:r>
+              <a:rPr lang="es-ES_tradnl" sz="2400" i="1" dirty="0">
+                <a:solidFill>
+                  <a:schemeClr val="tx1">
+                    <a:lumMod val="75000"/>
+                    <a:lumOff val="25000"/>
+                  </a:schemeClr>
+                </a:solidFill>
+              </a:rPr>
+              <a:t> </a:t>
+            </a:r>
+            <a:r>
+              <a:rPr lang="es-ES_tradnl" sz="2400" i="1" dirty="0" err="1">
+                <a:solidFill>
+                  <a:schemeClr val="tx1">
+                    <a:lumMod val="75000"/>
+                    <a:lumOff val="25000"/>
+                  </a:schemeClr>
+                </a:solidFill>
+              </a:rPr>
+              <a:t>any</a:t>
+            </a:r>
+            <a:r>
+              <a:rPr lang="es-ES_tradnl" sz="2400" i="1" dirty="0">
+                <a:solidFill>
+                  <a:schemeClr val="tx1">
+                    <a:lumMod val="75000"/>
+                    <a:lumOff val="25000"/>
+                  </a:schemeClr>
+                </a:solidFill>
+              </a:rPr>
+              <a:t> </a:t>
+            </a:r>
+            <a:r>
+              <a:rPr lang="es-ES_tradnl" sz="2400" i="1" dirty="0" err="1">
+                <a:solidFill>
+                  <a:schemeClr val="tx1">
+                    <a:lumMod val="75000"/>
+                    <a:lumOff val="25000"/>
+                  </a:schemeClr>
+                </a:solidFill>
+              </a:rPr>
+              <a:t>other</a:t>
+            </a:r>
+            <a:r>
+              <a:rPr lang="es-ES_tradnl" sz="2400" i="1" dirty="0">
+                <a:solidFill>
+                  <a:schemeClr val="tx1">
+                    <a:lumMod val="75000"/>
+                    <a:lumOff val="25000"/>
+                  </a:schemeClr>
+                </a:solidFill>
+              </a:rPr>
+              <a:t> </a:t>
+            </a:r>
+            <a:r>
+              <a:rPr lang="es-ES_tradnl" sz="2400" i="1" dirty="0" err="1">
+                <a:solidFill>
+                  <a:schemeClr val="tx1">
+                    <a:lumMod val="75000"/>
+                    <a:lumOff val="25000"/>
+                  </a:schemeClr>
+                </a:solidFill>
+              </a:rPr>
+              <a:t>language</a:t>
+            </a:r>
+            <a:r>
+              <a:rPr lang="es-ES_tradnl" sz="2400" i="1" dirty="0">
+                <a:solidFill>
+                  <a:schemeClr val="tx1">
+                    <a:lumMod val="75000"/>
+                    <a:lumOff val="25000"/>
+                  </a:schemeClr>
+                </a:solidFill>
+              </a:rPr>
+              <a:t>:</a:t>
+            </a:r>
+            <a:endParaRPr lang="es-ES_tradnl" sz="2800" i="1" dirty="0">
+              <a:solidFill>
+                <a:schemeClr val="tx1">
+                  <a:lumMod val="75000"/>
+                  <a:lumOff val="25000"/>
+                </a:schemeClr>
+              </a:solidFill>
+            </a:endParaRPr>
+          </a:p>
+          <a:p>
+            <a:pPr marL="1828800" lvl="3" indent="-457200">
+              <a:buFont typeface="Arial" pitchFamily="34" charset="0"/>
+              <a:buChar char="•"/>
+            </a:pPr>
+            <a:r>
+              <a:rPr lang="es-ES_tradnl" sz="2800" dirty="0" err="1">
+                <a:solidFill>
+                  <a:schemeClr val="tx1">
+                    <a:lumMod val="75000"/>
+                    <a:lumOff val="25000"/>
+                  </a:schemeClr>
+                </a:solidFill>
+              </a:rPr>
+              <a:t>Learning</a:t>
+            </a:r>
+            <a:r>
+              <a:rPr lang="es-ES_tradnl" sz="2800" dirty="0">
+                <a:solidFill>
+                  <a:schemeClr val="tx1">
+                    <a:lumMod val="75000"/>
+                    <a:lumOff val="25000"/>
+                  </a:schemeClr>
+                </a:solidFill>
+              </a:rPr>
+              <a:t> R </a:t>
+            </a:r>
+            <a:r>
+              <a:rPr lang="es-ES_tradnl" sz="2800" dirty="0" err="1">
+                <a:solidFill>
+                  <a:schemeClr val="tx1">
+                    <a:lumMod val="75000"/>
+                    <a:lumOff val="25000"/>
+                  </a:schemeClr>
+                </a:solidFill>
+              </a:rPr>
+              <a:t>will</a:t>
+            </a:r>
+            <a:r>
+              <a:rPr lang="es-ES_tradnl" sz="2800" dirty="0">
+                <a:solidFill>
+                  <a:schemeClr val="tx1">
+                    <a:lumMod val="75000"/>
+                    <a:lumOff val="25000"/>
+                  </a:schemeClr>
+                </a:solidFill>
+              </a:rPr>
+              <a:t> be </a:t>
+            </a:r>
+            <a:r>
+              <a:rPr lang="es-ES_tradnl" sz="2800" dirty="0" err="1">
+                <a:solidFill>
+                  <a:schemeClr val="tx1">
+                    <a:lumMod val="75000"/>
+                    <a:lumOff val="25000"/>
+                  </a:schemeClr>
+                </a:solidFill>
+              </a:rPr>
+              <a:t>easier</a:t>
+            </a:r>
+            <a:r>
+              <a:rPr lang="es-ES_tradnl" sz="2800" dirty="0">
+                <a:solidFill>
+                  <a:schemeClr val="tx1">
+                    <a:lumMod val="75000"/>
+                    <a:lumOff val="25000"/>
+                  </a:schemeClr>
+                </a:solidFill>
+              </a:rPr>
+              <a:t> </a:t>
+            </a:r>
+            <a:r>
+              <a:rPr lang="es-ES_tradnl" sz="2800" dirty="0" err="1">
+                <a:solidFill>
+                  <a:schemeClr val="tx1">
+                    <a:lumMod val="75000"/>
+                    <a:lumOff val="25000"/>
+                  </a:schemeClr>
+                </a:solidFill>
+              </a:rPr>
+              <a:t>for</a:t>
+            </a:r>
+            <a:r>
+              <a:rPr lang="es-ES_tradnl" sz="2800" dirty="0">
+                <a:solidFill>
+                  <a:schemeClr val="tx1">
+                    <a:lumMod val="75000"/>
+                    <a:lumOff val="25000"/>
+                  </a:schemeClr>
+                </a:solidFill>
+              </a:rPr>
+              <a:t> </a:t>
+            </a:r>
+            <a:r>
+              <a:rPr lang="es-ES_tradnl" sz="2800" dirty="0" err="1">
+                <a:solidFill>
+                  <a:schemeClr val="tx1">
+                    <a:lumMod val="75000"/>
+                    <a:lumOff val="25000"/>
+                  </a:schemeClr>
+                </a:solidFill>
+              </a:rPr>
+              <a:t>some</a:t>
+            </a:r>
+            <a:r>
+              <a:rPr lang="es-ES_tradnl" sz="2800" dirty="0">
+                <a:solidFill>
+                  <a:schemeClr val="tx1">
+                    <a:lumMod val="75000"/>
+                    <a:lumOff val="25000"/>
+                  </a:schemeClr>
+                </a:solidFill>
+              </a:rPr>
+              <a:t> </a:t>
+            </a:r>
+            <a:r>
+              <a:rPr lang="es-ES_tradnl" sz="2800" dirty="0" err="1">
+                <a:solidFill>
+                  <a:schemeClr val="tx1">
+                    <a:lumMod val="75000"/>
+                    <a:lumOff val="25000"/>
+                  </a:schemeClr>
+                </a:solidFill>
+              </a:rPr>
+              <a:t>than</a:t>
+            </a:r>
+            <a:r>
+              <a:rPr lang="es-ES_tradnl" sz="2800" dirty="0">
+                <a:solidFill>
+                  <a:schemeClr val="tx1">
+                    <a:lumMod val="75000"/>
+                    <a:lumOff val="25000"/>
+                  </a:schemeClr>
+                </a:solidFill>
+              </a:rPr>
+              <a:t> </a:t>
+            </a:r>
+            <a:r>
+              <a:rPr lang="es-ES_tradnl" sz="2800" dirty="0" err="1">
+                <a:solidFill>
+                  <a:schemeClr val="tx1">
+                    <a:lumMod val="75000"/>
+                    <a:lumOff val="25000"/>
+                  </a:schemeClr>
+                </a:solidFill>
+              </a:rPr>
+              <a:t>for</a:t>
+            </a:r>
+            <a:r>
+              <a:rPr lang="es-ES_tradnl" sz="2800" dirty="0">
+                <a:solidFill>
+                  <a:schemeClr val="tx1">
+                    <a:lumMod val="75000"/>
+                    <a:lumOff val="25000"/>
+                  </a:schemeClr>
+                </a:solidFill>
+              </a:rPr>
+              <a:t> </a:t>
+            </a:r>
+            <a:r>
+              <a:rPr lang="es-ES_tradnl" sz="2800" dirty="0" err="1">
+                <a:solidFill>
+                  <a:schemeClr val="tx1">
+                    <a:lumMod val="75000"/>
+                    <a:lumOff val="25000"/>
+                  </a:schemeClr>
+                </a:solidFill>
+              </a:rPr>
+              <a:t>others</a:t>
+            </a:r>
+            <a:r>
+              <a:rPr lang="es-ES_tradnl" sz="2800" dirty="0">
+                <a:solidFill>
+                  <a:schemeClr val="tx1">
+                    <a:lumMod val="75000"/>
+                    <a:lumOff val="25000"/>
+                  </a:schemeClr>
+                </a:solidFill>
+              </a:rPr>
+              <a:t> </a:t>
+            </a:r>
+            <a:r>
+              <a:rPr lang="es-ES_tradnl" sz="2800" b="1" dirty="0">
+                <a:solidFill>
+                  <a:schemeClr val="tx1">
+                    <a:lumMod val="75000"/>
+                    <a:lumOff val="25000"/>
+                  </a:schemeClr>
+                </a:solidFill>
+              </a:rPr>
+              <a:t>AND </a:t>
+            </a:r>
+            <a:r>
+              <a:rPr lang="es-ES_tradnl" sz="2800" b="1" dirty="0" err="1">
+                <a:solidFill>
+                  <a:schemeClr val="tx1">
+                    <a:lumMod val="75000"/>
+                    <a:lumOff val="25000"/>
+                  </a:schemeClr>
+                </a:solidFill>
+              </a:rPr>
+              <a:t>it</a:t>
+            </a:r>
+            <a:r>
+              <a:rPr lang="es-ES_tradnl" sz="2800" b="1" dirty="0">
+                <a:solidFill>
+                  <a:schemeClr val="tx1">
+                    <a:lumMod val="75000"/>
+                    <a:lumOff val="25000"/>
+                  </a:schemeClr>
+                </a:solidFill>
+              </a:rPr>
+              <a:t> </a:t>
+            </a:r>
+            <a:r>
+              <a:rPr lang="es-ES_tradnl" sz="2800" b="1" dirty="0" err="1">
+                <a:solidFill>
+                  <a:schemeClr val="tx1">
+                    <a:lumMod val="75000"/>
+                    <a:lumOff val="25000"/>
+                  </a:schemeClr>
+                </a:solidFill>
+              </a:rPr>
+              <a:t>is</a:t>
+            </a:r>
+            <a:r>
+              <a:rPr lang="es-ES_tradnl" sz="2800" b="1" dirty="0">
+                <a:solidFill>
+                  <a:schemeClr val="tx1">
+                    <a:lumMod val="75000"/>
+                    <a:lumOff val="25000"/>
+                  </a:schemeClr>
+                </a:solidFill>
+              </a:rPr>
+              <a:t> </a:t>
+            </a:r>
+            <a:r>
+              <a:rPr lang="es-ES_tradnl" sz="2800" b="1" dirty="0" err="1">
+                <a:solidFill>
+                  <a:schemeClr val="tx1">
+                    <a:lumMod val="75000"/>
+                    <a:lumOff val="25000"/>
+                  </a:schemeClr>
+                </a:solidFill>
+              </a:rPr>
+              <a:t>okay</a:t>
+            </a:r>
+            <a:r>
+              <a:rPr lang="es-ES_tradnl" sz="2800" b="1" dirty="0">
+                <a:solidFill>
+                  <a:schemeClr val="tx1">
+                    <a:lumMod val="75000"/>
+                    <a:lumOff val="25000"/>
+                  </a:schemeClr>
+                </a:solidFill>
+              </a:rPr>
+              <a:t>!!!</a:t>
+            </a:r>
+          </a:p>
+          <a:p>
+            <a:pPr marL="1828800" lvl="3" indent="-457200">
+              <a:buFont typeface="Arial" pitchFamily="34" charset="0"/>
+              <a:buChar char="•"/>
+            </a:pPr>
+            <a:r>
+              <a:rPr lang="es-ES_tradnl" sz="2800" dirty="0" err="1">
+                <a:solidFill>
+                  <a:schemeClr val="tx1">
+                    <a:lumMod val="75000"/>
+                    <a:lumOff val="25000"/>
+                  </a:schemeClr>
+                </a:solidFill>
+              </a:rPr>
+              <a:t>Learning</a:t>
+            </a:r>
+            <a:r>
+              <a:rPr lang="es-ES_tradnl" sz="2800" dirty="0">
+                <a:solidFill>
+                  <a:schemeClr val="tx1">
+                    <a:lumMod val="75000"/>
+                    <a:lumOff val="25000"/>
+                  </a:schemeClr>
+                </a:solidFill>
+              </a:rPr>
+              <a:t> R </a:t>
+            </a:r>
+            <a:r>
+              <a:rPr lang="es-ES_tradnl" sz="2800" dirty="0" err="1">
+                <a:solidFill>
+                  <a:schemeClr val="tx1">
+                    <a:lumMod val="75000"/>
+                    <a:lumOff val="25000"/>
+                  </a:schemeClr>
+                </a:solidFill>
+              </a:rPr>
+              <a:t>takes</a:t>
+            </a:r>
+            <a:r>
+              <a:rPr lang="es-ES_tradnl" sz="2800" dirty="0">
+                <a:solidFill>
+                  <a:schemeClr val="tx1">
+                    <a:lumMod val="75000"/>
+                    <a:lumOff val="25000"/>
+                  </a:schemeClr>
+                </a:solidFill>
+              </a:rPr>
+              <a:t> </a:t>
+            </a:r>
+            <a:r>
+              <a:rPr lang="es-ES_tradnl" sz="2800" dirty="0" err="1">
+                <a:solidFill>
+                  <a:schemeClr val="tx1">
+                    <a:lumMod val="75000"/>
+                    <a:lumOff val="25000"/>
+                  </a:schemeClr>
+                </a:solidFill>
+              </a:rPr>
+              <a:t>work</a:t>
+            </a:r>
+            <a:r>
+              <a:rPr lang="es-ES_tradnl" sz="2800" dirty="0">
+                <a:solidFill>
+                  <a:schemeClr val="tx1">
+                    <a:lumMod val="75000"/>
+                    <a:lumOff val="25000"/>
+                  </a:schemeClr>
+                </a:solidFill>
+              </a:rPr>
+              <a:t> and </a:t>
+            </a:r>
+            <a:r>
+              <a:rPr lang="es-ES_tradnl" sz="2800" dirty="0" err="1">
+                <a:solidFill>
+                  <a:schemeClr val="tx1">
+                    <a:lumMod val="75000"/>
+                    <a:lumOff val="25000"/>
+                  </a:schemeClr>
+                </a:solidFill>
+              </a:rPr>
+              <a:t>practice</a:t>
+            </a:r>
+            <a:endParaRPr lang="es-ES_tradnl" sz="2800" dirty="0">
+              <a:solidFill>
+                <a:schemeClr val="tx1">
+                  <a:lumMod val="75000"/>
+                  <a:lumOff val="25000"/>
+                </a:schemeClr>
+              </a:solidFill>
+            </a:endParaRPr>
+          </a:p>
+        </p:txBody>
+      </p:sp>
+      <p:sp>
+        <p:nvSpPr>
+          <p:cNvPr id="4" name="Rectangle 1"/>
+          <p:cNvSpPr>
+            <a:spLocks noChangeArrowheads="1"/>
+          </p:cNvSpPr>
+          <p:nvPr/>
+        </p:nvSpPr>
+        <p:spPr bwMode="auto">
+          <a:xfrm>
+            <a:off x="368300" y="444500"/>
+            <a:ext cx="2198688" cy="641350"/>
+          </a:xfrm>
+          <a:prstGeom prst="rect">
+            <a:avLst/>
+          </a:prstGeom>
+          <a:noFill/>
+          <a:ln w="9525">
+            <a:noFill/>
+            <a:miter lim="800000"/>
+            <a:headEnd/>
+            <a:tailEnd/>
+          </a:ln>
+        </p:spPr>
+        <p:txBody>
+          <a:bodyPr wrap="none">
+            <a:spAutoFit/>
+          </a:bodyPr>
+          <a:lstStyle/>
+          <a:p>
+            <a:r>
+              <a:rPr lang="es-EC" sz="3600" b="1" dirty="0">
+                <a:solidFill>
+                  <a:srgbClr val="E46C0A"/>
+                </a:solidFill>
+              </a:rPr>
+              <a:t>What is R?</a:t>
+            </a:r>
+          </a:p>
+        </p:txBody>
+      </p:sp>
+    </p:spTree>
+    <p:extLst>
+      <p:ext uri="{BB962C8B-B14F-4D97-AF65-F5344CB8AC3E}">
         <p14:creationId xmlns:p14="http://schemas.microsoft.com/office/powerpoint/2010/main" val="1024632895"/>
       </p:ext>
     </p:extLst>
@@ -14869,7 +15620,7 @@
 </p:sld>
 </file>
 
-<file path=ppt/slides/slide8.xml><?xml version="1.0" encoding="utf-8"?>
+<file path=ppt/slides/slide9.xml><?xml version="1.0" encoding="utf-8"?>
 <p:sld xmlns:a="http://schemas.openxmlformats.org/drawingml/2006/main" xmlns:r="http://schemas.openxmlformats.org/officeDocument/2006/relationships" xmlns:p="http://schemas.openxmlformats.org/presentationml/2006/main">
   <p:cSld>
     <p:spTree>
@@ -15141,621 +15892,6 @@
   <p:clrMapOvr>
     <a:masterClrMapping/>
   </p:clrMapOvr>
-</p:sld>
-</file>
-
-<file path=ppt/slides/slide9.xml><?xml version="1.0" encoding="utf-8"?>
-<p:sld xmlns:a="http://schemas.openxmlformats.org/drawingml/2006/main" xmlns:r="http://schemas.openxmlformats.org/officeDocument/2006/relationships" xmlns:p="http://schemas.openxmlformats.org/presentationml/2006/main">
-  <p:cSld>
-    <p:spTree>
-      <p:nvGrpSpPr>
-        <p:cNvPr id="1" name=""/>
-        <p:cNvGrpSpPr/>
-        <p:nvPr/>
-      </p:nvGrpSpPr>
-      <p:grpSpPr>
-        <a:xfrm>
-          <a:off x="0" y="0"/>
-          <a:ext cx="0" cy="0"/>
-          <a:chOff x="0" y="0"/>
-          <a:chExt cx="0" cy="0"/>
-        </a:xfrm>
-      </p:grpSpPr>
-      <p:sp>
-        <p:nvSpPr>
-          <p:cNvPr id="28674" name="Rectangle 9"/>
-          <p:cNvSpPr>
-            <a:spLocks noChangeArrowheads="1"/>
-          </p:cNvSpPr>
-          <p:nvPr/>
-        </p:nvSpPr>
-        <p:spPr bwMode="auto">
-          <a:xfrm>
-            <a:off x="0" y="990600"/>
-            <a:ext cx="5867400" cy="4031873"/>
-          </a:xfrm>
-          <a:prstGeom prst="rect">
-            <a:avLst/>
-          </a:prstGeom>
-          <a:noFill/>
-          <a:ln w="9525">
-            <a:noFill/>
-            <a:miter lim="800000"/>
-            <a:headEnd/>
-            <a:tailEnd/>
-          </a:ln>
-        </p:spPr>
-        <p:txBody>
-          <a:bodyPr wrap="square">
-            <a:spAutoFit/>
-          </a:bodyPr>
-          <a:lstStyle/>
-          <a:p>
-            <a:pPr marL="514350" indent="-514350">
-              <a:buAutoNum type="arabicPeriod"/>
-            </a:pPr>
-            <a:r>
-              <a:rPr lang="es-ES_tradnl" sz="3200" b="1" dirty="0">
-                <a:solidFill>
-                  <a:srgbClr val="FF0000"/>
-                </a:solidFill>
-              </a:rPr>
-              <a:t>R </a:t>
-            </a:r>
-            <a:r>
-              <a:rPr lang="es-ES_tradnl" sz="3200" b="1" dirty="0" err="1">
-                <a:solidFill>
-                  <a:srgbClr val="FF0000"/>
-                </a:solidFill>
-              </a:rPr>
-              <a:t>is</a:t>
-            </a:r>
-            <a:r>
-              <a:rPr lang="es-ES_tradnl" sz="3200" b="1" dirty="0">
-                <a:solidFill>
-                  <a:srgbClr val="FF0000"/>
-                </a:solidFill>
-              </a:rPr>
-              <a:t> free!!!!</a:t>
-            </a:r>
-          </a:p>
-          <a:p>
-            <a:pPr marL="1428750" lvl="2" indent="-514350">
-              <a:buAutoNum type="arabicPeriod"/>
-            </a:pPr>
-            <a:r>
-              <a:rPr lang="es-ES_tradnl" sz="2800" dirty="0">
-                <a:solidFill>
-                  <a:schemeClr val="tx1">
-                    <a:lumMod val="75000"/>
-                    <a:lumOff val="25000"/>
-                  </a:schemeClr>
-                </a:solidFill>
-              </a:rPr>
-              <a:t>SPSS $99/</a:t>
-            </a:r>
-            <a:r>
-              <a:rPr lang="es-ES_tradnl" sz="2800" dirty="0" err="1">
-                <a:solidFill>
-                  <a:schemeClr val="tx1">
-                    <a:lumMod val="75000"/>
-                    <a:lumOff val="25000"/>
-                  </a:schemeClr>
-                </a:solidFill>
-              </a:rPr>
-              <a:t>month</a:t>
-            </a:r>
-            <a:endParaRPr lang="es-ES_tradnl" sz="2800" dirty="0">
-              <a:solidFill>
-                <a:schemeClr val="tx1">
-                  <a:lumMod val="75000"/>
-                  <a:lumOff val="25000"/>
-                </a:schemeClr>
-              </a:solidFill>
-            </a:endParaRPr>
-          </a:p>
-          <a:p>
-            <a:pPr marL="1428750" lvl="2" indent="-514350">
-              <a:buAutoNum type="arabicPeriod"/>
-            </a:pPr>
-            <a:r>
-              <a:rPr lang="es-ES_tradnl" sz="2800" dirty="0">
-                <a:solidFill>
-                  <a:schemeClr val="tx1">
-                    <a:lumMod val="75000"/>
-                    <a:lumOff val="25000"/>
-                  </a:schemeClr>
-                </a:solidFill>
-              </a:rPr>
-              <a:t>SAS $2,500/</a:t>
-            </a:r>
-            <a:r>
-              <a:rPr lang="es-ES_tradnl" sz="2800" dirty="0" err="1">
-                <a:solidFill>
-                  <a:schemeClr val="tx1">
-                    <a:lumMod val="75000"/>
-                    <a:lumOff val="25000"/>
-                  </a:schemeClr>
-                </a:solidFill>
-              </a:rPr>
-              <a:t>year</a:t>
-            </a:r>
-            <a:endParaRPr lang="es-ES_tradnl" sz="2800" dirty="0">
-              <a:solidFill>
-                <a:schemeClr val="tx1">
-                  <a:lumMod val="75000"/>
-                  <a:lumOff val="25000"/>
-                </a:schemeClr>
-              </a:solidFill>
-            </a:endParaRPr>
-          </a:p>
-          <a:p>
-            <a:pPr marL="514350" indent="-514350">
-              <a:buAutoNum type="arabicPeriod"/>
-            </a:pPr>
-            <a:endParaRPr lang="es-ES_tradnl" sz="2800" dirty="0">
-              <a:solidFill>
-                <a:schemeClr val="tx1">
-                  <a:lumMod val="75000"/>
-                  <a:lumOff val="25000"/>
-                </a:schemeClr>
-              </a:solidFill>
-            </a:endParaRPr>
-          </a:p>
-          <a:p>
-            <a:pPr marL="514350" indent="-514350">
-              <a:buAutoNum type="arabicPeriod"/>
-            </a:pPr>
-            <a:r>
-              <a:rPr lang="es-ES_tradnl" sz="2800" dirty="0" err="1">
-                <a:solidFill>
-                  <a:schemeClr val="tx1">
-                    <a:lumMod val="75000"/>
-                    <a:lumOff val="25000"/>
-                  </a:schemeClr>
-                </a:solidFill>
-              </a:rPr>
-              <a:t>Excellent</a:t>
-            </a:r>
-            <a:r>
-              <a:rPr lang="es-ES_tradnl" sz="2800" dirty="0">
-                <a:solidFill>
-                  <a:schemeClr val="tx1">
-                    <a:lumMod val="75000"/>
-                    <a:lumOff val="25000"/>
-                  </a:schemeClr>
-                </a:solidFill>
-              </a:rPr>
-              <a:t> at </a:t>
-            </a:r>
-            <a:r>
-              <a:rPr lang="es-ES_tradnl" sz="2800" dirty="0" err="1">
-                <a:solidFill>
-                  <a:schemeClr val="tx1">
-                    <a:lumMod val="75000"/>
-                    <a:lumOff val="25000"/>
-                  </a:schemeClr>
-                </a:solidFill>
-              </a:rPr>
-              <a:t>making</a:t>
-            </a:r>
-            <a:r>
-              <a:rPr lang="es-ES_tradnl" sz="2800" dirty="0">
-                <a:solidFill>
-                  <a:schemeClr val="tx1">
-                    <a:lumMod val="75000"/>
-                    <a:lumOff val="25000"/>
-                  </a:schemeClr>
-                </a:solidFill>
-              </a:rPr>
-              <a:t> figures</a:t>
-            </a:r>
-          </a:p>
-          <a:p>
-            <a:pPr marL="514350" indent="-514350">
-              <a:buAutoNum type="arabicPeriod"/>
-            </a:pPr>
-            <a:endParaRPr lang="es-ES_tradnl" sz="2800" dirty="0">
-              <a:solidFill>
-                <a:schemeClr val="tx1">
-                  <a:lumMod val="75000"/>
-                  <a:lumOff val="25000"/>
-                </a:schemeClr>
-              </a:solidFill>
-            </a:endParaRPr>
-          </a:p>
-          <a:p>
-            <a:pPr marL="514350" indent="-514350">
-              <a:buAutoNum type="arabicPeriod"/>
-            </a:pPr>
-            <a:r>
-              <a:rPr lang="es-ES_tradnl" sz="2800" dirty="0" err="1">
-                <a:solidFill>
-                  <a:schemeClr val="tx1">
-                    <a:lumMod val="75000"/>
-                    <a:lumOff val="25000"/>
-                  </a:schemeClr>
-                </a:solidFill>
-              </a:rPr>
-              <a:t>Thousands</a:t>
-            </a:r>
-            <a:r>
-              <a:rPr lang="es-ES_tradnl" sz="2800" dirty="0">
-                <a:solidFill>
-                  <a:schemeClr val="tx1">
-                    <a:lumMod val="75000"/>
-                    <a:lumOff val="25000"/>
-                  </a:schemeClr>
-                </a:solidFill>
-              </a:rPr>
-              <a:t> of </a:t>
-            </a:r>
-            <a:r>
-              <a:rPr lang="es-ES_tradnl" sz="2800" dirty="0" err="1">
-                <a:solidFill>
-                  <a:schemeClr val="tx1">
-                    <a:lumMod val="75000"/>
-                    <a:lumOff val="25000"/>
-                  </a:schemeClr>
-                </a:solidFill>
-              </a:rPr>
-              <a:t>tools</a:t>
-            </a:r>
-            <a:r>
-              <a:rPr lang="es-ES_tradnl" sz="2800" dirty="0">
-                <a:solidFill>
-                  <a:schemeClr val="tx1">
-                    <a:lumMod val="75000"/>
-                    <a:lumOff val="25000"/>
-                  </a:schemeClr>
-                </a:solidFill>
-              </a:rPr>
-              <a:t> </a:t>
-            </a:r>
-            <a:r>
-              <a:rPr lang="es-ES_tradnl" sz="2800" dirty="0" err="1">
-                <a:solidFill>
-                  <a:schemeClr val="tx1">
-                    <a:lumMod val="75000"/>
-                    <a:lumOff val="25000"/>
-                  </a:schemeClr>
-                </a:solidFill>
-              </a:rPr>
-              <a:t>for</a:t>
-            </a:r>
-            <a:r>
-              <a:rPr lang="es-ES_tradnl" sz="2800" dirty="0">
-                <a:solidFill>
-                  <a:schemeClr val="tx1">
-                    <a:lumMod val="75000"/>
-                    <a:lumOff val="25000"/>
-                  </a:schemeClr>
-                </a:solidFill>
-              </a:rPr>
-              <a:t> </a:t>
-            </a:r>
-            <a:r>
-              <a:rPr lang="es-ES_tradnl" sz="2800" dirty="0" err="1">
-                <a:solidFill>
-                  <a:schemeClr val="tx1">
-                    <a:lumMod val="75000"/>
-                    <a:lumOff val="25000"/>
-                  </a:schemeClr>
-                </a:solidFill>
-              </a:rPr>
-              <a:t>statistical</a:t>
-            </a:r>
-            <a:r>
-              <a:rPr lang="es-ES_tradnl" sz="2800" dirty="0">
-                <a:solidFill>
-                  <a:schemeClr val="tx1">
-                    <a:lumMod val="75000"/>
-                    <a:lumOff val="25000"/>
-                  </a:schemeClr>
-                </a:solidFill>
-              </a:rPr>
-              <a:t> </a:t>
-            </a:r>
-            <a:r>
-              <a:rPr lang="es-ES_tradnl" sz="2800" dirty="0" err="1">
-                <a:solidFill>
-                  <a:schemeClr val="tx1">
-                    <a:lumMod val="75000"/>
-                    <a:lumOff val="25000"/>
-                  </a:schemeClr>
-                </a:solidFill>
-              </a:rPr>
-              <a:t>analysis</a:t>
-            </a:r>
-            <a:r>
-              <a:rPr lang="es-ES_tradnl" sz="2800" dirty="0">
-                <a:solidFill>
-                  <a:schemeClr val="tx1">
-                    <a:lumMod val="75000"/>
-                    <a:lumOff val="25000"/>
-                  </a:schemeClr>
-                </a:solidFill>
-              </a:rPr>
-              <a:t> (</a:t>
-            </a:r>
-            <a:r>
-              <a:rPr lang="es-ES_tradnl" sz="2800" dirty="0" err="1">
-                <a:solidFill>
-                  <a:schemeClr val="tx1">
-                    <a:lumMod val="75000"/>
-                    <a:lumOff val="25000"/>
-                  </a:schemeClr>
-                </a:solidFill>
-              </a:rPr>
-              <a:t>packages</a:t>
-            </a:r>
-            <a:r>
-              <a:rPr lang="es-ES_tradnl" sz="2800" dirty="0">
-                <a:solidFill>
-                  <a:schemeClr val="tx1">
-                    <a:lumMod val="75000"/>
-                    <a:lumOff val="25000"/>
-                  </a:schemeClr>
-                </a:solidFill>
-              </a:rPr>
-              <a:t>).</a:t>
-            </a:r>
-          </a:p>
-          <a:p>
-            <a:pPr marL="514350" indent="-514350">
-              <a:buAutoNum type="arabicPeriod"/>
-            </a:pPr>
-            <a:endParaRPr lang="es-ES_tradnl" sz="2800" dirty="0">
-              <a:solidFill>
-                <a:schemeClr val="tx1">
-                  <a:lumMod val="75000"/>
-                  <a:lumOff val="25000"/>
-                </a:schemeClr>
-              </a:solidFill>
-            </a:endParaRPr>
-          </a:p>
-        </p:txBody>
-      </p:sp>
-      <p:sp>
-        <p:nvSpPr>
-          <p:cNvPr id="4" name="Rectangle 1"/>
-          <p:cNvSpPr>
-            <a:spLocks noChangeArrowheads="1"/>
-          </p:cNvSpPr>
-          <p:nvPr/>
-        </p:nvSpPr>
-        <p:spPr bwMode="auto">
-          <a:xfrm>
-            <a:off x="368300" y="444500"/>
-            <a:ext cx="2407710" cy="646331"/>
-          </a:xfrm>
-          <a:prstGeom prst="rect">
-            <a:avLst/>
-          </a:prstGeom>
-          <a:noFill/>
-          <a:ln w="9525">
-            <a:noFill/>
-            <a:miter lim="800000"/>
-            <a:headEnd/>
-            <a:tailEnd/>
-          </a:ln>
-        </p:spPr>
-        <p:txBody>
-          <a:bodyPr wrap="none">
-            <a:spAutoFit/>
-          </a:bodyPr>
-          <a:lstStyle/>
-          <a:p>
-            <a:r>
-              <a:rPr lang="es-EC" sz="3600" b="1" dirty="0" err="1">
-                <a:solidFill>
-                  <a:srgbClr val="E46C0A"/>
-                </a:solidFill>
-              </a:rPr>
-              <a:t>Why</a:t>
-            </a:r>
-            <a:r>
-              <a:rPr lang="es-EC" sz="3600" b="1" dirty="0">
-                <a:solidFill>
-                  <a:srgbClr val="E46C0A"/>
-                </a:solidFill>
-              </a:rPr>
-              <a:t> use R?</a:t>
-            </a:r>
-          </a:p>
-        </p:txBody>
-      </p:sp>
-      <p:pic>
-        <p:nvPicPr>
-          <p:cNvPr id="7" name="Picture 6"/>
-          <p:cNvPicPr>
-            <a:picLocks noChangeAspect="1"/>
-          </p:cNvPicPr>
-          <p:nvPr/>
-        </p:nvPicPr>
-        <p:blipFill>
-          <a:blip r:embed="rId3"/>
-          <a:stretch>
-            <a:fillRect/>
-          </a:stretch>
-        </p:blipFill>
-        <p:spPr>
-          <a:xfrm>
-            <a:off x="5829300" y="1371600"/>
-            <a:ext cx="3276600" cy="1861108"/>
-          </a:xfrm>
-          <a:prstGeom prst="rect">
-            <a:avLst/>
-          </a:prstGeom>
-        </p:spPr>
-      </p:pic>
-      <p:pic>
-        <p:nvPicPr>
-          <p:cNvPr id="8" name="Picture 7"/>
-          <p:cNvPicPr>
-            <a:picLocks noChangeAspect="1"/>
-          </p:cNvPicPr>
-          <p:nvPr/>
-        </p:nvPicPr>
-        <p:blipFill rotWithShape="1">
-          <a:blip r:embed="rId4" cstate="screen">
-            <a:extLst>
-              <a:ext uri="{28A0092B-C50C-407E-A947-70E740481C1C}">
-                <a14:useLocalDpi xmlns:a14="http://schemas.microsoft.com/office/drawing/2010/main"/>
-              </a:ext>
-            </a:extLst>
-          </a:blip>
-          <a:srcRect/>
-          <a:stretch/>
-        </p:blipFill>
-        <p:spPr>
-          <a:xfrm>
-            <a:off x="5867400" y="4972680"/>
-            <a:ext cx="2957908" cy="1473697"/>
-          </a:xfrm>
-          <a:prstGeom prst="rect">
-            <a:avLst/>
-          </a:prstGeom>
-        </p:spPr>
-      </p:pic>
-    </p:spTree>
-    <p:extLst>
-      <p:ext uri="{BB962C8B-B14F-4D97-AF65-F5344CB8AC3E}">
-        <p14:creationId xmlns:p14="http://schemas.microsoft.com/office/powerpoint/2010/main" val="696721526"/>
-      </p:ext>
-    </p:extLst>
-  </p:cSld>
-  <p:clrMapOvr>
-    <a:masterClrMapping/>
-  </p:clrMapOvr>
-  <p:timing>
-    <p:tnLst>
-      <p:par>
-        <p:cTn id="1" dur="indefinite" restart="never" nodeType="tmRoot">
-          <p:childTnLst>
-            <p:seq concurrent="1" nextAc="seek">
-              <p:cTn id="2" dur="indefinite" nodeType="mainSeq">
-                <p:childTnLst>
-                  <p:par>
-                    <p:cTn id="3" fill="hold">
-                      <p:stCondLst>
-                        <p:cond delay="indefinite"/>
-                      </p:stCondLst>
-                      <p:childTnLst>
-                        <p:par>
-                          <p:cTn id="4" fill="hold">
-                            <p:stCondLst>
-                              <p:cond delay="0"/>
-                            </p:stCondLst>
-                            <p:childTnLst>
-                              <p:par>
-                                <p:cTn id="5" presetID="1" presetClass="entr" presetSubtype="0" fill="hold" nodeType="clickEffect">
-                                  <p:stCondLst>
-                                    <p:cond delay="0"/>
-                                  </p:stCondLst>
-                                  <p:childTnLst>
-                                    <p:set>
-                                      <p:cBhvr>
-                                        <p:cTn id="6" dur="1" fill="hold">
-                                          <p:stCondLst>
-                                            <p:cond delay="0"/>
-                                          </p:stCondLst>
-                                        </p:cTn>
-                                        <p:tgtEl>
-                                          <p:spTgt spid="28674">
-                                            <p:txEl>
-                                              <p:pRg st="4" end="4"/>
-                                            </p:txEl>
-                                          </p:spTgt>
-                                        </p:tgtEl>
-                                        <p:attrNameLst>
-                                          <p:attrName>style.visibility</p:attrName>
-                                        </p:attrNameLst>
-                                      </p:cBhvr>
-                                      <p:to>
-                                        <p:strVal val="visible"/>
-                                      </p:to>
-                                    </p:set>
-                                  </p:childTnLst>
-                                </p:cTn>
-                              </p:par>
-                            </p:childTnLst>
-                          </p:cTn>
-                        </p:par>
-                      </p:childTnLst>
-                    </p:cTn>
-                  </p:par>
-                  <p:par>
-                    <p:cTn id="7" fill="hold">
-                      <p:stCondLst>
-                        <p:cond delay="indefinite"/>
-                      </p:stCondLst>
-                      <p:childTnLst>
-                        <p:par>
-                          <p:cTn id="8" fill="hold">
-                            <p:stCondLst>
-                              <p:cond delay="0"/>
-                            </p:stCondLst>
-                            <p:childTnLst>
-                              <p:par>
-                                <p:cTn id="9" presetID="1" presetClass="entr" presetSubtype="0" fill="hold" nodeType="clickEffect">
-                                  <p:stCondLst>
-                                    <p:cond delay="0"/>
-                                  </p:stCondLst>
-                                  <p:childTnLst>
-                                    <p:set>
-                                      <p:cBhvr>
-                                        <p:cTn id="10" dur="1" fill="hold">
-                                          <p:stCondLst>
-                                            <p:cond delay="0"/>
-                                          </p:stCondLst>
-                                        </p:cTn>
-                                        <p:tgtEl>
-                                          <p:spTgt spid="28674">
-                                            <p:txEl>
-                                              <p:pRg st="6" end="6"/>
-                                            </p:txEl>
-                                          </p:spTgt>
-                                        </p:tgtEl>
-                                        <p:attrNameLst>
-                                          <p:attrName>style.visibility</p:attrName>
-                                        </p:attrNameLst>
-                                      </p:cBhvr>
-                                      <p:to>
-                                        <p:strVal val="visible"/>
-                                      </p:to>
-                                    </p:set>
-                                  </p:childTnLst>
-                                </p:cTn>
-                              </p:par>
-                            </p:childTnLst>
-                          </p:cTn>
-                        </p:par>
-                      </p:childTnLst>
-                    </p:cTn>
-                  </p:par>
-                </p:childTnLst>
-              </p:cTn>
-              <p:prevCondLst>
-                <p:cond evt="onPrev" delay="0">
-                  <p:tgtEl>
-                    <p:sldTgt/>
-                  </p:tgtEl>
-                </p:cond>
-              </p:prevCondLst>
-              <p:nextCondLst>
-                <p:cond evt="onNext" delay="0">
-                  <p:tgtEl>
-                    <p:sldTgt/>
-                  </p:tgtEl>
-                </p:cond>
-              </p:nextCondLst>
-            </p:seq>
-          </p:childTnLst>
-        </p:cTn>
-      </p:par>
-    </p:tnLst>
-  </p:timing>
 </p:sld>
 </file>
 
